--- a/Calendario2025/presentaciones/19_Modulo_re.pptx
+++ b/Calendario2025/presentaciones/19_Modulo_re.pptx
@@ -5,7 +5,7 @@
     <p:sldMasterId id="2147483648" r:id="rId1"/>
   </p:sldMasterIdLst>
   <p:notesMasterIdLst>
-    <p:notesMasterId r:id="rId48"/>
+    <p:notesMasterId r:id="rId45"/>
   </p:notesMasterIdLst>
   <p:sldIdLst>
     <p:sldId id="293" r:id="rId2"/>
@@ -31,29 +31,26 @@
     <p:sldId id="633" r:id="rId22"/>
     <p:sldId id="636" r:id="rId23"/>
     <p:sldId id="665" r:id="rId24"/>
-    <p:sldId id="637" r:id="rId25"/>
-    <p:sldId id="638" r:id="rId26"/>
-    <p:sldId id="639" r:id="rId27"/>
-    <p:sldId id="640" r:id="rId28"/>
-    <p:sldId id="641" r:id="rId29"/>
-    <p:sldId id="642" r:id="rId30"/>
-    <p:sldId id="725" r:id="rId31"/>
-    <p:sldId id="728" r:id="rId32"/>
-    <p:sldId id="726" r:id="rId33"/>
-    <p:sldId id="643" r:id="rId34"/>
-    <p:sldId id="632" r:id="rId35"/>
-    <p:sldId id="647" r:id="rId36"/>
-    <p:sldId id="649" r:id="rId37"/>
-    <p:sldId id="650" r:id="rId38"/>
-    <p:sldId id="651" r:id="rId39"/>
-    <p:sldId id="652" r:id="rId40"/>
-    <p:sldId id="653" r:id="rId41"/>
-    <p:sldId id="654" r:id="rId42"/>
-    <p:sldId id="717" r:id="rId43"/>
-    <p:sldId id="714" r:id="rId44"/>
-    <p:sldId id="735" r:id="rId45"/>
-    <p:sldId id="716" r:id="rId46"/>
-    <p:sldId id="282" r:id="rId47"/>
+    <p:sldId id="638" r:id="rId25"/>
+    <p:sldId id="639" r:id="rId26"/>
+    <p:sldId id="640" r:id="rId27"/>
+    <p:sldId id="641" r:id="rId28"/>
+    <p:sldId id="642" r:id="rId29"/>
+    <p:sldId id="725" r:id="rId30"/>
+    <p:sldId id="728" r:id="rId31"/>
+    <p:sldId id="726" r:id="rId32"/>
+    <p:sldId id="643" r:id="rId33"/>
+    <p:sldId id="632" r:id="rId34"/>
+    <p:sldId id="647" r:id="rId35"/>
+    <p:sldId id="649" r:id="rId36"/>
+    <p:sldId id="650" r:id="rId37"/>
+    <p:sldId id="651" r:id="rId38"/>
+    <p:sldId id="654" r:id="rId39"/>
+    <p:sldId id="717" r:id="rId40"/>
+    <p:sldId id="714" r:id="rId41"/>
+    <p:sldId id="735" r:id="rId42"/>
+    <p:sldId id="716" r:id="rId43"/>
+    <p:sldId id="282" r:id="rId44"/>
   </p:sldIdLst>
   <p:sldSz cx="9144000" cy="6858000" type="screen4x3"/>
   <p:notesSz cx="6858000" cy="9144000"/>
@@ -253,7 +250,7 @@
           <a:p>
             <a:fld id="{DDE721D5-655F-45D2-B717-3C4CD78C8568}" type="datetimeFigureOut">
               <a:rPr lang="es-MX" smtClean="0"/>
-              <a:t>07/03/2024</a:t>
+              <a:t>06/03/2025</a:t>
             </a:fld>
             <a:endParaRPr lang="es-MX" dirty="0"/>
           </a:p>
@@ -1855,7 +1852,7 @@
     </p:spTree>
     <p:extLst>
       <p:ext uri="{BB962C8B-B14F-4D97-AF65-F5344CB8AC3E}">
-        <p14:creationId xmlns:p14="http://schemas.microsoft.com/office/powerpoint/2010/main" val="1048073295"/>
+        <p14:creationId xmlns:p14="http://schemas.microsoft.com/office/powerpoint/2010/main" val="1961775840"/>
       </p:ext>
     </p:extLst>
   </p:cSld>
@@ -1939,7 +1936,7 @@
     </p:spTree>
     <p:extLst>
       <p:ext uri="{BB962C8B-B14F-4D97-AF65-F5344CB8AC3E}">
-        <p14:creationId xmlns:p14="http://schemas.microsoft.com/office/powerpoint/2010/main" val="1961775840"/>
+        <p14:creationId xmlns:p14="http://schemas.microsoft.com/office/powerpoint/2010/main" val="3066401349"/>
       </p:ext>
     </p:extLst>
   </p:cSld>
@@ -2023,7 +2020,7 @@
     </p:spTree>
     <p:extLst>
       <p:ext uri="{BB962C8B-B14F-4D97-AF65-F5344CB8AC3E}">
-        <p14:creationId xmlns:p14="http://schemas.microsoft.com/office/powerpoint/2010/main" val="3066401349"/>
+        <p14:creationId xmlns:p14="http://schemas.microsoft.com/office/powerpoint/2010/main" val="2234000112"/>
       </p:ext>
     </p:extLst>
   </p:cSld>
@@ -2107,7 +2104,7 @@
     </p:spTree>
     <p:extLst>
       <p:ext uri="{BB962C8B-B14F-4D97-AF65-F5344CB8AC3E}">
-        <p14:creationId xmlns:p14="http://schemas.microsoft.com/office/powerpoint/2010/main" val="2234000112"/>
+        <p14:creationId xmlns:p14="http://schemas.microsoft.com/office/powerpoint/2010/main" val="2319379981"/>
       </p:ext>
     </p:extLst>
   </p:cSld>
@@ -2191,7 +2188,7 @@
     </p:spTree>
     <p:extLst>
       <p:ext uri="{BB962C8B-B14F-4D97-AF65-F5344CB8AC3E}">
-        <p14:creationId xmlns:p14="http://schemas.microsoft.com/office/powerpoint/2010/main" val="2319379981"/>
+        <p14:creationId xmlns:p14="http://schemas.microsoft.com/office/powerpoint/2010/main" val="1391905952"/>
       </p:ext>
     </p:extLst>
   </p:cSld>
@@ -2275,7 +2272,7 @@
     </p:spTree>
     <p:extLst>
       <p:ext uri="{BB962C8B-B14F-4D97-AF65-F5344CB8AC3E}">
-        <p14:creationId xmlns:p14="http://schemas.microsoft.com/office/powerpoint/2010/main" val="1391905952"/>
+        <p14:creationId xmlns:p14="http://schemas.microsoft.com/office/powerpoint/2010/main" val="93052435"/>
       </p:ext>
     </p:extLst>
   </p:cSld>
@@ -2359,7 +2356,7 @@
     </p:spTree>
     <p:extLst>
       <p:ext uri="{BB962C8B-B14F-4D97-AF65-F5344CB8AC3E}">
-        <p14:creationId xmlns:p14="http://schemas.microsoft.com/office/powerpoint/2010/main" val="93052435"/>
+        <p14:creationId xmlns:p14="http://schemas.microsoft.com/office/powerpoint/2010/main" val="3281202480"/>
       </p:ext>
     </p:extLst>
   </p:cSld>
@@ -2527,7 +2524,7 @@
     </p:spTree>
     <p:extLst>
       <p:ext uri="{BB962C8B-B14F-4D97-AF65-F5344CB8AC3E}">
-        <p14:creationId xmlns:p14="http://schemas.microsoft.com/office/powerpoint/2010/main" val="3281202480"/>
+        <p14:creationId xmlns:p14="http://schemas.microsoft.com/office/powerpoint/2010/main" val="2640752000"/>
       </p:ext>
     </p:extLst>
   </p:cSld>
@@ -2611,7 +2608,7 @@
     </p:spTree>
     <p:extLst>
       <p:ext uri="{BB962C8B-B14F-4D97-AF65-F5344CB8AC3E}">
-        <p14:creationId xmlns:p14="http://schemas.microsoft.com/office/powerpoint/2010/main" val="2640752000"/>
+        <p14:creationId xmlns:p14="http://schemas.microsoft.com/office/powerpoint/2010/main" val="1401995659"/>
       </p:ext>
     </p:extLst>
   </p:cSld>
@@ -2695,7 +2692,7 @@
     </p:spTree>
     <p:extLst>
       <p:ext uri="{BB962C8B-B14F-4D97-AF65-F5344CB8AC3E}">
-        <p14:creationId xmlns:p14="http://schemas.microsoft.com/office/powerpoint/2010/main" val="1401995659"/>
+        <p14:creationId xmlns:p14="http://schemas.microsoft.com/office/powerpoint/2010/main" val="1378240649"/>
       </p:ext>
     </p:extLst>
   </p:cSld>
@@ -2779,7 +2776,7 @@
     </p:spTree>
     <p:extLst>
       <p:ext uri="{BB962C8B-B14F-4D97-AF65-F5344CB8AC3E}">
-        <p14:creationId xmlns:p14="http://schemas.microsoft.com/office/powerpoint/2010/main" val="1378240649"/>
+        <p14:creationId xmlns:p14="http://schemas.microsoft.com/office/powerpoint/2010/main" val="97400121"/>
       </p:ext>
     </p:extLst>
   </p:cSld>
@@ -2863,7 +2860,7 @@
     </p:spTree>
     <p:extLst>
       <p:ext uri="{BB962C8B-B14F-4D97-AF65-F5344CB8AC3E}">
-        <p14:creationId xmlns:p14="http://schemas.microsoft.com/office/powerpoint/2010/main" val="97400121"/>
+        <p14:creationId xmlns:p14="http://schemas.microsoft.com/office/powerpoint/2010/main" val="419315271"/>
       </p:ext>
     </p:extLst>
   </p:cSld>
@@ -2947,7 +2944,7 @@
     </p:spTree>
     <p:extLst>
       <p:ext uri="{BB962C8B-B14F-4D97-AF65-F5344CB8AC3E}">
-        <p14:creationId xmlns:p14="http://schemas.microsoft.com/office/powerpoint/2010/main" val="419315271"/>
+        <p14:creationId xmlns:p14="http://schemas.microsoft.com/office/powerpoint/2010/main" val="1044791637"/>
       </p:ext>
     </p:extLst>
   </p:cSld>
@@ -3031,7 +3028,7 @@
     </p:spTree>
     <p:extLst>
       <p:ext uri="{BB962C8B-B14F-4D97-AF65-F5344CB8AC3E}">
-        <p14:creationId xmlns:p14="http://schemas.microsoft.com/office/powerpoint/2010/main" val="1044791637"/>
+        <p14:creationId xmlns:p14="http://schemas.microsoft.com/office/powerpoint/2010/main" val="2879985340"/>
       </p:ext>
     </p:extLst>
   </p:cSld>
@@ -3115,7 +3112,7 @@
     </p:spTree>
     <p:extLst>
       <p:ext uri="{BB962C8B-B14F-4D97-AF65-F5344CB8AC3E}">
-        <p14:creationId xmlns:p14="http://schemas.microsoft.com/office/powerpoint/2010/main" val="2879985340"/>
+        <p14:creationId xmlns:p14="http://schemas.microsoft.com/office/powerpoint/2010/main" val="1494011694"/>
       </p:ext>
     </p:extLst>
   </p:cSld>
@@ -3199,7 +3196,7 @@
     </p:spTree>
     <p:extLst>
       <p:ext uri="{BB962C8B-B14F-4D97-AF65-F5344CB8AC3E}">
-        <p14:creationId xmlns:p14="http://schemas.microsoft.com/office/powerpoint/2010/main" val="1357729493"/>
+        <p14:creationId xmlns:p14="http://schemas.microsoft.com/office/powerpoint/2010/main" val="522272885"/>
       </p:ext>
     </p:extLst>
   </p:cSld>
@@ -3283,7 +3280,7 @@
     </p:spTree>
     <p:extLst>
       <p:ext uri="{BB962C8B-B14F-4D97-AF65-F5344CB8AC3E}">
-        <p14:creationId xmlns:p14="http://schemas.microsoft.com/office/powerpoint/2010/main" val="992094736"/>
+        <p14:creationId xmlns:p14="http://schemas.microsoft.com/office/powerpoint/2010/main" val="809932223"/>
       </p:ext>
     </p:extLst>
   </p:cSld>
@@ -3451,7 +3448,7 @@
     </p:spTree>
     <p:extLst>
       <p:ext uri="{BB962C8B-B14F-4D97-AF65-F5344CB8AC3E}">
-        <p14:creationId xmlns:p14="http://schemas.microsoft.com/office/powerpoint/2010/main" val="1494011694"/>
+        <p14:creationId xmlns:p14="http://schemas.microsoft.com/office/powerpoint/2010/main" val="4144349373"/>
       </p:ext>
     </p:extLst>
   </p:cSld>
@@ -3527,258 +3524,6 @@
             <a:fld id="{6BAB4312-99A1-4CE9-ACE7-4C62E9FD90EE}" type="slidenum">
               <a:rPr lang="es-MX" smtClean="0"/>
               <a:t>42</a:t>
-            </a:fld>
-            <a:endParaRPr lang="es-MX" dirty="0"/>
-          </a:p>
-        </p:txBody>
-      </p:sp>
-    </p:spTree>
-    <p:extLst>
-      <p:ext uri="{BB962C8B-B14F-4D97-AF65-F5344CB8AC3E}">
-        <p14:creationId xmlns:p14="http://schemas.microsoft.com/office/powerpoint/2010/main" val="522272885"/>
-      </p:ext>
-    </p:extLst>
-  </p:cSld>
-  <p:clrMapOvr>
-    <a:masterClrMapping/>
-  </p:clrMapOvr>
-</p:notes>
-</file>
-
-<file path=ppt/notesSlides/notesSlide42.xml><?xml version="1.0" encoding="utf-8"?>
-<p:notes xmlns:a="http://schemas.openxmlformats.org/drawingml/2006/main" xmlns:r="http://schemas.openxmlformats.org/officeDocument/2006/relationships" xmlns:p="http://schemas.openxmlformats.org/presentationml/2006/main">
-  <p:cSld>
-    <p:spTree>
-      <p:nvGrpSpPr>
-        <p:cNvPr id="1" name=""/>
-        <p:cNvGrpSpPr/>
-        <p:nvPr/>
-      </p:nvGrpSpPr>
-      <p:grpSpPr>
-        <a:xfrm>
-          <a:off x="0" y="0"/>
-          <a:ext cx="0" cy="0"/>
-          <a:chOff x="0" y="0"/>
-          <a:chExt cx="0" cy="0"/>
-        </a:xfrm>
-      </p:grpSpPr>
-      <p:sp>
-        <p:nvSpPr>
-          <p:cNvPr id="2" name="Marcador de imagen de diapositiva 1"/>
-          <p:cNvSpPr>
-            <a:spLocks noGrp="1" noRot="1" noChangeAspect="1"/>
-          </p:cNvSpPr>
-          <p:nvPr>
-            <p:ph type="sldImg"/>
-          </p:nvPr>
-        </p:nvSpPr>
-        <p:spPr/>
-      </p:sp>
-      <p:sp>
-        <p:nvSpPr>
-          <p:cNvPr id="3" name="Marcador de notas 2"/>
-          <p:cNvSpPr>
-            <a:spLocks noGrp="1"/>
-          </p:cNvSpPr>
-          <p:nvPr>
-            <p:ph type="body" idx="1"/>
-          </p:nvPr>
-        </p:nvSpPr>
-        <p:spPr/>
-        <p:txBody>
-          <a:bodyPr/>
-          <a:lstStyle/>
-          <a:p>
-            <a:endParaRPr lang="es-MX" dirty="0"/>
-          </a:p>
-        </p:txBody>
-      </p:sp>
-      <p:sp>
-        <p:nvSpPr>
-          <p:cNvPr id="4" name="Marcador de número de diapositiva 3"/>
-          <p:cNvSpPr>
-            <a:spLocks noGrp="1"/>
-          </p:cNvSpPr>
-          <p:nvPr>
-            <p:ph type="sldNum" sz="quarter" idx="5"/>
-          </p:nvPr>
-        </p:nvSpPr>
-        <p:spPr/>
-        <p:txBody>
-          <a:bodyPr/>
-          <a:lstStyle/>
-          <a:p>
-            <a:fld id="{6BAB4312-99A1-4CE9-ACE7-4C62E9FD90EE}" type="slidenum">
-              <a:rPr lang="es-MX" smtClean="0"/>
-              <a:t>43</a:t>
-            </a:fld>
-            <a:endParaRPr lang="es-MX" dirty="0"/>
-          </a:p>
-        </p:txBody>
-      </p:sp>
-    </p:spTree>
-    <p:extLst>
-      <p:ext uri="{BB962C8B-B14F-4D97-AF65-F5344CB8AC3E}">
-        <p14:creationId xmlns:p14="http://schemas.microsoft.com/office/powerpoint/2010/main" val="809932223"/>
-      </p:ext>
-    </p:extLst>
-  </p:cSld>
-  <p:clrMapOvr>
-    <a:masterClrMapping/>
-  </p:clrMapOvr>
-</p:notes>
-</file>
-
-<file path=ppt/notesSlides/notesSlide43.xml><?xml version="1.0" encoding="utf-8"?>
-<p:notes xmlns:a="http://schemas.openxmlformats.org/drawingml/2006/main" xmlns:r="http://schemas.openxmlformats.org/officeDocument/2006/relationships" xmlns:p="http://schemas.openxmlformats.org/presentationml/2006/main">
-  <p:cSld>
-    <p:spTree>
-      <p:nvGrpSpPr>
-        <p:cNvPr id="1" name=""/>
-        <p:cNvGrpSpPr/>
-        <p:nvPr/>
-      </p:nvGrpSpPr>
-      <p:grpSpPr>
-        <a:xfrm>
-          <a:off x="0" y="0"/>
-          <a:ext cx="0" cy="0"/>
-          <a:chOff x="0" y="0"/>
-          <a:chExt cx="0" cy="0"/>
-        </a:xfrm>
-      </p:grpSpPr>
-      <p:sp>
-        <p:nvSpPr>
-          <p:cNvPr id="2" name="Marcador de imagen de diapositiva 1"/>
-          <p:cNvSpPr>
-            <a:spLocks noGrp="1" noRot="1" noChangeAspect="1"/>
-          </p:cNvSpPr>
-          <p:nvPr>
-            <p:ph type="sldImg"/>
-          </p:nvPr>
-        </p:nvSpPr>
-        <p:spPr/>
-      </p:sp>
-      <p:sp>
-        <p:nvSpPr>
-          <p:cNvPr id="3" name="Marcador de notas 2"/>
-          <p:cNvSpPr>
-            <a:spLocks noGrp="1"/>
-          </p:cNvSpPr>
-          <p:nvPr>
-            <p:ph type="body" idx="1"/>
-          </p:nvPr>
-        </p:nvSpPr>
-        <p:spPr/>
-        <p:txBody>
-          <a:bodyPr/>
-          <a:lstStyle/>
-          <a:p>
-            <a:endParaRPr lang="es-MX" dirty="0"/>
-          </a:p>
-        </p:txBody>
-      </p:sp>
-      <p:sp>
-        <p:nvSpPr>
-          <p:cNvPr id="4" name="Marcador de número de diapositiva 3"/>
-          <p:cNvSpPr>
-            <a:spLocks noGrp="1"/>
-          </p:cNvSpPr>
-          <p:nvPr>
-            <p:ph type="sldNum" sz="quarter" idx="5"/>
-          </p:nvPr>
-        </p:nvSpPr>
-        <p:spPr/>
-        <p:txBody>
-          <a:bodyPr/>
-          <a:lstStyle/>
-          <a:p>
-            <a:fld id="{6BAB4312-99A1-4CE9-ACE7-4C62E9FD90EE}" type="slidenum">
-              <a:rPr lang="es-MX" smtClean="0"/>
-              <a:t>44</a:t>
-            </a:fld>
-            <a:endParaRPr lang="es-MX" dirty="0"/>
-          </a:p>
-        </p:txBody>
-      </p:sp>
-    </p:spTree>
-    <p:extLst>
-      <p:ext uri="{BB962C8B-B14F-4D97-AF65-F5344CB8AC3E}">
-        <p14:creationId xmlns:p14="http://schemas.microsoft.com/office/powerpoint/2010/main" val="4144349373"/>
-      </p:ext>
-    </p:extLst>
-  </p:cSld>
-  <p:clrMapOvr>
-    <a:masterClrMapping/>
-  </p:clrMapOvr>
-</p:notes>
-</file>
-
-<file path=ppt/notesSlides/notesSlide44.xml><?xml version="1.0" encoding="utf-8"?>
-<p:notes xmlns:a="http://schemas.openxmlformats.org/drawingml/2006/main" xmlns:r="http://schemas.openxmlformats.org/officeDocument/2006/relationships" xmlns:p="http://schemas.openxmlformats.org/presentationml/2006/main">
-  <p:cSld>
-    <p:spTree>
-      <p:nvGrpSpPr>
-        <p:cNvPr id="1" name=""/>
-        <p:cNvGrpSpPr/>
-        <p:nvPr/>
-      </p:nvGrpSpPr>
-      <p:grpSpPr>
-        <a:xfrm>
-          <a:off x="0" y="0"/>
-          <a:ext cx="0" cy="0"/>
-          <a:chOff x="0" y="0"/>
-          <a:chExt cx="0" cy="0"/>
-        </a:xfrm>
-      </p:grpSpPr>
-      <p:sp>
-        <p:nvSpPr>
-          <p:cNvPr id="2" name="Marcador de imagen de diapositiva 1"/>
-          <p:cNvSpPr>
-            <a:spLocks noGrp="1" noRot="1" noChangeAspect="1"/>
-          </p:cNvSpPr>
-          <p:nvPr>
-            <p:ph type="sldImg"/>
-          </p:nvPr>
-        </p:nvSpPr>
-        <p:spPr/>
-      </p:sp>
-      <p:sp>
-        <p:nvSpPr>
-          <p:cNvPr id="3" name="Marcador de notas 2"/>
-          <p:cNvSpPr>
-            <a:spLocks noGrp="1"/>
-          </p:cNvSpPr>
-          <p:nvPr>
-            <p:ph type="body" idx="1"/>
-          </p:nvPr>
-        </p:nvSpPr>
-        <p:spPr/>
-        <p:txBody>
-          <a:bodyPr/>
-          <a:lstStyle/>
-          <a:p>
-            <a:endParaRPr lang="es-MX" dirty="0"/>
-          </a:p>
-        </p:txBody>
-      </p:sp>
-      <p:sp>
-        <p:nvSpPr>
-          <p:cNvPr id="4" name="Marcador de número de diapositiva 3"/>
-          <p:cNvSpPr>
-            <a:spLocks noGrp="1"/>
-          </p:cNvSpPr>
-          <p:nvPr>
-            <p:ph type="sldNum" sz="quarter" idx="5"/>
-          </p:nvPr>
-        </p:nvSpPr>
-        <p:spPr/>
-        <p:txBody>
-          <a:bodyPr/>
-          <a:lstStyle/>
-          <a:p>
-            <a:fld id="{6BAB4312-99A1-4CE9-ACE7-4C62E9FD90EE}" type="slidenum">
-              <a:rPr lang="es-MX" smtClean="0"/>
-              <a:t>45</a:t>
             </a:fld>
             <a:endParaRPr lang="es-MX" dirty="0"/>
           </a:p>
@@ -4398,7 +4143,7 @@
           <a:p>
             <a:fld id="{B3F3E716-CACC-4490-AD07-F24B6A68DE47}" type="datetimeFigureOut">
               <a:rPr lang="es-MX" smtClean="0"/>
-              <a:t>07/03/2024</a:t>
+              <a:t>06/03/2025</a:t>
             </a:fld>
             <a:endParaRPr lang="es-MX" dirty="0"/>
           </a:p>
@@ -4568,7 +4313,7 @@
           <a:p>
             <a:fld id="{B3F3E716-CACC-4490-AD07-F24B6A68DE47}" type="datetimeFigureOut">
               <a:rPr lang="es-MX" smtClean="0"/>
-              <a:t>07/03/2024</a:t>
+              <a:t>06/03/2025</a:t>
             </a:fld>
             <a:endParaRPr lang="es-MX" dirty="0"/>
           </a:p>
@@ -4748,7 +4493,7 @@
           <a:p>
             <a:fld id="{B3F3E716-CACC-4490-AD07-F24B6A68DE47}" type="datetimeFigureOut">
               <a:rPr lang="es-MX" smtClean="0"/>
-              <a:t>07/03/2024</a:t>
+              <a:t>06/03/2025</a:t>
             </a:fld>
             <a:endParaRPr lang="es-MX" dirty="0"/>
           </a:p>
@@ -4901,7 +4646,7 @@
           <a:p>
             <a:fld id="{1D8BD707-D9CF-40AE-B4C6-C98DA3205C09}" type="datetimeFigureOut">
               <a:rPr lang="en-US" smtClean="0"/>
-              <a:t>3/7/2024</a:t>
+              <a:t>3/6/2025</a:t>
             </a:fld>
             <a:endParaRPr lang="en-US" dirty="0"/>
           </a:p>
@@ -5061,7 +4806,7 @@
           <a:p>
             <a:fld id="{B3F3E716-CACC-4490-AD07-F24B6A68DE47}" type="datetimeFigureOut">
               <a:rPr lang="es-MX" smtClean="0"/>
-              <a:t>07/03/2024</a:t>
+              <a:t>06/03/2025</a:t>
             </a:fld>
             <a:endParaRPr lang="es-MX" dirty="0"/>
           </a:p>
@@ -5307,7 +5052,7 @@
           <a:p>
             <a:fld id="{B3F3E716-CACC-4490-AD07-F24B6A68DE47}" type="datetimeFigureOut">
               <a:rPr lang="es-MX" smtClean="0"/>
-              <a:t>07/03/2024</a:t>
+              <a:t>06/03/2025</a:t>
             </a:fld>
             <a:endParaRPr lang="es-MX" dirty="0"/>
           </a:p>
@@ -5595,7 +5340,7 @@
           <a:p>
             <a:fld id="{B3F3E716-CACC-4490-AD07-F24B6A68DE47}" type="datetimeFigureOut">
               <a:rPr lang="es-MX" smtClean="0"/>
-              <a:t>07/03/2024</a:t>
+              <a:t>06/03/2025</a:t>
             </a:fld>
             <a:endParaRPr lang="es-MX" dirty="0"/>
           </a:p>
@@ -6017,7 +5762,7 @@
           <a:p>
             <a:fld id="{B3F3E716-CACC-4490-AD07-F24B6A68DE47}" type="datetimeFigureOut">
               <a:rPr lang="es-MX" smtClean="0"/>
-              <a:t>07/03/2024</a:t>
+              <a:t>06/03/2025</a:t>
             </a:fld>
             <a:endParaRPr lang="es-MX" dirty="0"/>
           </a:p>
@@ -6135,7 +5880,7 @@
           <a:p>
             <a:fld id="{B3F3E716-CACC-4490-AD07-F24B6A68DE47}" type="datetimeFigureOut">
               <a:rPr lang="es-MX" smtClean="0"/>
-              <a:t>07/03/2024</a:t>
+              <a:t>06/03/2025</a:t>
             </a:fld>
             <a:endParaRPr lang="es-MX" dirty="0"/>
           </a:p>
@@ -6230,7 +5975,7 @@
           <a:p>
             <a:fld id="{B3F3E716-CACC-4490-AD07-F24B6A68DE47}" type="datetimeFigureOut">
               <a:rPr lang="es-MX" smtClean="0"/>
-              <a:t>07/03/2024</a:t>
+              <a:t>06/03/2025</a:t>
             </a:fld>
             <a:endParaRPr lang="es-MX" dirty="0"/>
           </a:p>
@@ -6507,7 +6252,7 @@
           <a:p>
             <a:fld id="{B3F3E716-CACC-4490-AD07-F24B6A68DE47}" type="datetimeFigureOut">
               <a:rPr lang="es-MX" smtClean="0"/>
-              <a:t>07/03/2024</a:t>
+              <a:t>06/03/2025</a:t>
             </a:fld>
             <a:endParaRPr lang="es-MX" dirty="0"/>
           </a:p>
@@ -6760,7 +6505,7 @@
           <a:p>
             <a:fld id="{B3F3E716-CACC-4490-AD07-F24B6A68DE47}" type="datetimeFigureOut">
               <a:rPr lang="es-MX" smtClean="0"/>
-              <a:t>07/03/2024</a:t>
+              <a:t>06/03/2025</a:t>
             </a:fld>
             <a:endParaRPr lang="es-MX" dirty="0"/>
           </a:p>
@@ -6973,7 +6718,7 @@
           <a:p>
             <a:fld id="{B3F3E716-CACC-4490-AD07-F24B6A68DE47}" type="datetimeFigureOut">
               <a:rPr lang="es-MX" smtClean="0"/>
-              <a:t>07/03/2024</a:t>
+              <a:t>06/03/2025</a:t>
             </a:fld>
             <a:endParaRPr lang="es-MX" dirty="0"/>
           </a:p>
@@ -7735,7 +7480,7 @@
         </p:nvSpPr>
         <p:spPr>
           <a:xfrm>
-            <a:off x="282352" y="-17738"/>
+            <a:off x="282352" y="332656"/>
             <a:ext cx="8579296" cy="1143000"/>
           </a:xfrm>
         </p:spPr>
@@ -7781,8 +7526,8 @@
         </p:nvSpPr>
         <p:spPr>
           <a:xfrm>
-            <a:off x="663706" y="1802272"/>
-            <a:ext cx="7632848" cy="3253455"/>
+            <a:off x="831331" y="2321195"/>
+            <a:ext cx="7540580" cy="1836785"/>
           </a:xfrm>
           <a:prstGeom prst="rect">
             <a:avLst/>
@@ -7806,41 +7551,45 @@
               <a:buChar char="•"/>
             </a:pPr>
             <a:r>
-              <a:rPr lang="es-ES" b="1" dirty="0" err="1">
+              <a:rPr lang="es-ES" sz="2000" b="1" dirty="0" err="1">
                 <a:solidFill>
                   <a:schemeClr val="accent6">
                     <a:lumMod val="75000"/>
                   </a:schemeClr>
                 </a:solidFill>
                 <a:latin typeface="inherit"/>
+                <a:cs typeface="Arial" panose="020B0604020202020204" pitchFamily="34" charset="0"/>
               </a:rPr>
               <a:t>split</a:t>
             </a:r>
             <a:r>
-              <a:rPr lang="es-ES" b="1" dirty="0">
+              <a:rPr lang="es-ES" sz="2000" b="1" dirty="0">
                 <a:solidFill>
                   <a:schemeClr val="accent6">
                     <a:lumMod val="75000"/>
                   </a:schemeClr>
                 </a:solidFill>
                 <a:latin typeface="inherit"/>
+                <a:cs typeface="Arial" panose="020B0604020202020204" pitchFamily="34" charset="0"/>
               </a:rPr>
               <a:t>(): </a:t>
             </a:r>
             <a:r>
-              <a:rPr lang="es-ES" dirty="0">
+              <a:rPr lang="es-ES" sz="2000" dirty="0">
                 <a:solidFill>
                   <a:srgbClr val="000000"/>
                 </a:solidFill>
                 <a:latin typeface="inherit"/>
+                <a:cs typeface="Arial" panose="020B0604020202020204" pitchFamily="34" charset="0"/>
               </a:rPr>
               <a:t>El cual divide el texto en una lista, realizando las divisiones del texto en cada lugar donde se cumple con la expresión regular.</a:t>
             </a:r>
-            <a:endParaRPr lang="es-ES" u="sng" dirty="0">
+            <a:endParaRPr lang="es-ES" sz="2000" u="sng" dirty="0">
               <a:solidFill>
                 <a:srgbClr val="000000"/>
               </a:solidFill>
               <a:latin typeface="inherit"/>
+              <a:cs typeface="Arial" panose="020B0604020202020204" pitchFamily="34" charset="0"/>
             </a:endParaRPr>
           </a:p>
           <a:p>
@@ -7855,105 +7604,34 @@
               <a:buChar char="•"/>
             </a:pPr>
             <a:r>
-              <a:rPr lang="es-ES" b="1" dirty="0">
+              <a:rPr lang="es-ES" sz="2000" b="1" dirty="0">
                 <a:solidFill>
                   <a:schemeClr val="accent6">
                     <a:lumMod val="75000"/>
                   </a:schemeClr>
                 </a:solidFill>
                 <a:latin typeface="inherit"/>
+                <a:cs typeface="Arial" panose="020B0604020202020204" pitchFamily="34" charset="0"/>
               </a:rPr>
               <a:t>sub(): </a:t>
             </a:r>
             <a:r>
-              <a:rPr lang="es-ES" dirty="0">
+              <a:rPr lang="es-ES" sz="2000" dirty="0">
                 <a:solidFill>
                   <a:srgbClr val="000000"/>
                 </a:solidFill>
                 <a:latin typeface="inherit"/>
+                <a:cs typeface="Arial" panose="020B0604020202020204" pitchFamily="34" charset="0"/>
               </a:rPr>
               <a:t>El cual encuentra todos los subtextos donde existe una coincidencia con la expresión regular y luego los reemplaza con un nuevo texto.</a:t>
             </a:r>
-          </a:p>
-          <a:p>
-            <a:pPr marL="285750" indent="-285750" algn="just" fontAlgn="base">
-              <a:lnSpc>
-                <a:spcPts val="2500"/>
-              </a:lnSpc>
-              <a:spcAft>
-                <a:spcPts val="1200"/>
-              </a:spcAft>
-              <a:buFont typeface="Arial" panose="020B0604020202020204" pitchFamily="34" charset="0"/>
-              <a:buChar char="•"/>
-            </a:pPr>
-            <a:r>
-              <a:rPr lang="es-ES" b="1" dirty="0" err="1">
-                <a:solidFill>
-                  <a:schemeClr val="accent6">
-                    <a:lumMod val="75000"/>
-                  </a:schemeClr>
-                </a:solidFill>
-                <a:latin typeface="inherit"/>
-              </a:rPr>
-              <a:t>subn</a:t>
-            </a:r>
-            <a:r>
-              <a:rPr lang="es-ES" b="1" dirty="0">
-                <a:solidFill>
-                  <a:schemeClr val="accent6">
-                    <a:lumMod val="75000"/>
-                  </a:schemeClr>
-                </a:solidFill>
-                <a:latin typeface="inherit"/>
-              </a:rPr>
-              <a:t>(): </a:t>
-            </a:r>
-            <a:r>
-              <a:rPr lang="es-ES" dirty="0">
-                <a:solidFill>
-                  <a:srgbClr val="000000"/>
-                </a:solidFill>
-                <a:latin typeface="inherit"/>
-              </a:rPr>
-              <a:t>El cual es similar al anterior pero además de devolver el nuevo texto, también devuelve el numero de reemplazos que realizó.</a:t>
-            </a:r>
-          </a:p>
-          <a:p>
-            <a:pPr marL="285750" indent="-285750" algn="just" fontAlgn="base">
-              <a:lnSpc>
-                <a:spcPts val="2500"/>
-              </a:lnSpc>
-              <a:spcAft>
-                <a:spcPts val="1200"/>
-              </a:spcAft>
-              <a:buFont typeface="Arial" panose="020B0604020202020204" pitchFamily="34" charset="0"/>
-              <a:buChar char="•"/>
-            </a:pPr>
-            <a:endParaRPr lang="es-ES" b="0" i="0" dirty="0">
+            <a:endParaRPr lang="es-ES" sz="2000" b="0" i="0" dirty="0">
               <a:solidFill>
                 <a:srgbClr val="000000"/>
               </a:solidFill>
               <a:effectLst/>
               <a:latin typeface="inherit"/>
-            </a:endParaRPr>
-          </a:p>
-          <a:p>
-            <a:pPr marL="285750" indent="-285750" algn="just" fontAlgn="base">
-              <a:lnSpc>
-                <a:spcPts val="2500"/>
-              </a:lnSpc>
-              <a:spcAft>
-                <a:spcPts val="1200"/>
-              </a:spcAft>
-              <a:buFont typeface="Arial" panose="020B0604020202020204" pitchFamily="34" charset="0"/>
-              <a:buChar char="•"/>
-            </a:pPr>
-            <a:endParaRPr lang="es-ES" b="0" i="0" dirty="0">
-              <a:solidFill>
-                <a:srgbClr val="000000"/>
-              </a:solidFill>
-              <a:effectLst/>
-              <a:latin typeface="inherit"/>
+              <a:cs typeface="Arial" panose="020B0604020202020204" pitchFamily="34" charset="0"/>
             </a:endParaRPr>
           </a:p>
         </p:txBody>
@@ -7972,7 +7650,7 @@
         </p:nvSpPr>
         <p:spPr>
           <a:xfrm>
-            <a:off x="641181" y="827801"/>
+            <a:off x="641181" y="1178195"/>
             <a:ext cx="7920880" cy="506292"/>
           </a:xfrm>
           <a:prstGeom prst="rect">
@@ -11571,67 +11249,90 @@
       </p:grpSpPr>
       <p:sp>
         <p:nvSpPr>
-          <p:cNvPr id="184324" name="Rectangle 4"/>
-          <p:cNvSpPr>
-            <a:spLocks noGrp="1" noChangeArrowheads="1"/>
-          </p:cNvSpPr>
-          <p:nvPr>
-            <p:ph type="title"/>
-          </p:nvPr>
+          <p:cNvPr id="9" name="CuadroTexto 8">
+            <a:extLst>
+              <a:ext uri="{FF2B5EF4-FFF2-40B4-BE49-F238E27FC236}">
+                <a16:creationId xmlns:a16="http://schemas.microsoft.com/office/drawing/2014/main" id="{3C2E1319-C186-4202-8393-814D31E5493C}"/>
+              </a:ext>
+            </a:extLst>
+          </p:cNvPr>
+          <p:cNvSpPr txBox="1"/>
+          <p:nvPr/>
         </p:nvSpPr>
         <p:spPr>
           <a:xfrm>
-            <a:off x="289721" y="4056"/>
-            <a:ext cx="8363272" cy="1143000"/>
-          </a:xfrm>
-        </p:spPr>
-        <p:txBody>
-          <a:bodyPr>
-            <a:normAutofit/>
+            <a:off x="732113" y="1996191"/>
+            <a:ext cx="7920880" cy="506292"/>
+          </a:xfrm>
+          <a:prstGeom prst="rect">
+            <a:avLst/>
+          </a:prstGeom>
+          <a:noFill/>
+        </p:spPr>
+        <p:txBody>
+          <a:bodyPr wrap="square">
+            <a:spAutoFit/>
           </a:bodyPr>
           <a:lstStyle/>
           <a:p>
-            <a:pPr eaLnBrk="1" hangingPunct="1">
-              <a:defRPr/>
+            <a:pPr algn="l">
+              <a:lnSpc>
+                <a:spcPct val="150000"/>
+              </a:lnSpc>
             </a:pPr>
             <a:r>
-              <a:rPr lang="es-MX" b="1" dirty="0" err="1">
-                <a:solidFill>
-                  <a:schemeClr val="accent4">
-                    <a:lumMod val="50000"/>
-                  </a:schemeClr>
-                </a:solidFill>
-                <a:effectLst>
-                  <a:outerShdw blurRad="38100" dist="38100" dir="2700000" algn="tl">
-                    <a:srgbClr val="C0C0C0"/>
-                  </a:outerShdw>
-                </a:effectLst>
-                <a:latin typeface="Dom Casual" charset="0"/>
-              </a:rPr>
-              <a:t>Metacaracteres</a:t>
-            </a:r>
-            <a:endParaRPr lang="es-MX" b="1" dirty="0">
+              <a:rPr lang="es-ES" sz="2000" b="1" i="0" dirty="0">
+                <a:solidFill>
+                  <a:schemeClr val="tx1">
+                    <a:lumMod val="95000"/>
+                    <a:lumOff val="5000"/>
+                  </a:schemeClr>
+                </a:solidFill>
+                <a:effectLst/>
+              </a:rPr>
+              <a:t>Ejemplo 3: </a:t>
+            </a:r>
+            <a:r>
+              <a:rPr lang="es-ES" sz="2000" i="0" dirty="0">
+                <a:solidFill>
+                  <a:schemeClr val="tx1">
+                    <a:lumMod val="95000"/>
+                    <a:lumOff val="5000"/>
+                  </a:schemeClr>
+                </a:solidFill>
+                <a:effectLst/>
+              </a:rPr>
+              <a:t>Texto con 4 caracteres y que termine en ar.</a:t>
+            </a:r>
+            <a:r>
+              <a:rPr lang="es-ES" sz="2000" b="1" i="0" dirty="0">
+                <a:solidFill>
+                  <a:schemeClr val="tx1">
+                    <a:lumMod val="95000"/>
+                    <a:lumOff val="5000"/>
+                  </a:schemeClr>
+                </a:solidFill>
+                <a:effectLst/>
+              </a:rPr>
+              <a:t> </a:t>
+            </a:r>
+            <a:endParaRPr lang="es-ES" sz="2000" b="1" dirty="0">
               <a:solidFill>
-                <a:schemeClr val="accent4">
-                  <a:lumMod val="50000"/>
+                <a:schemeClr val="tx1">
+                  <a:lumMod val="95000"/>
+                  <a:lumOff val="5000"/>
                 </a:schemeClr>
               </a:solidFill>
-              <a:effectLst>
-                <a:outerShdw blurRad="38100" dist="38100" dir="2700000" algn="tl">
-                  <a:srgbClr val="C0C0C0"/>
-                </a:outerShdw>
-              </a:effectLst>
-              <a:latin typeface="Dom Casual" charset="0"/>
             </a:endParaRPr>
           </a:p>
         </p:txBody>
       </p:sp>
       <p:pic>
         <p:nvPicPr>
-          <p:cNvPr id="6" name="Imagen 5">
+          <p:cNvPr id="3" name="Imagen 2">
             <a:extLst>
               <a:ext uri="{FF2B5EF4-FFF2-40B4-BE49-F238E27FC236}">
-                <a16:creationId xmlns:a16="http://schemas.microsoft.com/office/drawing/2014/main" id="{89503A3F-E9DA-4811-B06F-68C27D84A950}"/>
+                <a16:creationId xmlns:a16="http://schemas.microsoft.com/office/drawing/2014/main" id="{EA9CC210-D544-440F-8021-7745484E46E6}"/>
               </a:ext>
             </a:extLst>
           </p:cNvPr>
@@ -11648,8 +11349,8 @@
         </p:blipFill>
         <p:spPr>
           <a:xfrm>
-            <a:off x="936011" y="2615298"/>
-            <a:ext cx="7581900" cy="2781300"/>
+            <a:off x="895639" y="2805616"/>
+            <a:ext cx="7611568" cy="2264537"/>
           </a:xfrm>
           <a:prstGeom prst="rect">
             <a:avLst/>
@@ -11658,10 +11359,89 @@
       </p:pic>
       <p:sp>
         <p:nvSpPr>
-          <p:cNvPr id="10" name="CuadroTexto 9">
+          <p:cNvPr id="10" name="Rectangle 4">
             <a:extLst>
               <a:ext uri="{FF2B5EF4-FFF2-40B4-BE49-F238E27FC236}">
-                <a16:creationId xmlns:a16="http://schemas.microsoft.com/office/drawing/2014/main" id="{65A32C36-6B63-4F4C-8762-95C0DAD8965B}"/>
+                <a16:creationId xmlns:a16="http://schemas.microsoft.com/office/drawing/2014/main" id="{47566EE0-4954-4E0D-B2B2-3E11D449C07F}"/>
+              </a:ext>
+            </a:extLst>
+          </p:cNvPr>
+          <p:cNvSpPr txBox="1">
+            <a:spLocks noChangeArrowheads="1"/>
+          </p:cNvSpPr>
+          <p:nvPr/>
+        </p:nvSpPr>
+        <p:spPr>
+          <a:xfrm>
+            <a:off x="289721" y="4056"/>
+            <a:ext cx="8363272" cy="1143000"/>
+          </a:xfrm>
+          <a:prstGeom prst="rect">
+            <a:avLst/>
+          </a:prstGeom>
+        </p:spPr>
+        <p:txBody>
+          <a:bodyPr vert="horz" lIns="91440" tIns="45720" rIns="91440" bIns="45720" rtlCol="0" anchor="ctr">
+            <a:normAutofit/>
+          </a:bodyPr>
+          <a:lstStyle>
+            <a:lvl1pPr algn="ctr" defTabSz="914400" rtl="0" eaLnBrk="1" latinLnBrk="0" hangingPunct="1">
+              <a:spcBef>
+                <a:spcPct val="0"/>
+              </a:spcBef>
+              <a:buNone/>
+              <a:defRPr sz="4400" kern="1200">
+                <a:solidFill>
+                  <a:schemeClr val="tx1"/>
+                </a:solidFill>
+                <a:latin typeface="+mj-lt"/>
+                <a:ea typeface="+mj-ea"/>
+                <a:cs typeface="+mj-cs"/>
+              </a:defRPr>
+            </a:lvl1pPr>
+          </a:lstStyle>
+          <a:p>
+            <a:pPr>
+              <a:defRPr/>
+            </a:pPr>
+            <a:r>
+              <a:rPr lang="es-MX" b="1" dirty="0" err="1">
+                <a:solidFill>
+                  <a:schemeClr val="accent4">
+                    <a:lumMod val="50000"/>
+                  </a:schemeClr>
+                </a:solidFill>
+                <a:effectLst>
+                  <a:outerShdw blurRad="38100" dist="38100" dir="2700000" algn="tl">
+                    <a:srgbClr val="C0C0C0"/>
+                  </a:outerShdw>
+                </a:effectLst>
+                <a:latin typeface="Dom Casual" charset="0"/>
+              </a:rPr>
+              <a:t>Metacaracteres</a:t>
+            </a:r>
+            <a:endParaRPr lang="es-MX" b="1" dirty="0">
+              <a:solidFill>
+                <a:schemeClr val="accent4">
+                  <a:lumMod val="50000"/>
+                </a:schemeClr>
+              </a:solidFill>
+              <a:effectLst>
+                <a:outerShdw blurRad="38100" dist="38100" dir="2700000" algn="tl">
+                  <a:srgbClr val="C0C0C0"/>
+                </a:outerShdw>
+              </a:effectLst>
+              <a:latin typeface="Dom Casual" charset="0"/>
+            </a:endParaRPr>
+          </a:p>
+        </p:txBody>
+      </p:sp>
+      <p:sp>
+        <p:nvSpPr>
+          <p:cNvPr id="11" name="CuadroTexto 10">
+            <a:extLst>
+              <a:ext uri="{FF2B5EF4-FFF2-40B4-BE49-F238E27FC236}">
+                <a16:creationId xmlns:a16="http://schemas.microsoft.com/office/drawing/2014/main" id="{DB4734F2-B2C4-4B79-90BB-D1E93446E6FA}"/>
               </a:ext>
             </a:extLst>
           </p:cNvPr>
@@ -11670,7 +11450,7 @@
         </p:nvSpPr>
         <p:spPr>
           <a:xfrm>
-            <a:off x="891027" y="854548"/>
+            <a:off x="891027" y="908720"/>
             <a:ext cx="7065349" cy="393698"/>
           </a:xfrm>
           <a:prstGeom prst="rect">
@@ -11707,90 +11487,10 @@
           </a:p>
         </p:txBody>
       </p:sp>
-      <p:sp>
-        <p:nvSpPr>
-          <p:cNvPr id="7" name="CuadroTexto 6">
-            <a:extLst>
-              <a:ext uri="{FF2B5EF4-FFF2-40B4-BE49-F238E27FC236}">
-                <a16:creationId xmlns:a16="http://schemas.microsoft.com/office/drawing/2014/main" id="{D063FB26-AAEE-4512-8152-582C6C8E3508}"/>
-              </a:ext>
-            </a:extLst>
-          </p:cNvPr>
-          <p:cNvSpPr txBox="1"/>
-          <p:nvPr/>
-        </p:nvSpPr>
-        <p:spPr>
-          <a:xfrm>
-            <a:off x="891027" y="1744402"/>
-            <a:ext cx="7920880" cy="506292"/>
-          </a:xfrm>
-          <a:prstGeom prst="rect">
-            <a:avLst/>
-          </a:prstGeom>
-          <a:noFill/>
-        </p:spPr>
-        <p:txBody>
-          <a:bodyPr wrap="square">
-            <a:spAutoFit/>
-          </a:bodyPr>
-          <a:lstStyle/>
-          <a:p>
-            <a:pPr algn="l">
-              <a:lnSpc>
-                <a:spcPct val="150000"/>
-              </a:lnSpc>
-            </a:pPr>
-            <a:r>
-              <a:rPr lang="es-ES" sz="2000" b="1" i="0" dirty="0">
-                <a:solidFill>
-                  <a:schemeClr val="tx1">
-                    <a:lumMod val="95000"/>
-                    <a:lumOff val="5000"/>
-                  </a:schemeClr>
-                </a:solidFill>
-                <a:effectLst/>
-              </a:rPr>
-              <a:t>Ejemplo 3: </a:t>
-            </a:r>
-            <a:r>
-              <a:rPr lang="es-ES" sz="2000" i="0" dirty="0">
-                <a:solidFill>
-                  <a:schemeClr val="tx1">
-                    <a:lumMod val="95000"/>
-                    <a:lumOff val="5000"/>
-                  </a:schemeClr>
-                </a:solidFill>
-                <a:effectLst/>
-              </a:rPr>
-              <a:t>Texto con 4 caracteres y que termine en ar.</a:t>
-            </a:r>
-            <a:r>
-              <a:rPr lang="es-ES" sz="2000" b="1" i="0" dirty="0">
-                <a:solidFill>
-                  <a:schemeClr val="tx1">
-                    <a:lumMod val="95000"/>
-                    <a:lumOff val="5000"/>
-                  </a:schemeClr>
-                </a:solidFill>
-                <a:effectLst/>
-              </a:rPr>
-              <a:t> </a:t>
-            </a:r>
-            <a:endParaRPr lang="es-ES" sz="2000" b="1" dirty="0">
-              <a:solidFill>
-                <a:schemeClr val="tx1">
-                  <a:lumMod val="95000"/>
-                  <a:lumOff val="5000"/>
-                </a:schemeClr>
-              </a:solidFill>
-            </a:endParaRPr>
-          </a:p>
-        </p:txBody>
-      </p:sp>
     </p:spTree>
     <p:extLst>
       <p:ext uri="{BB962C8B-B14F-4D97-AF65-F5344CB8AC3E}">
-        <p14:creationId xmlns:p14="http://schemas.microsoft.com/office/powerpoint/2010/main" val="3835174959"/>
+        <p14:creationId xmlns:p14="http://schemas.microsoft.com/office/powerpoint/2010/main" val="1850835887"/>
       </p:ext>
     </p:extLst>
   </p:cSld>
@@ -11819,10 +11519,67 @@
       </p:grpSpPr>
       <p:sp>
         <p:nvSpPr>
-          <p:cNvPr id="9" name="CuadroTexto 8">
+          <p:cNvPr id="184324" name="Rectangle 4"/>
+          <p:cNvSpPr>
+            <a:spLocks noGrp="1" noChangeArrowheads="1"/>
+          </p:cNvSpPr>
+          <p:nvPr>
+            <p:ph type="title"/>
+          </p:nvPr>
+        </p:nvSpPr>
+        <p:spPr>
+          <a:xfrm>
+            <a:off x="289721" y="4056"/>
+            <a:ext cx="8363272" cy="1143000"/>
+          </a:xfrm>
+        </p:spPr>
+        <p:txBody>
+          <a:bodyPr>
+            <a:normAutofit/>
+          </a:bodyPr>
+          <a:lstStyle/>
+          <a:p>
+            <a:pPr eaLnBrk="1" hangingPunct="1">
+              <a:defRPr/>
+            </a:pPr>
+            <a:r>
+              <a:rPr lang="es-MX" b="1" dirty="0" err="1">
+                <a:solidFill>
+                  <a:schemeClr val="accent4">
+                    <a:lumMod val="50000"/>
+                  </a:schemeClr>
+                </a:solidFill>
+                <a:effectLst>
+                  <a:outerShdw blurRad="38100" dist="38100" dir="2700000" algn="tl">
+                    <a:srgbClr val="C0C0C0"/>
+                  </a:outerShdw>
+                </a:effectLst>
+                <a:latin typeface="Dom Casual" charset="0"/>
+              </a:rPr>
+              <a:t>Metacaracteres</a:t>
+            </a:r>
+            <a:endParaRPr lang="es-MX" b="1" dirty="0">
+              <a:solidFill>
+                <a:schemeClr val="accent4">
+                  <a:lumMod val="50000"/>
+                </a:schemeClr>
+              </a:solidFill>
+              <a:effectLst>
+                <a:outerShdw blurRad="38100" dist="38100" dir="2700000" algn="tl">
+                  <a:srgbClr val="C0C0C0"/>
+                </a:outerShdw>
+              </a:effectLst>
+              <a:latin typeface="Dom Casual" charset="0"/>
+            </a:endParaRPr>
+          </a:p>
+        </p:txBody>
+      </p:sp>
+      <p:sp>
+        <p:nvSpPr>
+          <p:cNvPr id="8" name="CuadroTexto 7">
             <a:extLst>
               <a:ext uri="{FF2B5EF4-FFF2-40B4-BE49-F238E27FC236}">
-                <a16:creationId xmlns:a16="http://schemas.microsoft.com/office/drawing/2014/main" id="{3C2E1319-C186-4202-8393-814D31E5493C}"/>
+                <a16:creationId xmlns:a16="http://schemas.microsoft.com/office/drawing/2014/main" id="{C54CFFB0-D6E7-4679-A6E8-7F8B2E54D6C1}"/>
               </a:ext>
             </a:extLst>
           </p:cNvPr>
@@ -11831,8 +11588,8 @@
         </p:nvSpPr>
         <p:spPr>
           <a:xfrm>
-            <a:off x="732113" y="1996191"/>
-            <a:ext cx="7920880" cy="506292"/>
+            <a:off x="2511993" y="950207"/>
+            <a:ext cx="4369025" cy="393698"/>
           </a:xfrm>
           <a:prstGeom prst="rect">
             <a:avLst/>
@@ -11845,54 +11602,44 @@
           </a:bodyPr>
           <a:lstStyle/>
           <a:p>
-            <a:pPr algn="l">
+            <a:pPr algn="just" fontAlgn="base">
               <a:lnSpc>
-                <a:spcPct val="150000"/>
+                <a:spcPts val="2500"/>
               </a:lnSpc>
+              <a:spcAft>
+                <a:spcPts val="600"/>
+              </a:spcAft>
             </a:pPr>
             <a:r>
-              <a:rPr lang="es-ES" sz="2000" b="1" i="0" dirty="0">
-                <a:solidFill>
-                  <a:schemeClr val="tx1">
-                    <a:lumMod val="95000"/>
-                    <a:lumOff val="5000"/>
+              <a:rPr lang="es-ES" b="1" i="0" dirty="0">
+                <a:solidFill>
+                  <a:schemeClr val="accent6">
+                    <a:lumMod val="75000"/>
                   </a:schemeClr>
                 </a:solidFill>
                 <a:effectLst/>
-              </a:rPr>
-              <a:t>Ejemplo 3: </a:t>
-            </a:r>
-            <a:r>
-              <a:rPr lang="es-ES" sz="2000" i="0" dirty="0">
-                <a:solidFill>
-                  <a:schemeClr val="tx1">
-                    <a:lumMod val="95000"/>
-                    <a:lumOff val="5000"/>
-                  </a:schemeClr>
-                </a:solidFill>
-                <a:effectLst/>
-              </a:rPr>
-              <a:t>Texto con 4 caracteres y que termine en ar.</a:t>
-            </a:r>
-            <a:r>
-              <a:rPr lang="es-ES" sz="2000" b="1" i="0" dirty="0">
-                <a:solidFill>
-                  <a:schemeClr val="tx1">
-                    <a:lumMod val="95000"/>
-                    <a:lumOff val="5000"/>
-                  </a:schemeClr>
-                </a:solidFill>
-                <a:effectLst/>
-              </a:rPr>
-              <a:t> </a:t>
-            </a:r>
-            <a:endParaRPr lang="es-ES" sz="2000" b="1" dirty="0">
+                <a:latin typeface="inherit"/>
+              </a:rPr>
+              <a:t>^ </a:t>
+            </a:r>
+            <a:r>
+              <a:rPr lang="es-MX" b="1" dirty="0">
+                <a:solidFill>
+                  <a:schemeClr val="accent6">
+                    <a:lumMod val="75000"/>
+                  </a:schemeClr>
+                </a:solidFill>
+              </a:rPr>
+              <a:t>Coincide con el comienzo de la cadena</a:t>
+            </a:r>
+            <a:endParaRPr lang="es-ES" b="1" i="0" dirty="0">
               <a:solidFill>
-                <a:schemeClr val="tx1">
-                  <a:lumMod val="95000"/>
-                  <a:lumOff val="5000"/>
+                <a:schemeClr val="accent6">
+                  <a:lumMod val="75000"/>
                 </a:schemeClr>
               </a:solidFill>
+              <a:effectLst/>
+              <a:latin typeface="inherit"/>
             </a:endParaRPr>
           </a:p>
         </p:txBody>
@@ -11902,7 +11649,7 @@
           <p:cNvPr id="3" name="Imagen 2">
             <a:extLst>
               <a:ext uri="{FF2B5EF4-FFF2-40B4-BE49-F238E27FC236}">
-                <a16:creationId xmlns:a16="http://schemas.microsoft.com/office/drawing/2014/main" id="{EA9CC210-D544-440F-8021-7745484E46E6}"/>
+                <a16:creationId xmlns:a16="http://schemas.microsoft.com/office/drawing/2014/main" id="{4F4872DA-619A-41A1-BE49-20DE32CBC51C}"/>
               </a:ext>
             </a:extLst>
           </p:cNvPr>
@@ -11919,8 +11666,8 @@
         </p:blipFill>
         <p:spPr>
           <a:xfrm>
-            <a:off x="895639" y="2805616"/>
-            <a:ext cx="7611568" cy="2264537"/>
+            <a:off x="678202" y="2290056"/>
+            <a:ext cx="8001000" cy="3733800"/>
           </a:xfrm>
           <a:prstGeom prst="rect">
             <a:avLst/>
@@ -11929,89 +11676,10 @@
       </p:pic>
       <p:sp>
         <p:nvSpPr>
-          <p:cNvPr id="10" name="Rectangle 4">
+          <p:cNvPr id="6" name="CuadroTexto 5">
             <a:extLst>
               <a:ext uri="{FF2B5EF4-FFF2-40B4-BE49-F238E27FC236}">
-                <a16:creationId xmlns:a16="http://schemas.microsoft.com/office/drawing/2014/main" id="{47566EE0-4954-4E0D-B2B2-3E11D449C07F}"/>
-              </a:ext>
-            </a:extLst>
-          </p:cNvPr>
-          <p:cNvSpPr txBox="1">
-            <a:spLocks noChangeArrowheads="1"/>
-          </p:cNvSpPr>
-          <p:nvPr/>
-        </p:nvSpPr>
-        <p:spPr>
-          <a:xfrm>
-            <a:off x="289721" y="4056"/>
-            <a:ext cx="8363272" cy="1143000"/>
-          </a:xfrm>
-          <a:prstGeom prst="rect">
-            <a:avLst/>
-          </a:prstGeom>
-        </p:spPr>
-        <p:txBody>
-          <a:bodyPr vert="horz" lIns="91440" tIns="45720" rIns="91440" bIns="45720" rtlCol="0" anchor="ctr">
-            <a:normAutofit/>
-          </a:bodyPr>
-          <a:lstStyle>
-            <a:lvl1pPr algn="ctr" defTabSz="914400" rtl="0" eaLnBrk="1" latinLnBrk="0" hangingPunct="1">
-              <a:spcBef>
-                <a:spcPct val="0"/>
-              </a:spcBef>
-              <a:buNone/>
-              <a:defRPr sz="4400" kern="1200">
-                <a:solidFill>
-                  <a:schemeClr val="tx1"/>
-                </a:solidFill>
-                <a:latin typeface="+mj-lt"/>
-                <a:ea typeface="+mj-ea"/>
-                <a:cs typeface="+mj-cs"/>
-              </a:defRPr>
-            </a:lvl1pPr>
-          </a:lstStyle>
-          <a:p>
-            <a:pPr>
-              <a:defRPr/>
-            </a:pPr>
-            <a:r>
-              <a:rPr lang="es-MX" b="1" dirty="0" err="1">
-                <a:solidFill>
-                  <a:schemeClr val="accent4">
-                    <a:lumMod val="50000"/>
-                  </a:schemeClr>
-                </a:solidFill>
-                <a:effectLst>
-                  <a:outerShdw blurRad="38100" dist="38100" dir="2700000" algn="tl">
-                    <a:srgbClr val="C0C0C0"/>
-                  </a:outerShdw>
-                </a:effectLst>
-                <a:latin typeface="Dom Casual" charset="0"/>
-              </a:rPr>
-              <a:t>Metacaracteres</a:t>
-            </a:r>
-            <a:endParaRPr lang="es-MX" b="1" dirty="0">
-              <a:solidFill>
-                <a:schemeClr val="accent4">
-                  <a:lumMod val="50000"/>
-                </a:schemeClr>
-              </a:solidFill>
-              <a:effectLst>
-                <a:outerShdw blurRad="38100" dist="38100" dir="2700000" algn="tl">
-                  <a:srgbClr val="C0C0C0"/>
-                </a:outerShdw>
-              </a:effectLst>
-              <a:latin typeface="Dom Casual" charset="0"/>
-            </a:endParaRPr>
-          </a:p>
-        </p:txBody>
-      </p:sp>
-      <p:sp>
-        <p:nvSpPr>
-          <p:cNvPr id="11" name="CuadroTexto 10">
-            <a:extLst>
-              <a:ext uri="{FF2B5EF4-FFF2-40B4-BE49-F238E27FC236}">
-                <a16:creationId xmlns:a16="http://schemas.microsoft.com/office/drawing/2014/main" id="{DB4734F2-B2C4-4B79-90BB-D1E93446E6FA}"/>
+                <a16:creationId xmlns:a16="http://schemas.microsoft.com/office/drawing/2014/main" id="{12BEA311-D141-4761-9657-1E9AB156D83F}"/>
               </a:ext>
             </a:extLst>
           </p:cNvPr>
@@ -12020,8 +11688,8 @@
         </p:nvSpPr>
         <p:spPr>
           <a:xfrm>
-            <a:off x="891027" y="908720"/>
-            <a:ext cx="7065349" cy="393698"/>
+            <a:off x="611560" y="1583476"/>
+            <a:ext cx="7920880" cy="506292"/>
           </a:xfrm>
           <a:prstGeom prst="rect">
             <a:avLst/>
@@ -12034,33 +11702,50 @@
           </a:bodyPr>
           <a:lstStyle/>
           <a:p>
-            <a:pPr algn="ctr" fontAlgn="base">
+            <a:pPr algn="l">
               <a:lnSpc>
-                <a:spcPts val="2500"/>
+                <a:spcPct val="150000"/>
               </a:lnSpc>
-              <a:spcAft>
-                <a:spcPts val="600"/>
-              </a:spcAft>
             </a:pPr>
             <a:r>
-              <a:rPr lang="es-ES" b="1" i="0" dirty="0">
-                <a:solidFill>
-                  <a:schemeClr val="accent6">
-                    <a:lumMod val="75000"/>
+              <a:rPr lang="es-ES" sz="2000" b="1" i="0" dirty="0">
+                <a:solidFill>
+                  <a:schemeClr val="tx1">
+                    <a:lumMod val="95000"/>
+                    <a:lumOff val="5000"/>
                   </a:schemeClr>
                 </a:solidFill>
                 <a:effectLst/>
-                <a:latin typeface="inherit"/>
-              </a:rPr>
-              <a:t>Punto(.) Cualquier carácter excepto el salto de línea</a:t>
-            </a:r>
+              </a:rPr>
+              <a:t>Ejemplo 4: </a:t>
+            </a:r>
+            <a:r>
+              <a:rPr lang="es-ES" sz="2000" i="0" dirty="0">
+                <a:solidFill>
+                  <a:schemeClr val="tx1">
+                    <a:lumMod val="95000"/>
+                    <a:lumOff val="5000"/>
+                  </a:schemeClr>
+                </a:solidFill>
+                <a:effectLst/>
+              </a:rPr>
+              <a:t>Letra que comience en mayúsculas.</a:t>
+            </a:r>
+            <a:endParaRPr lang="es-ES" sz="2000" dirty="0">
+              <a:solidFill>
+                <a:schemeClr val="tx1">
+                  <a:lumMod val="95000"/>
+                  <a:lumOff val="5000"/>
+                </a:schemeClr>
+              </a:solidFill>
+            </a:endParaRPr>
           </a:p>
         </p:txBody>
       </p:sp>
     </p:spTree>
     <p:extLst>
       <p:ext uri="{BB962C8B-B14F-4D97-AF65-F5344CB8AC3E}">
-        <p14:creationId xmlns:p14="http://schemas.microsoft.com/office/powerpoint/2010/main" val="1850835887"/>
+        <p14:creationId xmlns:p14="http://schemas.microsoft.com/office/powerpoint/2010/main" val="661053148"/>
       </p:ext>
     </p:extLst>
   </p:cSld>
@@ -12214,12 +11899,80 @@
           </a:p>
         </p:txBody>
       </p:sp>
+      <p:sp>
+        <p:nvSpPr>
+          <p:cNvPr id="9" name="CuadroTexto 8">
+            <a:extLst>
+              <a:ext uri="{FF2B5EF4-FFF2-40B4-BE49-F238E27FC236}">
+                <a16:creationId xmlns:a16="http://schemas.microsoft.com/office/drawing/2014/main" id="{3C2E1319-C186-4202-8393-814D31E5493C}"/>
+              </a:ext>
+            </a:extLst>
+          </p:cNvPr>
+          <p:cNvSpPr txBox="1"/>
+          <p:nvPr/>
+        </p:nvSpPr>
+        <p:spPr>
+          <a:xfrm>
+            <a:off x="611560" y="1583476"/>
+            <a:ext cx="7920880" cy="506292"/>
+          </a:xfrm>
+          <a:prstGeom prst="rect">
+            <a:avLst/>
+          </a:prstGeom>
+          <a:noFill/>
+        </p:spPr>
+        <p:txBody>
+          <a:bodyPr wrap="square">
+            <a:spAutoFit/>
+          </a:bodyPr>
+          <a:lstStyle/>
+          <a:p>
+            <a:pPr algn="l">
+              <a:lnSpc>
+                <a:spcPct val="150000"/>
+              </a:lnSpc>
+            </a:pPr>
+            <a:r>
+              <a:rPr lang="es-ES" sz="2000" b="1" i="0" dirty="0">
+                <a:solidFill>
+                  <a:schemeClr val="tx1">
+                    <a:lumMod val="95000"/>
+                    <a:lumOff val="5000"/>
+                  </a:schemeClr>
+                </a:solidFill>
+                <a:effectLst/>
+              </a:rPr>
+              <a:t>Ejemplo 4: </a:t>
+            </a:r>
+            <a:r>
+              <a:rPr lang="es-ES" sz="2000" i="0" dirty="0">
+                <a:solidFill>
+                  <a:schemeClr val="tx1">
+                    <a:lumMod val="95000"/>
+                    <a:lumOff val="5000"/>
+                  </a:schemeClr>
+                </a:solidFill>
+                <a:effectLst/>
+              </a:rPr>
+              <a:t>Letra que comience en mayúsculas.</a:t>
+            </a:r>
+            <a:endParaRPr lang="es-ES" sz="2000" dirty="0">
+              <a:solidFill>
+                <a:schemeClr val="tx1">
+                  <a:lumMod val="95000"/>
+                  <a:lumOff val="5000"/>
+                </a:schemeClr>
+              </a:solidFill>
+            </a:endParaRPr>
+          </a:p>
+        </p:txBody>
+      </p:sp>
       <p:pic>
         <p:nvPicPr>
-          <p:cNvPr id="3" name="Imagen 2">
+          <p:cNvPr id="4" name="Imagen 3">
             <a:extLst>
               <a:ext uri="{FF2B5EF4-FFF2-40B4-BE49-F238E27FC236}">
-                <a16:creationId xmlns:a16="http://schemas.microsoft.com/office/drawing/2014/main" id="{4F4872DA-619A-41A1-BE49-20DE32CBC51C}"/>
+                <a16:creationId xmlns:a16="http://schemas.microsoft.com/office/drawing/2014/main" id="{D030C024-0B9F-42D1-BEC6-A46FCB039A44}"/>
               </a:ext>
             </a:extLst>
           </p:cNvPr>
@@ -12236,86 +11989,18 @@
         </p:blipFill>
         <p:spPr>
           <a:xfrm>
-            <a:off x="678202" y="2290056"/>
-            <a:ext cx="8001000" cy="3733800"/>
+            <a:off x="611560" y="2305544"/>
+            <a:ext cx="8162925" cy="2857500"/>
           </a:xfrm>
           <a:prstGeom prst="rect">
             <a:avLst/>
           </a:prstGeom>
         </p:spPr>
       </p:pic>
-      <p:sp>
-        <p:nvSpPr>
-          <p:cNvPr id="6" name="CuadroTexto 5">
-            <a:extLst>
-              <a:ext uri="{FF2B5EF4-FFF2-40B4-BE49-F238E27FC236}">
-                <a16:creationId xmlns:a16="http://schemas.microsoft.com/office/drawing/2014/main" id="{12BEA311-D141-4761-9657-1E9AB156D83F}"/>
-              </a:ext>
-            </a:extLst>
-          </p:cNvPr>
-          <p:cNvSpPr txBox="1"/>
-          <p:nvPr/>
-        </p:nvSpPr>
-        <p:spPr>
-          <a:xfrm>
-            <a:off x="611560" y="1583476"/>
-            <a:ext cx="7920880" cy="506292"/>
-          </a:xfrm>
-          <a:prstGeom prst="rect">
-            <a:avLst/>
-          </a:prstGeom>
-          <a:noFill/>
-        </p:spPr>
-        <p:txBody>
-          <a:bodyPr wrap="square">
-            <a:spAutoFit/>
-          </a:bodyPr>
-          <a:lstStyle/>
-          <a:p>
-            <a:pPr algn="l">
-              <a:lnSpc>
-                <a:spcPct val="150000"/>
-              </a:lnSpc>
-            </a:pPr>
-            <a:r>
-              <a:rPr lang="es-ES" sz="2000" b="1" i="0" dirty="0">
-                <a:solidFill>
-                  <a:schemeClr val="tx1">
-                    <a:lumMod val="95000"/>
-                    <a:lumOff val="5000"/>
-                  </a:schemeClr>
-                </a:solidFill>
-                <a:effectLst/>
-              </a:rPr>
-              <a:t>Ejemplo 4: </a:t>
-            </a:r>
-            <a:r>
-              <a:rPr lang="es-ES" sz="2000" i="0" dirty="0">
-                <a:solidFill>
-                  <a:schemeClr val="tx1">
-                    <a:lumMod val="95000"/>
-                    <a:lumOff val="5000"/>
-                  </a:schemeClr>
-                </a:solidFill>
-                <a:effectLst/>
-              </a:rPr>
-              <a:t>Letra que comience en mayúsculas.</a:t>
-            </a:r>
-            <a:endParaRPr lang="es-ES" sz="2000" dirty="0">
-              <a:solidFill>
-                <a:schemeClr val="tx1">
-                  <a:lumMod val="95000"/>
-                  <a:lumOff val="5000"/>
-                </a:schemeClr>
-              </a:solidFill>
-            </a:endParaRPr>
-          </a:p>
-        </p:txBody>
-      </p:sp>
     </p:spTree>
     <p:extLst>
       <p:ext uri="{BB962C8B-B14F-4D97-AF65-F5344CB8AC3E}">
-        <p14:creationId xmlns:p14="http://schemas.microsoft.com/office/powerpoint/2010/main" val="661053148"/>
+        <p14:creationId xmlns:p14="http://schemas.microsoft.com/office/powerpoint/2010/main" val="499312516"/>
       </p:ext>
     </p:extLst>
   </p:cSld>
@@ -12413,261 +12098,6 @@
         </p:nvSpPr>
         <p:spPr>
           <a:xfrm>
-            <a:off x="2511993" y="950207"/>
-            <a:ext cx="4369025" cy="393698"/>
-          </a:xfrm>
-          <a:prstGeom prst="rect">
-            <a:avLst/>
-          </a:prstGeom>
-          <a:noFill/>
-        </p:spPr>
-        <p:txBody>
-          <a:bodyPr wrap="square">
-            <a:spAutoFit/>
-          </a:bodyPr>
-          <a:lstStyle/>
-          <a:p>
-            <a:pPr algn="just" fontAlgn="base">
-              <a:lnSpc>
-                <a:spcPts val="2500"/>
-              </a:lnSpc>
-              <a:spcAft>
-                <a:spcPts val="600"/>
-              </a:spcAft>
-            </a:pPr>
-            <a:r>
-              <a:rPr lang="es-ES" b="1" i="0" dirty="0">
-                <a:solidFill>
-                  <a:schemeClr val="accent6">
-                    <a:lumMod val="75000"/>
-                  </a:schemeClr>
-                </a:solidFill>
-                <a:effectLst/>
-                <a:latin typeface="inherit"/>
-              </a:rPr>
-              <a:t>^ </a:t>
-            </a:r>
-            <a:r>
-              <a:rPr lang="es-MX" b="1" dirty="0">
-                <a:solidFill>
-                  <a:schemeClr val="accent6">
-                    <a:lumMod val="75000"/>
-                  </a:schemeClr>
-                </a:solidFill>
-              </a:rPr>
-              <a:t>Coincide con el comienzo de la cadena</a:t>
-            </a:r>
-            <a:endParaRPr lang="es-ES" b="1" i="0" dirty="0">
-              <a:solidFill>
-                <a:schemeClr val="accent6">
-                  <a:lumMod val="75000"/>
-                </a:schemeClr>
-              </a:solidFill>
-              <a:effectLst/>
-              <a:latin typeface="inherit"/>
-            </a:endParaRPr>
-          </a:p>
-        </p:txBody>
-      </p:sp>
-      <p:sp>
-        <p:nvSpPr>
-          <p:cNvPr id="9" name="CuadroTexto 8">
-            <a:extLst>
-              <a:ext uri="{FF2B5EF4-FFF2-40B4-BE49-F238E27FC236}">
-                <a16:creationId xmlns:a16="http://schemas.microsoft.com/office/drawing/2014/main" id="{3C2E1319-C186-4202-8393-814D31E5493C}"/>
-              </a:ext>
-            </a:extLst>
-          </p:cNvPr>
-          <p:cNvSpPr txBox="1"/>
-          <p:nvPr/>
-        </p:nvSpPr>
-        <p:spPr>
-          <a:xfrm>
-            <a:off x="611560" y="1583476"/>
-            <a:ext cx="7920880" cy="506292"/>
-          </a:xfrm>
-          <a:prstGeom prst="rect">
-            <a:avLst/>
-          </a:prstGeom>
-          <a:noFill/>
-        </p:spPr>
-        <p:txBody>
-          <a:bodyPr wrap="square">
-            <a:spAutoFit/>
-          </a:bodyPr>
-          <a:lstStyle/>
-          <a:p>
-            <a:pPr algn="l">
-              <a:lnSpc>
-                <a:spcPct val="150000"/>
-              </a:lnSpc>
-            </a:pPr>
-            <a:r>
-              <a:rPr lang="es-ES" sz="2000" b="1" i="0" dirty="0">
-                <a:solidFill>
-                  <a:schemeClr val="tx1">
-                    <a:lumMod val="95000"/>
-                    <a:lumOff val="5000"/>
-                  </a:schemeClr>
-                </a:solidFill>
-                <a:effectLst/>
-              </a:rPr>
-              <a:t>Ejemplo 4: </a:t>
-            </a:r>
-            <a:r>
-              <a:rPr lang="es-ES" sz="2000" i="0" dirty="0">
-                <a:solidFill>
-                  <a:schemeClr val="tx1">
-                    <a:lumMod val="95000"/>
-                    <a:lumOff val="5000"/>
-                  </a:schemeClr>
-                </a:solidFill>
-                <a:effectLst/>
-              </a:rPr>
-              <a:t>Letra que comience en mayúsculas.</a:t>
-            </a:r>
-            <a:endParaRPr lang="es-ES" sz="2000" dirty="0">
-              <a:solidFill>
-                <a:schemeClr val="tx1">
-                  <a:lumMod val="95000"/>
-                  <a:lumOff val="5000"/>
-                </a:schemeClr>
-              </a:solidFill>
-            </a:endParaRPr>
-          </a:p>
-        </p:txBody>
-      </p:sp>
-      <p:pic>
-        <p:nvPicPr>
-          <p:cNvPr id="4" name="Imagen 3">
-            <a:extLst>
-              <a:ext uri="{FF2B5EF4-FFF2-40B4-BE49-F238E27FC236}">
-                <a16:creationId xmlns:a16="http://schemas.microsoft.com/office/drawing/2014/main" id="{D030C024-0B9F-42D1-BEC6-A46FCB039A44}"/>
-              </a:ext>
-            </a:extLst>
-          </p:cNvPr>
-          <p:cNvPicPr>
-            <a:picLocks noChangeAspect="1"/>
-          </p:cNvPicPr>
-          <p:nvPr/>
-        </p:nvPicPr>
-        <p:blipFill>
-          <a:blip r:embed="rId3"/>
-          <a:stretch>
-            <a:fillRect/>
-          </a:stretch>
-        </p:blipFill>
-        <p:spPr>
-          <a:xfrm>
-            <a:off x="611560" y="2305544"/>
-            <a:ext cx="8162925" cy="2857500"/>
-          </a:xfrm>
-          <a:prstGeom prst="rect">
-            <a:avLst/>
-          </a:prstGeom>
-        </p:spPr>
-      </p:pic>
-    </p:spTree>
-    <p:extLst>
-      <p:ext uri="{BB962C8B-B14F-4D97-AF65-F5344CB8AC3E}">
-        <p14:creationId xmlns:p14="http://schemas.microsoft.com/office/powerpoint/2010/main" val="499312516"/>
-      </p:ext>
-    </p:extLst>
-  </p:cSld>
-  <p:clrMapOvr>
-    <a:masterClrMapping/>
-  </p:clrMapOvr>
-</p:sld>
-</file>
-
-<file path=ppt/slides/slide28.xml><?xml version="1.0" encoding="utf-8"?>
-<p:sld xmlns:a="http://schemas.openxmlformats.org/drawingml/2006/main" xmlns:r="http://schemas.openxmlformats.org/officeDocument/2006/relationships" xmlns:p="http://schemas.openxmlformats.org/presentationml/2006/main">
-  <p:cSld>
-    <p:spTree>
-      <p:nvGrpSpPr>
-        <p:cNvPr id="1" name=""/>
-        <p:cNvGrpSpPr/>
-        <p:nvPr/>
-      </p:nvGrpSpPr>
-      <p:grpSpPr>
-        <a:xfrm>
-          <a:off x="0" y="0"/>
-          <a:ext cx="0" cy="0"/>
-          <a:chOff x="0" y="0"/>
-          <a:chExt cx="0" cy="0"/>
-        </a:xfrm>
-      </p:grpSpPr>
-      <p:sp>
-        <p:nvSpPr>
-          <p:cNvPr id="184324" name="Rectangle 4"/>
-          <p:cNvSpPr>
-            <a:spLocks noGrp="1" noChangeArrowheads="1"/>
-          </p:cNvSpPr>
-          <p:nvPr>
-            <p:ph type="title"/>
-          </p:nvPr>
-        </p:nvSpPr>
-        <p:spPr>
-          <a:xfrm>
-            <a:off x="289721" y="4056"/>
-            <a:ext cx="8363272" cy="1143000"/>
-          </a:xfrm>
-        </p:spPr>
-        <p:txBody>
-          <a:bodyPr>
-            <a:normAutofit/>
-          </a:bodyPr>
-          <a:lstStyle/>
-          <a:p>
-            <a:pPr eaLnBrk="1" hangingPunct="1">
-              <a:defRPr/>
-            </a:pPr>
-            <a:r>
-              <a:rPr lang="es-MX" b="1" dirty="0" err="1">
-                <a:solidFill>
-                  <a:schemeClr val="accent4">
-                    <a:lumMod val="50000"/>
-                  </a:schemeClr>
-                </a:solidFill>
-                <a:effectLst>
-                  <a:outerShdw blurRad="38100" dist="38100" dir="2700000" algn="tl">
-                    <a:srgbClr val="C0C0C0"/>
-                  </a:outerShdw>
-                </a:effectLst>
-                <a:latin typeface="Dom Casual" charset="0"/>
-              </a:rPr>
-              <a:t>Metacaracteres</a:t>
-            </a:r>
-            <a:endParaRPr lang="es-MX" b="1" dirty="0">
-              <a:solidFill>
-                <a:schemeClr val="accent4">
-                  <a:lumMod val="50000"/>
-                </a:schemeClr>
-              </a:solidFill>
-              <a:effectLst>
-                <a:outerShdw blurRad="38100" dist="38100" dir="2700000" algn="tl">
-                  <a:srgbClr val="C0C0C0"/>
-                </a:outerShdw>
-              </a:effectLst>
-              <a:latin typeface="Dom Casual" charset="0"/>
-            </a:endParaRPr>
-          </a:p>
-        </p:txBody>
-      </p:sp>
-      <p:sp>
-        <p:nvSpPr>
-          <p:cNvPr id="8" name="CuadroTexto 7">
-            <a:extLst>
-              <a:ext uri="{FF2B5EF4-FFF2-40B4-BE49-F238E27FC236}">
-                <a16:creationId xmlns:a16="http://schemas.microsoft.com/office/drawing/2014/main" id="{C54CFFB0-D6E7-4679-A6E8-7F8B2E54D6C1}"/>
-              </a:ext>
-            </a:extLst>
-          </p:cNvPr>
-          <p:cNvSpPr txBox="1"/>
-          <p:nvPr/>
-        </p:nvSpPr>
-        <p:spPr>
-          <a:xfrm>
             <a:off x="2286844" y="950207"/>
             <a:ext cx="4369025" cy="393698"/>
           </a:xfrm>
@@ -12879,7 +12309,7 @@
 </p:sld>
 </file>
 
-<file path=ppt/slides/slide29.xml><?xml version="1.0" encoding="utf-8"?>
+<file path=ppt/slides/slide28.xml><?xml version="1.0" encoding="utf-8"?>
 <p:sld xmlns:a="http://schemas.openxmlformats.org/drawingml/2006/main" xmlns:r="http://schemas.openxmlformats.org/officeDocument/2006/relationships" xmlns:p="http://schemas.openxmlformats.org/presentationml/2006/main">
   <p:cSld>
     <p:spTree>
@@ -13178,6 +12608,265 @@
 </p:sld>
 </file>
 
+<file path=ppt/slides/slide29.xml><?xml version="1.0" encoding="utf-8"?>
+<p:sld xmlns:a="http://schemas.openxmlformats.org/drawingml/2006/main" xmlns:r="http://schemas.openxmlformats.org/officeDocument/2006/relationships" xmlns:p="http://schemas.openxmlformats.org/presentationml/2006/main">
+  <p:cSld>
+    <p:spTree>
+      <p:nvGrpSpPr>
+        <p:cNvPr id="1" name=""/>
+        <p:cNvGrpSpPr/>
+        <p:nvPr/>
+      </p:nvGrpSpPr>
+      <p:grpSpPr>
+        <a:xfrm>
+          <a:off x="0" y="0"/>
+          <a:ext cx="0" cy="0"/>
+          <a:chOff x="0" y="0"/>
+          <a:chExt cx="0" cy="0"/>
+        </a:xfrm>
+      </p:grpSpPr>
+      <p:sp>
+        <p:nvSpPr>
+          <p:cNvPr id="184324" name="Rectangle 4"/>
+          <p:cNvSpPr>
+            <a:spLocks noGrp="1" noChangeArrowheads="1"/>
+          </p:cNvSpPr>
+          <p:nvPr>
+            <p:ph type="title"/>
+          </p:nvPr>
+        </p:nvSpPr>
+        <p:spPr>
+          <a:xfrm>
+            <a:off x="289721" y="4056"/>
+            <a:ext cx="8363272" cy="1143000"/>
+          </a:xfrm>
+        </p:spPr>
+        <p:txBody>
+          <a:bodyPr>
+            <a:normAutofit/>
+          </a:bodyPr>
+          <a:lstStyle/>
+          <a:p>
+            <a:pPr eaLnBrk="1" hangingPunct="1">
+              <a:defRPr/>
+            </a:pPr>
+            <a:r>
+              <a:rPr lang="es-MX" b="1" dirty="0" err="1">
+                <a:solidFill>
+                  <a:schemeClr val="accent4">
+                    <a:lumMod val="50000"/>
+                  </a:schemeClr>
+                </a:solidFill>
+                <a:effectLst>
+                  <a:outerShdw blurRad="38100" dist="38100" dir="2700000" algn="tl">
+                    <a:srgbClr val="C0C0C0"/>
+                  </a:outerShdw>
+                </a:effectLst>
+                <a:latin typeface="Dom Casual" charset="0"/>
+              </a:rPr>
+              <a:t>Metacaracteres</a:t>
+            </a:r>
+            <a:endParaRPr lang="es-MX" b="1" dirty="0">
+              <a:solidFill>
+                <a:schemeClr val="accent4">
+                  <a:lumMod val="50000"/>
+                </a:schemeClr>
+              </a:solidFill>
+              <a:effectLst>
+                <a:outerShdw blurRad="38100" dist="38100" dir="2700000" algn="tl">
+                  <a:srgbClr val="C0C0C0"/>
+                </a:outerShdw>
+              </a:effectLst>
+              <a:latin typeface="Dom Casual" charset="0"/>
+            </a:endParaRPr>
+          </a:p>
+        </p:txBody>
+      </p:sp>
+      <p:sp>
+        <p:nvSpPr>
+          <p:cNvPr id="9" name="CuadroTexto 8">
+            <a:extLst>
+              <a:ext uri="{FF2B5EF4-FFF2-40B4-BE49-F238E27FC236}">
+                <a16:creationId xmlns:a16="http://schemas.microsoft.com/office/drawing/2014/main" id="{E1C784F4-BDDC-4D50-B8E9-68B91761F76A}"/>
+              </a:ext>
+            </a:extLst>
+          </p:cNvPr>
+          <p:cNvSpPr txBox="1"/>
+          <p:nvPr/>
+        </p:nvSpPr>
+        <p:spPr>
+          <a:xfrm>
+            <a:off x="683568" y="1537713"/>
+            <a:ext cx="7920880" cy="506292"/>
+          </a:xfrm>
+          <a:prstGeom prst="rect">
+            <a:avLst/>
+          </a:prstGeom>
+          <a:noFill/>
+        </p:spPr>
+        <p:txBody>
+          <a:bodyPr wrap="square">
+            <a:spAutoFit/>
+          </a:bodyPr>
+          <a:lstStyle/>
+          <a:p>
+            <a:pPr algn="just">
+              <a:lnSpc>
+                <a:spcPct val="150000"/>
+              </a:lnSpc>
+            </a:pPr>
+            <a:r>
+              <a:rPr lang="es-ES" sz="2000" b="1" i="0" dirty="0">
+                <a:solidFill>
+                  <a:schemeClr val="tx1">
+                    <a:lumMod val="95000"/>
+                    <a:lumOff val="5000"/>
+                  </a:schemeClr>
+                </a:solidFill>
+                <a:effectLst/>
+              </a:rPr>
+              <a:t>Ejemplo: </a:t>
+            </a:r>
+            <a:r>
+              <a:rPr lang="es-ES" sz="2000" i="0" dirty="0">
+                <a:solidFill>
+                  <a:schemeClr val="tx1">
+                    <a:lumMod val="95000"/>
+                    <a:lumOff val="5000"/>
+                  </a:schemeClr>
+                </a:solidFill>
+                <a:effectLst/>
+              </a:rPr>
+              <a:t>Si quiero </a:t>
+            </a:r>
+            <a:r>
+              <a:rPr lang="es-ES" sz="2000" dirty="0">
+                <a:solidFill>
+                  <a:schemeClr val="tx1">
+                    <a:lumMod val="95000"/>
+                    <a:lumOff val="5000"/>
+                  </a:schemeClr>
+                </a:solidFill>
+              </a:rPr>
+              <a:t>que una línea termine con </a:t>
+            </a:r>
+            <a:r>
+              <a:rPr lang="es-ES" sz="2000" i="0" dirty="0">
+                <a:solidFill>
+                  <a:schemeClr val="tx1">
+                    <a:lumMod val="95000"/>
+                    <a:lumOff val="5000"/>
+                  </a:schemeClr>
+                </a:solidFill>
+                <a:effectLst/>
+              </a:rPr>
+              <a:t>“Mundo.”</a:t>
+            </a:r>
+            <a:endParaRPr lang="es-ES" sz="2000" b="1" dirty="0">
+              <a:solidFill>
+                <a:schemeClr val="tx1">
+                  <a:lumMod val="95000"/>
+                  <a:lumOff val="5000"/>
+                </a:schemeClr>
+              </a:solidFill>
+            </a:endParaRPr>
+          </a:p>
+        </p:txBody>
+      </p:sp>
+      <p:sp>
+        <p:nvSpPr>
+          <p:cNvPr id="7" name="CuadroTexto 6">
+            <a:extLst>
+              <a:ext uri="{FF2B5EF4-FFF2-40B4-BE49-F238E27FC236}">
+                <a16:creationId xmlns:a16="http://schemas.microsoft.com/office/drawing/2014/main" id="{0CD01309-A779-489D-9641-3C8825455B71}"/>
+              </a:ext>
+            </a:extLst>
+          </p:cNvPr>
+          <p:cNvSpPr txBox="1"/>
+          <p:nvPr/>
+        </p:nvSpPr>
+        <p:spPr>
+          <a:xfrm>
+            <a:off x="938682" y="962324"/>
+            <a:ext cx="7065349" cy="393698"/>
+          </a:xfrm>
+          <a:prstGeom prst="rect">
+            <a:avLst/>
+          </a:prstGeom>
+          <a:noFill/>
+        </p:spPr>
+        <p:txBody>
+          <a:bodyPr wrap="square">
+            <a:spAutoFit/>
+          </a:bodyPr>
+          <a:lstStyle/>
+          <a:p>
+            <a:pPr algn="ctr" fontAlgn="base">
+              <a:lnSpc>
+                <a:spcPts val="2500"/>
+              </a:lnSpc>
+              <a:spcAft>
+                <a:spcPts val="600"/>
+              </a:spcAft>
+            </a:pPr>
+            <a:r>
+              <a:rPr lang="es-ES" b="1" i="0" dirty="0">
+                <a:solidFill>
+                  <a:schemeClr val="accent6">
+                    <a:lumMod val="75000"/>
+                  </a:schemeClr>
+                </a:solidFill>
+                <a:effectLst/>
+                <a:latin typeface="inherit"/>
+              </a:rPr>
+              <a:t>( $ ) Fin de una cadena de caracteres</a:t>
+            </a:r>
+          </a:p>
+        </p:txBody>
+      </p:sp>
+      <p:pic>
+        <p:nvPicPr>
+          <p:cNvPr id="3" name="Imagen 2">
+            <a:extLst>
+              <a:ext uri="{FF2B5EF4-FFF2-40B4-BE49-F238E27FC236}">
+                <a16:creationId xmlns:a16="http://schemas.microsoft.com/office/drawing/2014/main" id="{3B4B1865-F3E8-456D-9E52-0E91A931E820}"/>
+              </a:ext>
+            </a:extLst>
+          </p:cNvPr>
+          <p:cNvPicPr>
+            <a:picLocks noChangeAspect="1"/>
+          </p:cNvPicPr>
+          <p:nvPr/>
+        </p:nvPicPr>
+        <p:blipFill>
+          <a:blip r:embed="rId3"/>
+          <a:stretch>
+            <a:fillRect/>
+          </a:stretch>
+        </p:blipFill>
+        <p:spPr>
+          <a:xfrm>
+            <a:off x="1070931" y="2315538"/>
+            <a:ext cx="6800850" cy="3067050"/>
+          </a:xfrm>
+          <a:prstGeom prst="rect">
+            <a:avLst/>
+          </a:prstGeom>
+        </p:spPr>
+      </p:pic>
+    </p:spTree>
+    <p:extLst>
+      <p:ext uri="{BB962C8B-B14F-4D97-AF65-F5344CB8AC3E}">
+        <p14:creationId xmlns:p14="http://schemas.microsoft.com/office/powerpoint/2010/main" val="2865376557"/>
+      </p:ext>
+    </p:extLst>
+  </p:cSld>
+  <p:clrMapOvr>
+    <a:masterClrMapping/>
+  </p:clrMapOvr>
+</p:sld>
+</file>
+
 <file path=ppt/slides/slide3.xml><?xml version="1.0" encoding="utf-8"?>
 <p:sld xmlns:a="http://schemas.openxmlformats.org/drawingml/2006/main" xmlns:r="http://schemas.openxmlformats.org/officeDocument/2006/relationships" xmlns:p="http://schemas.openxmlformats.org/presentationml/2006/main">
   <p:cSld>
@@ -13820,23 +13509,13 @@
           </a:bodyPr>
           <a:lstStyle/>
           <a:p>
-            <a:pPr algn="just">
+            <a:pPr marL="342900" indent="-342900" algn="just">
               <a:lnSpc>
                 <a:spcPct val="150000"/>
               </a:lnSpc>
+              <a:buFont typeface="Arial" panose="020B0604020202020204" pitchFamily="34" charset="0"/>
+              <a:buChar char="•"/>
             </a:pPr>
-            <a:r>
-              <a:rPr lang="es-ES" sz="2000" b="1" i="0" dirty="0">
-                <a:solidFill>
-                  <a:schemeClr val="tx1">
-                    <a:lumMod val="95000"/>
-                    <a:lumOff val="5000"/>
-                  </a:schemeClr>
-                </a:solidFill>
-                <a:effectLst/>
-              </a:rPr>
-              <a:t>Ejemplo: </a:t>
-            </a:r>
             <a:r>
               <a:rPr lang="es-ES" sz="2000" i="0" dirty="0">
                 <a:solidFill>
@@ -13929,17 +13608,40 @@
                 <a:effectLst/>
                 <a:latin typeface="inherit"/>
               </a:rPr>
-              <a:t>( $ ) Fin de una cadena de caracteres</a:t>
+              <a:t>( $ ) Coincide con el </a:t>
+            </a:r>
+            <a:r>
+              <a:rPr lang="es-ES" b="1" dirty="0">
+                <a:solidFill>
+                  <a:schemeClr val="accent6">
+                    <a:lumMod val="75000"/>
+                  </a:schemeClr>
+                </a:solidFill>
+                <a:latin typeface="inherit"/>
+              </a:rPr>
+              <a:t>final </a:t>
+            </a:r>
+            <a:r>
+              <a:rPr lang="es-ES" b="1" i="0" dirty="0">
+                <a:solidFill>
+                  <a:schemeClr val="accent6">
+                    <a:lumMod val="75000"/>
+                  </a:schemeClr>
+                </a:solidFill>
+                <a:effectLst/>
+                <a:latin typeface="inherit"/>
+              </a:rPr>
+              <a:t>de una cadena de caracteres</a:t>
             </a:r>
           </a:p>
         </p:txBody>
       </p:sp>
       <p:pic>
         <p:nvPicPr>
-          <p:cNvPr id="3" name="Imagen 2">
+          <p:cNvPr id="6" name="Imagen 5">
             <a:extLst>
               <a:ext uri="{FF2B5EF4-FFF2-40B4-BE49-F238E27FC236}">
-                <a16:creationId xmlns:a16="http://schemas.microsoft.com/office/drawing/2014/main" id="{3B4B1865-F3E8-456D-9E52-0E91A931E820}"/>
+                <a16:creationId xmlns:a16="http://schemas.microsoft.com/office/drawing/2014/main" id="{D162C75B-E079-4011-A089-37620B49EA06}"/>
               </a:ext>
             </a:extLst>
           </p:cNvPr>
@@ -13956,8 +13658,8 @@
         </p:blipFill>
         <p:spPr>
           <a:xfrm>
-            <a:off x="1070931" y="2315538"/>
-            <a:ext cx="6800850" cy="3067050"/>
+            <a:off x="1229221" y="2138630"/>
+            <a:ext cx="6685558" cy="4325949"/>
           </a:xfrm>
           <a:prstGeom prst="rect">
             <a:avLst/>
@@ -13967,7 +13669,7 @@
     </p:spTree>
     <p:extLst>
       <p:ext uri="{BB962C8B-B14F-4D97-AF65-F5344CB8AC3E}">
-        <p14:creationId xmlns:p14="http://schemas.microsoft.com/office/powerpoint/2010/main" val="2865376557"/>
+        <p14:creationId xmlns:p14="http://schemas.microsoft.com/office/powerpoint/2010/main" val="1120269935"/>
       </p:ext>
     </p:extLst>
   </p:cSld>
@@ -14066,7 +13768,7 @@
         <p:spPr>
           <a:xfrm>
             <a:off x="683568" y="1537713"/>
-            <a:ext cx="7920880" cy="506292"/>
+            <a:ext cx="7920880" cy="1429622"/>
           </a:xfrm>
           <a:prstGeom prst="rect">
             <a:avLst/>
@@ -14119,16 +13821,72 @@
                 </a:solidFill>
                 <a:effectLst/>
               </a:rPr>
-              <a:t>“Mundo.”</a:t>
-            </a:r>
-            <a:endParaRPr lang="es-ES" sz="2000" b="1" dirty="0">
-              <a:solidFill>
-                <a:schemeClr val="tx1">
-                  <a:lumMod val="95000"/>
-                  <a:lumOff val="5000"/>
-                </a:schemeClr>
-              </a:solidFill>
-            </a:endParaRPr>
+              <a:t>“Mundo.” </a:t>
+            </a:r>
+          </a:p>
+          <a:p>
+            <a:pPr marL="342900" indent="-342900" algn="just">
+              <a:lnSpc>
+                <a:spcPct val="150000"/>
+              </a:lnSpc>
+              <a:buFont typeface="Arial" panose="020B0604020202020204" pitchFamily="34" charset="0"/>
+              <a:buChar char="•"/>
+            </a:pPr>
+            <a:r>
+              <a:rPr lang="es-ES" sz="2000" dirty="0">
+                <a:solidFill>
+                  <a:schemeClr val="tx1">
+                    <a:lumMod val="95000"/>
+                    <a:lumOff val="5000"/>
+                  </a:schemeClr>
+                </a:solidFill>
+              </a:rPr>
+              <a:t>Agregar </a:t>
+            </a:r>
+            <a:r>
+              <a:rPr lang="es-ES" sz="2000" dirty="0" err="1">
+                <a:solidFill>
+                  <a:schemeClr val="tx1">
+                    <a:lumMod val="95000"/>
+                    <a:lumOff val="5000"/>
+                  </a:schemeClr>
+                </a:solidFill>
+              </a:rPr>
+              <a:t>flag</a:t>
+            </a:r>
+            <a:r>
+              <a:rPr lang="es-ES" sz="2000" dirty="0">
+                <a:solidFill>
+                  <a:schemeClr val="tx1">
+                    <a:lumMod val="95000"/>
+                    <a:lumOff val="5000"/>
+                  </a:schemeClr>
+                </a:solidFill>
+              </a:rPr>
+              <a:t> </a:t>
+            </a:r>
+            <a:r>
+              <a:rPr lang="es-ES" sz="2000" b="1" dirty="0" err="1">
+                <a:solidFill>
+                  <a:schemeClr val="tx1">
+                    <a:lumMod val="95000"/>
+                    <a:lumOff val="5000"/>
+                  </a:schemeClr>
+                </a:solidFill>
+              </a:rPr>
+              <a:t>re.M</a:t>
+            </a:r>
+            <a:r>
+              <a:rPr lang="es-ES" sz="2000" dirty="0">
+                <a:solidFill>
+                  <a:schemeClr val="tx1">
+                    <a:lumMod val="95000"/>
+                    <a:lumOff val="5000"/>
+                  </a:schemeClr>
+                </a:solidFill>
+              </a:rPr>
+              <a:t> para tomar texto multilínea. Que lea cada línea por separado.</a:t>
+            </a:r>
           </a:p>
         </p:txBody>
       </p:sp>
@@ -14178,40 +13936,17 @@
                 <a:effectLst/>
                 <a:latin typeface="inherit"/>
               </a:rPr>
-              <a:t>( $ ) Coincide con el </a:t>
-            </a:r>
-            <a:r>
-              <a:rPr lang="es-ES" b="1" dirty="0">
-                <a:solidFill>
-                  <a:schemeClr val="accent6">
-                    <a:lumMod val="75000"/>
-                  </a:schemeClr>
-                </a:solidFill>
-                <a:latin typeface="inherit"/>
-              </a:rPr>
-              <a:t>final </a:t>
-            </a:r>
-            <a:r>
-              <a:rPr lang="es-ES" b="1" i="0" dirty="0">
-                <a:solidFill>
-                  <a:schemeClr val="accent6">
-                    <a:lumMod val="75000"/>
-                  </a:schemeClr>
-                </a:solidFill>
-                <a:effectLst/>
-                <a:latin typeface="inherit"/>
-              </a:rPr>
-              <a:t>de una cadena de caracteres</a:t>
+              <a:t>( $ ) Coincide con el final de una cadena de caracteres</a:t>
             </a:r>
           </a:p>
         </p:txBody>
       </p:sp>
       <p:pic>
         <p:nvPicPr>
-          <p:cNvPr id="6" name="Imagen 5">
+          <p:cNvPr id="3" name="Imagen 2">
             <a:extLst>
               <a:ext uri="{FF2B5EF4-FFF2-40B4-BE49-F238E27FC236}">
-                <a16:creationId xmlns:a16="http://schemas.microsoft.com/office/drawing/2014/main" id="{D162C75B-E079-4011-A089-37620B49EA06}"/>
+                <a16:creationId xmlns:a16="http://schemas.microsoft.com/office/drawing/2014/main" id="{9BF02BA4-7F59-41F5-A7CC-189B2F98F9A9}"/>
               </a:ext>
             </a:extLst>
           </p:cNvPr>
@@ -14228,8 +13963,8 @@
         </p:blipFill>
         <p:spPr>
           <a:xfrm>
-            <a:off x="1229221" y="2138630"/>
-            <a:ext cx="6685558" cy="4325949"/>
+            <a:off x="1577210" y="3212976"/>
+            <a:ext cx="5788292" cy="3096344"/>
           </a:xfrm>
           <a:prstGeom prst="rect">
             <a:avLst/>
@@ -14239,7 +13974,7 @@
     </p:spTree>
     <p:extLst>
       <p:ext uri="{BB962C8B-B14F-4D97-AF65-F5344CB8AC3E}">
-        <p14:creationId xmlns:p14="http://schemas.microsoft.com/office/powerpoint/2010/main" val="1120269935"/>
+        <p14:creationId xmlns:p14="http://schemas.microsoft.com/office/powerpoint/2010/main" val="3590655574"/>
       </p:ext>
     </p:extLst>
   </p:cSld>
@@ -14325,311 +14060,6 @@
       </p:sp>
       <p:sp>
         <p:nvSpPr>
-          <p:cNvPr id="9" name="CuadroTexto 8">
-            <a:extLst>
-              <a:ext uri="{FF2B5EF4-FFF2-40B4-BE49-F238E27FC236}">
-                <a16:creationId xmlns:a16="http://schemas.microsoft.com/office/drawing/2014/main" id="{E1C784F4-BDDC-4D50-B8E9-68B91761F76A}"/>
-              </a:ext>
-            </a:extLst>
-          </p:cNvPr>
-          <p:cNvSpPr txBox="1"/>
-          <p:nvPr/>
-        </p:nvSpPr>
-        <p:spPr>
-          <a:xfrm>
-            <a:off x="683568" y="1537713"/>
-            <a:ext cx="7920880" cy="1429622"/>
-          </a:xfrm>
-          <a:prstGeom prst="rect">
-            <a:avLst/>
-          </a:prstGeom>
-          <a:noFill/>
-        </p:spPr>
-        <p:txBody>
-          <a:bodyPr wrap="square">
-            <a:spAutoFit/>
-          </a:bodyPr>
-          <a:lstStyle/>
-          <a:p>
-            <a:pPr marL="342900" indent="-342900" algn="just">
-              <a:lnSpc>
-                <a:spcPct val="150000"/>
-              </a:lnSpc>
-              <a:buFont typeface="Arial" panose="020B0604020202020204" pitchFamily="34" charset="0"/>
-              <a:buChar char="•"/>
-            </a:pPr>
-            <a:r>
-              <a:rPr lang="es-ES" sz="2000" i="0" dirty="0">
-                <a:solidFill>
-                  <a:schemeClr val="tx1">
-                    <a:lumMod val="95000"/>
-                    <a:lumOff val="5000"/>
-                  </a:schemeClr>
-                </a:solidFill>
-                <a:effectLst/>
-              </a:rPr>
-              <a:t>Si quiero </a:t>
-            </a:r>
-            <a:r>
-              <a:rPr lang="es-ES" sz="2000" dirty="0">
-                <a:solidFill>
-                  <a:schemeClr val="tx1">
-                    <a:lumMod val="95000"/>
-                    <a:lumOff val="5000"/>
-                  </a:schemeClr>
-                </a:solidFill>
-              </a:rPr>
-              <a:t>que una línea termine con </a:t>
-            </a:r>
-            <a:r>
-              <a:rPr lang="es-ES" sz="2000" i="0" dirty="0">
-                <a:solidFill>
-                  <a:schemeClr val="tx1">
-                    <a:lumMod val="95000"/>
-                    <a:lumOff val="5000"/>
-                  </a:schemeClr>
-                </a:solidFill>
-                <a:effectLst/>
-              </a:rPr>
-              <a:t>“Mundo.” </a:t>
-            </a:r>
-          </a:p>
-          <a:p>
-            <a:pPr marL="342900" indent="-342900" algn="just">
-              <a:lnSpc>
-                <a:spcPct val="150000"/>
-              </a:lnSpc>
-              <a:buFont typeface="Arial" panose="020B0604020202020204" pitchFamily="34" charset="0"/>
-              <a:buChar char="•"/>
-            </a:pPr>
-            <a:r>
-              <a:rPr lang="es-ES" sz="2000" dirty="0">
-                <a:solidFill>
-                  <a:schemeClr val="tx1">
-                    <a:lumMod val="95000"/>
-                    <a:lumOff val="5000"/>
-                  </a:schemeClr>
-                </a:solidFill>
-              </a:rPr>
-              <a:t>Agregar </a:t>
-            </a:r>
-            <a:r>
-              <a:rPr lang="es-ES" sz="2000" dirty="0" err="1">
-                <a:solidFill>
-                  <a:schemeClr val="tx1">
-                    <a:lumMod val="95000"/>
-                    <a:lumOff val="5000"/>
-                  </a:schemeClr>
-                </a:solidFill>
-              </a:rPr>
-              <a:t>flag</a:t>
-            </a:r>
-            <a:r>
-              <a:rPr lang="es-ES" sz="2000" dirty="0">
-                <a:solidFill>
-                  <a:schemeClr val="tx1">
-                    <a:lumMod val="95000"/>
-                    <a:lumOff val="5000"/>
-                  </a:schemeClr>
-                </a:solidFill>
-              </a:rPr>
-              <a:t> </a:t>
-            </a:r>
-            <a:r>
-              <a:rPr lang="es-ES" sz="2000" b="1" dirty="0" err="1">
-                <a:solidFill>
-                  <a:schemeClr val="tx1">
-                    <a:lumMod val="95000"/>
-                    <a:lumOff val="5000"/>
-                  </a:schemeClr>
-                </a:solidFill>
-              </a:rPr>
-              <a:t>re.M</a:t>
-            </a:r>
-            <a:r>
-              <a:rPr lang="es-ES" sz="2000" dirty="0">
-                <a:solidFill>
-                  <a:schemeClr val="tx1">
-                    <a:lumMod val="95000"/>
-                    <a:lumOff val="5000"/>
-                  </a:schemeClr>
-                </a:solidFill>
-              </a:rPr>
-              <a:t> para tomar texto multilínea. Que lea cada línea por separado.</a:t>
-            </a:r>
-          </a:p>
-        </p:txBody>
-      </p:sp>
-      <p:sp>
-        <p:nvSpPr>
-          <p:cNvPr id="7" name="CuadroTexto 6">
-            <a:extLst>
-              <a:ext uri="{FF2B5EF4-FFF2-40B4-BE49-F238E27FC236}">
-                <a16:creationId xmlns:a16="http://schemas.microsoft.com/office/drawing/2014/main" id="{0CD01309-A779-489D-9641-3C8825455B71}"/>
-              </a:ext>
-            </a:extLst>
-          </p:cNvPr>
-          <p:cNvSpPr txBox="1"/>
-          <p:nvPr/>
-        </p:nvSpPr>
-        <p:spPr>
-          <a:xfrm>
-            <a:off x="938682" y="962324"/>
-            <a:ext cx="7065349" cy="393698"/>
-          </a:xfrm>
-          <a:prstGeom prst="rect">
-            <a:avLst/>
-          </a:prstGeom>
-          <a:noFill/>
-        </p:spPr>
-        <p:txBody>
-          <a:bodyPr wrap="square">
-            <a:spAutoFit/>
-          </a:bodyPr>
-          <a:lstStyle/>
-          <a:p>
-            <a:pPr algn="ctr" fontAlgn="base">
-              <a:lnSpc>
-                <a:spcPts val="2500"/>
-              </a:lnSpc>
-              <a:spcAft>
-                <a:spcPts val="600"/>
-              </a:spcAft>
-            </a:pPr>
-            <a:r>
-              <a:rPr lang="es-ES" b="1" i="0" dirty="0">
-                <a:solidFill>
-                  <a:schemeClr val="accent6">
-                    <a:lumMod val="75000"/>
-                  </a:schemeClr>
-                </a:solidFill>
-                <a:effectLst/>
-                <a:latin typeface="inherit"/>
-              </a:rPr>
-              <a:t>( $ ) Coincide con el final de una cadena de caracteres</a:t>
-            </a:r>
-          </a:p>
-        </p:txBody>
-      </p:sp>
-      <p:pic>
-        <p:nvPicPr>
-          <p:cNvPr id="3" name="Imagen 2">
-            <a:extLst>
-              <a:ext uri="{FF2B5EF4-FFF2-40B4-BE49-F238E27FC236}">
-                <a16:creationId xmlns:a16="http://schemas.microsoft.com/office/drawing/2014/main" id="{9BF02BA4-7F59-41F5-A7CC-189B2F98F9A9}"/>
-              </a:ext>
-            </a:extLst>
-          </p:cNvPr>
-          <p:cNvPicPr>
-            <a:picLocks noChangeAspect="1"/>
-          </p:cNvPicPr>
-          <p:nvPr/>
-        </p:nvPicPr>
-        <p:blipFill>
-          <a:blip r:embed="rId3"/>
-          <a:stretch>
-            <a:fillRect/>
-          </a:stretch>
-        </p:blipFill>
-        <p:spPr>
-          <a:xfrm>
-            <a:off x="1577210" y="3212976"/>
-            <a:ext cx="5788292" cy="3096344"/>
-          </a:xfrm>
-          <a:prstGeom prst="rect">
-            <a:avLst/>
-          </a:prstGeom>
-        </p:spPr>
-      </p:pic>
-    </p:spTree>
-    <p:extLst>
-      <p:ext uri="{BB962C8B-B14F-4D97-AF65-F5344CB8AC3E}">
-        <p14:creationId xmlns:p14="http://schemas.microsoft.com/office/powerpoint/2010/main" val="3590655574"/>
-      </p:ext>
-    </p:extLst>
-  </p:cSld>
-  <p:clrMapOvr>
-    <a:masterClrMapping/>
-  </p:clrMapOvr>
-</p:sld>
-</file>
-
-<file path=ppt/slides/slide33.xml><?xml version="1.0" encoding="utf-8"?>
-<p:sld xmlns:a="http://schemas.openxmlformats.org/drawingml/2006/main" xmlns:r="http://schemas.openxmlformats.org/officeDocument/2006/relationships" xmlns:p="http://schemas.openxmlformats.org/presentationml/2006/main">
-  <p:cSld>
-    <p:spTree>
-      <p:nvGrpSpPr>
-        <p:cNvPr id="1" name=""/>
-        <p:cNvGrpSpPr/>
-        <p:nvPr/>
-      </p:nvGrpSpPr>
-      <p:grpSpPr>
-        <a:xfrm>
-          <a:off x="0" y="0"/>
-          <a:ext cx="0" cy="0"/>
-          <a:chOff x="0" y="0"/>
-          <a:chExt cx="0" cy="0"/>
-        </a:xfrm>
-      </p:grpSpPr>
-      <p:sp>
-        <p:nvSpPr>
-          <p:cNvPr id="184324" name="Rectangle 4"/>
-          <p:cNvSpPr>
-            <a:spLocks noGrp="1" noChangeArrowheads="1"/>
-          </p:cNvSpPr>
-          <p:nvPr>
-            <p:ph type="title"/>
-          </p:nvPr>
-        </p:nvSpPr>
-        <p:spPr>
-          <a:xfrm>
-            <a:off x="289721" y="4056"/>
-            <a:ext cx="8363272" cy="1143000"/>
-          </a:xfrm>
-        </p:spPr>
-        <p:txBody>
-          <a:bodyPr>
-            <a:normAutofit/>
-          </a:bodyPr>
-          <a:lstStyle/>
-          <a:p>
-            <a:pPr eaLnBrk="1" hangingPunct="1">
-              <a:defRPr/>
-            </a:pPr>
-            <a:r>
-              <a:rPr lang="es-MX" b="1" dirty="0" err="1">
-                <a:solidFill>
-                  <a:schemeClr val="accent4">
-                    <a:lumMod val="50000"/>
-                  </a:schemeClr>
-                </a:solidFill>
-                <a:effectLst>
-                  <a:outerShdw blurRad="38100" dist="38100" dir="2700000" algn="tl">
-                    <a:srgbClr val="C0C0C0"/>
-                  </a:outerShdw>
-                </a:effectLst>
-                <a:latin typeface="Dom Casual" charset="0"/>
-              </a:rPr>
-              <a:t>Metacaracteres</a:t>
-            </a:r>
-            <a:endParaRPr lang="es-MX" b="1" dirty="0">
-              <a:solidFill>
-                <a:schemeClr val="accent4">
-                  <a:lumMod val="50000"/>
-                </a:schemeClr>
-              </a:solidFill>
-              <a:effectLst>
-                <a:outerShdw blurRad="38100" dist="38100" dir="2700000" algn="tl">
-                  <a:srgbClr val="C0C0C0"/>
-                </a:outerShdw>
-              </a:effectLst>
-              <a:latin typeface="Dom Casual" charset="0"/>
-            </a:endParaRPr>
-          </a:p>
-        </p:txBody>
-      </p:sp>
-      <p:sp>
-        <p:nvSpPr>
           <p:cNvPr id="8" name="CuadroTexto 7">
             <a:extLst>
               <a:ext uri="{FF2B5EF4-FFF2-40B4-BE49-F238E27FC236}">
@@ -14817,7 +14247,7 @@
 </p:sld>
 </file>
 
-<file path=ppt/slides/slide34.xml><?xml version="1.0" encoding="utf-8"?>
+<file path=ppt/slides/slide33.xml><?xml version="1.0" encoding="utf-8"?>
 <p:sld xmlns:a="http://schemas.openxmlformats.org/drawingml/2006/main" xmlns:r="http://schemas.openxmlformats.org/officeDocument/2006/relationships" xmlns:p="http://schemas.openxmlformats.org/presentationml/2006/main">
   <p:cSld>
     <p:spTree>
@@ -15308,7 +14738,7 @@
 </p:sld>
 </file>
 
-<file path=ppt/slides/slide35.xml><?xml version="1.0" encoding="utf-8"?>
+<file path=ppt/slides/slide34.xml><?xml version="1.0" encoding="utf-8"?>
 <p:sld xmlns:a="http://schemas.openxmlformats.org/drawingml/2006/main" xmlns:r="http://schemas.openxmlformats.org/officeDocument/2006/relationships" xmlns:p="http://schemas.openxmlformats.org/presentationml/2006/main">
   <p:cSld>
     <p:spTree>
@@ -15659,6 +15089,366 @@
     <p:extLst>
       <p:ext uri="{BB962C8B-B14F-4D97-AF65-F5344CB8AC3E}">
         <p14:creationId xmlns:p14="http://schemas.microsoft.com/office/powerpoint/2010/main" val="1433914172"/>
+      </p:ext>
+    </p:extLst>
+  </p:cSld>
+  <p:clrMapOvr>
+    <a:masterClrMapping/>
+  </p:clrMapOvr>
+</p:sld>
+</file>
+
+<file path=ppt/slides/slide35.xml><?xml version="1.0" encoding="utf-8"?>
+<p:sld xmlns:a="http://schemas.openxmlformats.org/drawingml/2006/main" xmlns:r="http://schemas.openxmlformats.org/officeDocument/2006/relationships" xmlns:p="http://schemas.openxmlformats.org/presentationml/2006/main">
+  <p:cSld>
+    <p:spTree>
+      <p:nvGrpSpPr>
+        <p:cNvPr id="1" name=""/>
+        <p:cNvGrpSpPr/>
+        <p:nvPr/>
+      </p:nvGrpSpPr>
+      <p:grpSpPr>
+        <a:xfrm>
+          <a:off x="0" y="0"/>
+          <a:ext cx="0" cy="0"/>
+          <a:chOff x="0" y="0"/>
+          <a:chExt cx="0" cy="0"/>
+        </a:xfrm>
+      </p:grpSpPr>
+      <p:sp>
+        <p:nvSpPr>
+          <p:cNvPr id="184324" name="Rectangle 4"/>
+          <p:cNvSpPr>
+            <a:spLocks noGrp="1" noChangeArrowheads="1"/>
+          </p:cNvSpPr>
+          <p:nvPr>
+            <p:ph type="title"/>
+          </p:nvPr>
+        </p:nvSpPr>
+        <p:spPr>
+          <a:xfrm>
+            <a:off x="289721" y="4056"/>
+            <a:ext cx="8363272" cy="1143000"/>
+          </a:xfrm>
+        </p:spPr>
+        <p:txBody>
+          <a:bodyPr>
+            <a:normAutofit/>
+          </a:bodyPr>
+          <a:lstStyle/>
+          <a:p>
+            <a:pPr eaLnBrk="1" hangingPunct="1">
+              <a:defRPr/>
+            </a:pPr>
+            <a:r>
+              <a:rPr lang="es-MX" b="1" dirty="0" err="1">
+                <a:solidFill>
+                  <a:schemeClr val="accent4">
+                    <a:lumMod val="50000"/>
+                  </a:schemeClr>
+                </a:solidFill>
+                <a:effectLst>
+                  <a:outerShdw blurRad="38100" dist="38100" dir="2700000" algn="tl">
+                    <a:srgbClr val="C0C0C0"/>
+                  </a:outerShdw>
+                </a:effectLst>
+                <a:latin typeface="Dom Casual" charset="0"/>
+              </a:rPr>
+              <a:t>Metacaracteres</a:t>
+            </a:r>
+            <a:endParaRPr lang="es-MX" b="1" dirty="0">
+              <a:solidFill>
+                <a:schemeClr val="accent4">
+                  <a:lumMod val="50000"/>
+                </a:schemeClr>
+              </a:solidFill>
+              <a:effectLst>
+                <a:outerShdw blurRad="38100" dist="38100" dir="2700000" algn="tl">
+                  <a:srgbClr val="C0C0C0"/>
+                </a:outerShdw>
+              </a:effectLst>
+              <a:latin typeface="Dom Casual" charset="0"/>
+            </a:endParaRPr>
+          </a:p>
+        </p:txBody>
+      </p:sp>
+      <p:sp>
+        <p:nvSpPr>
+          <p:cNvPr id="8" name="CuadroTexto 7">
+            <a:extLst>
+              <a:ext uri="{FF2B5EF4-FFF2-40B4-BE49-F238E27FC236}">
+                <a16:creationId xmlns:a16="http://schemas.microsoft.com/office/drawing/2014/main" id="{C54CFFB0-D6E7-4679-A6E8-7F8B2E54D6C1}"/>
+              </a:ext>
+            </a:extLst>
+          </p:cNvPr>
+          <p:cNvSpPr txBox="1"/>
+          <p:nvPr/>
+        </p:nvSpPr>
+        <p:spPr>
+          <a:xfrm>
+            <a:off x="2286845" y="950207"/>
+            <a:ext cx="4229372" cy="714298"/>
+          </a:xfrm>
+          <a:prstGeom prst="rect">
+            <a:avLst/>
+          </a:prstGeom>
+          <a:noFill/>
+        </p:spPr>
+        <p:txBody>
+          <a:bodyPr wrap="square">
+            <a:spAutoFit/>
+          </a:bodyPr>
+          <a:lstStyle/>
+          <a:p>
+            <a:pPr algn="ctr" fontAlgn="base">
+              <a:lnSpc>
+                <a:spcPts val="2500"/>
+              </a:lnSpc>
+              <a:spcAft>
+                <a:spcPts val="600"/>
+              </a:spcAft>
+            </a:pPr>
+            <a:r>
+              <a:rPr lang="es-ES" b="1" i="0" dirty="0">
+                <a:solidFill>
+                  <a:schemeClr val="accent6">
+                    <a:lumMod val="75000"/>
+                  </a:schemeClr>
+                </a:solidFill>
+                <a:effectLst/>
+                <a:latin typeface="inherit"/>
+              </a:rPr>
+              <a:t> + Definen </a:t>
+            </a:r>
+            <a:r>
+              <a:rPr lang="es-ES" b="1" dirty="0">
+                <a:solidFill>
+                  <a:schemeClr val="accent6">
+                    <a:lumMod val="75000"/>
+                  </a:schemeClr>
+                </a:solidFill>
+                <a:latin typeface="inherit"/>
+              </a:rPr>
+              <a:t>el número de </a:t>
+            </a:r>
+            <a:r>
+              <a:rPr lang="es-ES" b="1" i="0" dirty="0">
+                <a:solidFill>
+                  <a:schemeClr val="accent6">
+                    <a:lumMod val="75000"/>
+                  </a:schemeClr>
+                </a:solidFill>
+                <a:effectLst/>
+                <a:latin typeface="inherit"/>
+              </a:rPr>
+              <a:t>repeticiones de la expresión regular precedente</a:t>
+            </a:r>
+          </a:p>
+        </p:txBody>
+      </p:sp>
+      <p:sp>
+        <p:nvSpPr>
+          <p:cNvPr id="9" name="CuadroTexto 8">
+            <a:extLst>
+              <a:ext uri="{FF2B5EF4-FFF2-40B4-BE49-F238E27FC236}">
+                <a16:creationId xmlns:a16="http://schemas.microsoft.com/office/drawing/2014/main" id="{3C2E1319-C186-4202-8393-814D31E5493C}"/>
+              </a:ext>
+            </a:extLst>
+          </p:cNvPr>
+          <p:cNvSpPr txBox="1"/>
+          <p:nvPr/>
+        </p:nvSpPr>
+        <p:spPr>
+          <a:xfrm>
+            <a:off x="611560" y="1583476"/>
+            <a:ext cx="7920880" cy="506292"/>
+          </a:xfrm>
+          <a:prstGeom prst="rect">
+            <a:avLst/>
+          </a:prstGeom>
+          <a:noFill/>
+        </p:spPr>
+        <p:txBody>
+          <a:bodyPr wrap="square">
+            <a:spAutoFit/>
+          </a:bodyPr>
+          <a:lstStyle/>
+          <a:p>
+            <a:pPr algn="l">
+              <a:lnSpc>
+                <a:spcPct val="150000"/>
+              </a:lnSpc>
+            </a:pPr>
+            <a:r>
+              <a:rPr lang="es-ES" sz="2000" b="1" i="0" dirty="0">
+                <a:solidFill>
+                  <a:schemeClr val="tx1">
+                    <a:lumMod val="95000"/>
+                    <a:lumOff val="5000"/>
+                  </a:schemeClr>
+                </a:solidFill>
+                <a:effectLst/>
+              </a:rPr>
+              <a:t>Ejemplo 2:</a:t>
+            </a:r>
+            <a:endParaRPr lang="es-ES" sz="2000" b="1" dirty="0">
+              <a:solidFill>
+                <a:schemeClr val="tx1">
+                  <a:lumMod val="95000"/>
+                  <a:lumOff val="5000"/>
+                </a:schemeClr>
+              </a:solidFill>
+            </a:endParaRPr>
+          </a:p>
+        </p:txBody>
+      </p:sp>
+      <p:sp>
+        <p:nvSpPr>
+          <p:cNvPr id="10" name="Abrir llave 9">
+            <a:extLst>
+              <a:ext uri="{FF2B5EF4-FFF2-40B4-BE49-F238E27FC236}">
+                <a16:creationId xmlns:a16="http://schemas.microsoft.com/office/drawing/2014/main" id="{F795473D-90D4-4794-8F57-1F88444BF981}"/>
+              </a:ext>
+            </a:extLst>
+          </p:cNvPr>
+          <p:cNvSpPr/>
+          <p:nvPr/>
+        </p:nvSpPr>
+        <p:spPr>
+          <a:xfrm rot="16200000">
+            <a:off x="7328241" y="5006428"/>
+            <a:ext cx="242932" cy="293259"/>
+          </a:xfrm>
+          <a:prstGeom prst="leftBrace">
+            <a:avLst/>
+          </a:prstGeom>
+        </p:spPr>
+        <p:style>
+          <a:lnRef idx="1">
+            <a:schemeClr val="accent1"/>
+          </a:lnRef>
+          <a:fillRef idx="0">
+            <a:schemeClr val="accent1"/>
+          </a:fillRef>
+          <a:effectRef idx="0">
+            <a:schemeClr val="accent1"/>
+          </a:effectRef>
+          <a:fontRef idx="minor">
+            <a:schemeClr val="tx1"/>
+          </a:fontRef>
+        </p:style>
+        <p:txBody>
+          <a:bodyPr rtlCol="0" anchor="ctr"/>
+          <a:lstStyle/>
+          <a:p>
+            <a:pPr algn="ctr"/>
+            <a:endParaRPr lang="es-MX"/>
+          </a:p>
+        </p:txBody>
+      </p:sp>
+      <p:sp>
+        <p:nvSpPr>
+          <p:cNvPr id="12" name="CuadroTexto 11">
+            <a:extLst>
+              <a:ext uri="{FF2B5EF4-FFF2-40B4-BE49-F238E27FC236}">
+                <a16:creationId xmlns:a16="http://schemas.microsoft.com/office/drawing/2014/main" id="{85E1941A-2DA6-443A-9843-A084D86AC459}"/>
+              </a:ext>
+            </a:extLst>
+          </p:cNvPr>
+          <p:cNvSpPr txBox="1"/>
+          <p:nvPr/>
+        </p:nvSpPr>
+        <p:spPr>
+          <a:xfrm>
+            <a:off x="611560" y="2089768"/>
+            <a:ext cx="8041433" cy="707501"/>
+          </a:xfrm>
+          <a:prstGeom prst="rect">
+            <a:avLst/>
+          </a:prstGeom>
+          <a:noFill/>
+        </p:spPr>
+        <p:txBody>
+          <a:bodyPr wrap="square">
+            <a:spAutoFit/>
+          </a:bodyPr>
+          <a:lstStyle/>
+          <a:p>
+            <a:pPr algn="just">
+              <a:lnSpc>
+                <a:spcPts val="2500"/>
+              </a:lnSpc>
+            </a:pPr>
+            <a:r>
+              <a:rPr lang="es-ES" sz="1600" b="0" i="0" dirty="0">
+                <a:solidFill>
+                  <a:srgbClr val="333333"/>
+                </a:solidFill>
+                <a:effectLst/>
+              </a:rPr>
+              <a:t>Una palabra que tenga cualquier tipo de caracteres repetido una o más veces y que luego le siga un </a:t>
+            </a:r>
+            <a:r>
+              <a:rPr lang="es-ES" sz="1600" b="1" i="0" dirty="0" err="1">
+                <a:solidFill>
+                  <a:srgbClr val="333333"/>
+                </a:solidFill>
+                <a:effectLst/>
+              </a:rPr>
+              <a:t>er</a:t>
+            </a:r>
+            <a:r>
+              <a:rPr lang="es-ES" sz="1600" b="0" i="0" dirty="0">
+                <a:solidFill>
+                  <a:srgbClr val="333333"/>
+                </a:solidFill>
+                <a:effectLst/>
+              </a:rPr>
+              <a:t>.</a:t>
+            </a:r>
+            <a:endParaRPr lang="es-ES" sz="1600" b="0" i="0" dirty="0">
+              <a:solidFill>
+                <a:srgbClr val="AAAAAA"/>
+              </a:solidFill>
+              <a:effectLst/>
+            </a:endParaRPr>
+          </a:p>
+        </p:txBody>
+      </p:sp>
+      <p:pic>
+        <p:nvPicPr>
+          <p:cNvPr id="6" name="Imagen 5">
+            <a:extLst>
+              <a:ext uri="{FF2B5EF4-FFF2-40B4-BE49-F238E27FC236}">
+                <a16:creationId xmlns:a16="http://schemas.microsoft.com/office/drawing/2014/main" id="{2EFDE507-6CDB-4252-9C26-27D007FDAAFE}"/>
+              </a:ext>
+            </a:extLst>
+          </p:cNvPr>
+          <p:cNvPicPr>
+            <a:picLocks noChangeAspect="1"/>
+          </p:cNvPicPr>
+          <p:nvPr/>
+        </p:nvPicPr>
+        <p:blipFill>
+          <a:blip r:embed="rId3"/>
+          <a:stretch>
+            <a:fillRect/>
+          </a:stretch>
+        </p:blipFill>
+        <p:spPr>
+          <a:xfrm>
+            <a:off x="646620" y="2924944"/>
+            <a:ext cx="7038975" cy="3686175"/>
+          </a:xfrm>
+          <a:prstGeom prst="rect">
+            <a:avLst/>
+          </a:prstGeom>
+        </p:spPr>
+      </p:pic>
+    </p:spTree>
+    <p:extLst>
+      <p:ext uri="{BB962C8B-B14F-4D97-AF65-F5344CB8AC3E}">
+        <p14:creationId xmlns:p14="http://schemas.microsoft.com/office/powerpoint/2010/main" val="199591875"/>
       </p:ext>
     </p:extLst>
   </p:cSld>
@@ -15779,16 +15569,27 @@
               </a:spcAft>
             </a:pPr>
             <a:r>
-              <a:rPr lang="es-ES" b="1" i="0" dirty="0">
+              <a:rPr lang="es-ES" b="1" dirty="0">
                 <a:solidFill>
                   <a:schemeClr val="accent6">
                     <a:lumMod val="75000"/>
                   </a:schemeClr>
                 </a:solidFill>
+                <a:latin typeface="inherit"/>
+              </a:rPr>
+              <a:t> </a:t>
+            </a:r>
+            <a:r>
+              <a:rPr lang="es-ES" b="1" i="0" dirty="0">
+                <a:solidFill>
+                  <a:schemeClr val="accent6">
+                    <a:lumMod val="75000"/>
+                  </a:schemeClr>
+                </a:solidFill>
                 <a:effectLst/>
                 <a:latin typeface="inherit"/>
               </a:rPr>
-              <a:t> + Definen </a:t>
+              <a:t>+ Definen </a:t>
             </a:r>
             <a:r>
               <a:rPr lang="es-ES" b="1" dirty="0">
@@ -15859,7 +15660,7 @@
                 </a:solidFill>
                 <a:effectLst/>
               </a:rPr>
-              <a:t>Ejemplo 2:</a:t>
+              <a:t>Ejemplo 3:</a:t>
             </a:r>
             <a:endParaRPr lang="es-ES" sz="2000" b="1" dirty="0">
               <a:solidFill>
@@ -15956,7 +15757,7 @@
                 </a:solidFill>
                 <a:effectLst/>
               </a:rPr>
-              <a:t>Una palabra que tenga cualquier tipo de caracteres repetido una o más veces y que luego le siga un </a:t>
+              <a:t>Palabras que tengan caracteres de la ‘a’ a la ‘z’ repetidos una o más veces y que luego le siga un </a:t>
             </a:r>
             <a:r>
               <a:rPr lang="es-ES" sz="1600" b="1" i="0" dirty="0" err="1">
@@ -15987,10 +15788,10 @@
       </p:sp>
       <p:pic>
         <p:nvPicPr>
-          <p:cNvPr id="6" name="Imagen 5">
+          <p:cNvPr id="3" name="Imagen 2">
             <a:extLst>
               <a:ext uri="{FF2B5EF4-FFF2-40B4-BE49-F238E27FC236}">
-                <a16:creationId xmlns:a16="http://schemas.microsoft.com/office/drawing/2014/main" id="{2EFDE507-6CDB-4252-9C26-27D007FDAAFE}"/>
+                <a16:creationId xmlns:a16="http://schemas.microsoft.com/office/drawing/2014/main" id="{367D6562-FC96-4812-A5D3-7044AF6375BE}"/>
               </a:ext>
             </a:extLst>
           </p:cNvPr>
@@ -16007,8 +15808,8 @@
         </p:blipFill>
         <p:spPr>
           <a:xfrm>
-            <a:off x="646620" y="2924944"/>
-            <a:ext cx="7038975" cy="3686175"/>
+            <a:off x="643406" y="3026677"/>
+            <a:ext cx="8010163" cy="2634572"/>
           </a:xfrm>
           <a:prstGeom prst="rect">
             <a:avLst/>
@@ -16018,7 +15819,7 @@
     </p:spTree>
     <p:extLst>
       <p:ext uri="{BB962C8B-B14F-4D97-AF65-F5344CB8AC3E}">
-        <p14:creationId xmlns:p14="http://schemas.microsoft.com/office/powerpoint/2010/main" val="199591875"/>
+        <p14:creationId xmlns:p14="http://schemas.microsoft.com/office/powerpoint/2010/main" val="929584033"/>
       </p:ext>
     </p:extLst>
   </p:cSld>
@@ -16116,8 +15917,8 @@
         </p:nvSpPr>
         <p:spPr>
           <a:xfrm>
-            <a:off x="2286845" y="950207"/>
-            <a:ext cx="4229372" cy="714298"/>
+            <a:off x="2051720" y="950207"/>
+            <a:ext cx="4680520" cy="714298"/>
           </a:xfrm>
           <a:prstGeom prst="rect">
             <a:avLst/>
@@ -16159,7 +15960,7 @@
                 <a:effectLst/>
                 <a:latin typeface="inherit"/>
               </a:rPr>
-              <a:t>+ Definen </a:t>
+              <a:t>{} Definen </a:t>
             </a:r>
             <a:r>
               <a:rPr lang="es-ES" b="1" dirty="0">
@@ -16170,7 +15971,7 @@
                 </a:solidFill>
                 <a:latin typeface="inherit"/>
               </a:rPr>
-              <a:t>el número de </a:t>
+              <a:t>el número exacto de </a:t>
             </a:r>
             <a:r>
               <a:rPr lang="es-ES" b="1" i="0" dirty="0">
@@ -16230,7 +16031,7 @@
                 </a:solidFill>
                 <a:effectLst/>
               </a:rPr>
-              <a:t>Ejemplo 3:</a:t>
+              <a:t>Ejemplo 4:</a:t>
             </a:r>
             <a:endParaRPr lang="es-ES" sz="2000" b="1" dirty="0">
               <a:solidFill>
@@ -16327,7 +16128,7 @@
                 </a:solidFill>
                 <a:effectLst/>
               </a:rPr>
-              <a:t>Palabras que tengan caracteres de la ‘a’ a la ‘z’ repetidos una o más veces y que luego le siga un </a:t>
+              <a:t>Palabras que tengan cuatro caracteres de la ‘a’ a la ‘z’ repetidos una o más veces y que luego le siga un </a:t>
             </a:r>
             <a:r>
               <a:rPr lang="es-ES" sz="1600" b="1" i="0" dirty="0" err="1">
@@ -16358,10 +16159,10 @@
       </p:sp>
       <p:pic>
         <p:nvPicPr>
-          <p:cNvPr id="3" name="Imagen 2">
+          <p:cNvPr id="6" name="Imagen 5">
             <a:extLst>
               <a:ext uri="{FF2B5EF4-FFF2-40B4-BE49-F238E27FC236}">
-                <a16:creationId xmlns:a16="http://schemas.microsoft.com/office/drawing/2014/main" id="{367D6562-FC96-4812-A5D3-7044AF6375BE}"/>
+                <a16:creationId xmlns:a16="http://schemas.microsoft.com/office/drawing/2014/main" id="{65576E1C-9BCF-4A1F-AFDE-67E73D9B1B3A}"/>
               </a:ext>
             </a:extLst>
           </p:cNvPr>
@@ -16378,8 +16179,8 @@
         </p:blipFill>
         <p:spPr>
           <a:xfrm>
-            <a:off x="643406" y="3026677"/>
-            <a:ext cx="8010163" cy="2634572"/>
+            <a:off x="755576" y="3032480"/>
+            <a:ext cx="7399987" cy="2545326"/>
           </a:xfrm>
           <a:prstGeom prst="rect">
             <a:avLst/>
@@ -16389,7 +16190,7 @@
     </p:spTree>
     <p:extLst>
       <p:ext uri="{BB962C8B-B14F-4D97-AF65-F5344CB8AC3E}">
-        <p14:creationId xmlns:p14="http://schemas.microsoft.com/office/powerpoint/2010/main" val="929584033"/>
+        <p14:creationId xmlns:p14="http://schemas.microsoft.com/office/powerpoint/2010/main" val="1823986916"/>
       </p:ext>
     </p:extLst>
   </p:cSld>
@@ -16428,7 +16229,7 @@
         </p:nvSpPr>
         <p:spPr>
           <a:xfrm>
-            <a:off x="289721" y="4056"/>
+            <a:off x="289722" y="332656"/>
             <a:ext cx="8363272" cy="1143000"/>
           </a:xfrm>
         </p:spPr>
@@ -16442,7 +16243,7 @@
               <a:defRPr/>
             </a:pPr>
             <a:r>
-              <a:rPr lang="es-MX" b="1" dirty="0" err="1">
+              <a:rPr lang="es-MX" b="1" dirty="0">
                 <a:solidFill>
                   <a:schemeClr val="accent4">
                     <a:lumMod val="50000"/>
@@ -16455,30 +16256,17 @@
                 </a:effectLst>
                 <a:latin typeface="Dom Casual" charset="0"/>
               </a:rPr>
-              <a:t>Metacaracteres</a:t>
-            </a:r>
-            <a:endParaRPr lang="es-MX" b="1" dirty="0">
-              <a:solidFill>
-                <a:schemeClr val="accent4">
-                  <a:lumMod val="50000"/>
-                </a:schemeClr>
-              </a:solidFill>
-              <a:effectLst>
-                <a:outerShdw blurRad="38100" dist="38100" dir="2700000" algn="tl">
-                  <a:srgbClr val="C0C0C0"/>
-                </a:outerShdw>
-              </a:effectLst>
-              <a:latin typeface="Dom Casual" charset="0"/>
-            </a:endParaRPr>
-          </a:p>
-        </p:txBody>
-      </p:sp>
-      <p:sp>
-        <p:nvSpPr>
-          <p:cNvPr id="8" name="CuadroTexto 7">
+              <a:t>Secuencias especiales</a:t>
+            </a:r>
+          </a:p>
+        </p:txBody>
+      </p:sp>
+      <p:sp>
+        <p:nvSpPr>
+          <p:cNvPr id="11" name="CuadroTexto 10">
             <a:extLst>
               <a:ext uri="{FF2B5EF4-FFF2-40B4-BE49-F238E27FC236}">
-                <a16:creationId xmlns:a16="http://schemas.microsoft.com/office/drawing/2014/main" id="{C54CFFB0-D6E7-4679-A6E8-7F8B2E54D6C1}"/>
+                <a16:creationId xmlns:a16="http://schemas.microsoft.com/office/drawing/2014/main" id="{A01963C4-5EE1-4A60-85A8-719A3CE36006}"/>
               </a:ext>
             </a:extLst>
           </p:cNvPr>
@@ -16487,8 +16275,8 @@
         </p:nvSpPr>
         <p:spPr>
           <a:xfrm>
-            <a:off x="2051720" y="950207"/>
-            <a:ext cx="4680520" cy="714298"/>
+            <a:off x="390364" y="2057342"/>
+            <a:ext cx="8363272" cy="2743315"/>
           </a:xfrm>
           <a:prstGeom prst="rect">
             <a:avLst/>
@@ -16501,266 +16289,197 @@
           </a:bodyPr>
           <a:lstStyle/>
           <a:p>
-            <a:pPr algn="ctr" fontAlgn="base">
+            <a:pPr algn="just">
               <a:lnSpc>
-                <a:spcPts val="2500"/>
-              </a:lnSpc>
-              <a:spcAft>
-                <a:spcPts val="600"/>
-              </a:spcAft>
-            </a:pPr>
-            <a:r>
-              <a:rPr lang="es-ES" b="1" dirty="0">
-                <a:solidFill>
-                  <a:schemeClr val="accent6">
-                    <a:lumMod val="75000"/>
-                  </a:schemeClr>
-                </a:solidFill>
-                <a:latin typeface="inherit"/>
-              </a:rPr>
-              <a:t> </a:t>
-            </a:r>
-            <a:r>
-              <a:rPr lang="es-ES" b="1" i="0" dirty="0">
-                <a:solidFill>
-                  <a:schemeClr val="accent6">
-                    <a:lumMod val="75000"/>
-                  </a:schemeClr>
-                </a:solidFill>
-                <a:effectLst/>
-                <a:latin typeface="inherit"/>
-              </a:rPr>
-              <a:t>{} Definen </a:t>
-            </a:r>
-            <a:r>
-              <a:rPr lang="es-ES" b="1" dirty="0">
-                <a:solidFill>
-                  <a:schemeClr val="accent6">
-                    <a:lumMod val="75000"/>
-                  </a:schemeClr>
-                </a:solidFill>
-                <a:latin typeface="inherit"/>
-              </a:rPr>
-              <a:t>el número exacto de </a:t>
-            </a:r>
-            <a:r>
-              <a:rPr lang="es-ES" b="1" i="0" dirty="0">
-                <a:solidFill>
-                  <a:schemeClr val="accent6">
-                    <a:lumMod val="75000"/>
-                  </a:schemeClr>
-                </a:solidFill>
-                <a:effectLst/>
-                <a:latin typeface="inherit"/>
-              </a:rPr>
-              <a:t>repeticiones de la expresión regular precedente</a:t>
-            </a:r>
-          </a:p>
-        </p:txBody>
-      </p:sp>
-      <p:sp>
-        <p:nvSpPr>
-          <p:cNvPr id="9" name="CuadroTexto 8">
-            <a:extLst>
-              <a:ext uri="{FF2B5EF4-FFF2-40B4-BE49-F238E27FC236}">
-                <a16:creationId xmlns:a16="http://schemas.microsoft.com/office/drawing/2014/main" id="{3C2E1319-C186-4202-8393-814D31E5493C}"/>
-              </a:ext>
-            </a:extLst>
-          </p:cNvPr>
-          <p:cNvSpPr txBox="1"/>
-          <p:nvPr/>
-        </p:nvSpPr>
-        <p:spPr>
-          <a:xfrm>
-            <a:off x="611560" y="1583476"/>
-            <a:ext cx="7920880" cy="506292"/>
-          </a:xfrm>
-          <a:prstGeom prst="rect">
-            <a:avLst/>
-          </a:prstGeom>
-          <a:noFill/>
-        </p:spPr>
-        <p:txBody>
-          <a:bodyPr wrap="square">
-            <a:spAutoFit/>
-          </a:bodyPr>
-          <a:lstStyle/>
-          <a:p>
-            <a:pPr algn="l">
-              <a:lnSpc>
-                <a:spcPct val="150000"/>
+                <a:spcPts val="3000"/>
               </a:lnSpc>
             </a:pPr>
             <a:r>
-              <a:rPr lang="es-ES" sz="2000" b="1" i="0" dirty="0">
-                <a:solidFill>
-                  <a:schemeClr val="tx1">
-                    <a:lumMod val="95000"/>
-                    <a:lumOff val="5000"/>
-                  </a:schemeClr>
-                </a:solidFill>
-                <a:effectLst/>
-              </a:rPr>
-              <a:t>Ejemplo 4:</a:t>
-            </a:r>
-            <a:endParaRPr lang="es-ES" sz="2000" b="1" dirty="0">
-              <a:solidFill>
-                <a:schemeClr val="tx1">
-                  <a:lumMod val="95000"/>
-                  <a:lumOff val="5000"/>
-                </a:schemeClr>
-              </a:solidFill>
-            </a:endParaRPr>
-          </a:p>
-        </p:txBody>
-      </p:sp>
-      <p:sp>
-        <p:nvSpPr>
-          <p:cNvPr id="10" name="Abrir llave 9">
-            <a:extLst>
-              <a:ext uri="{FF2B5EF4-FFF2-40B4-BE49-F238E27FC236}">
-                <a16:creationId xmlns:a16="http://schemas.microsoft.com/office/drawing/2014/main" id="{F795473D-90D4-4794-8F57-1F88444BF981}"/>
-              </a:ext>
-            </a:extLst>
-          </p:cNvPr>
-          <p:cNvSpPr/>
-          <p:nvPr/>
-        </p:nvSpPr>
-        <p:spPr>
-          <a:xfrm rot="16200000">
-            <a:off x="7328241" y="5006428"/>
-            <a:ext cx="242932" cy="293259"/>
-          </a:xfrm>
-          <a:prstGeom prst="leftBrace">
-            <a:avLst/>
-          </a:prstGeom>
-        </p:spPr>
-        <p:style>
-          <a:lnRef idx="1">
-            <a:schemeClr val="accent1"/>
-          </a:lnRef>
-          <a:fillRef idx="0">
-            <a:schemeClr val="accent1"/>
-          </a:fillRef>
-          <a:effectRef idx="0">
-            <a:schemeClr val="accent1"/>
-          </a:effectRef>
-          <a:fontRef idx="minor">
-            <a:schemeClr val="tx1"/>
-          </a:fontRef>
-        </p:style>
-        <p:txBody>
-          <a:bodyPr rtlCol="0" anchor="ctr"/>
-          <a:lstStyle/>
-          <a:p>
-            <a:pPr algn="ctr"/>
-            <a:endParaRPr lang="es-MX"/>
-          </a:p>
-        </p:txBody>
-      </p:sp>
-      <p:sp>
-        <p:nvSpPr>
-          <p:cNvPr id="12" name="CuadroTexto 11">
-            <a:extLst>
-              <a:ext uri="{FF2B5EF4-FFF2-40B4-BE49-F238E27FC236}">
-                <a16:creationId xmlns:a16="http://schemas.microsoft.com/office/drawing/2014/main" id="{85E1941A-2DA6-443A-9843-A084D86AC459}"/>
-              </a:ext>
-            </a:extLst>
-          </p:cNvPr>
-          <p:cNvSpPr txBox="1"/>
-          <p:nvPr/>
-        </p:nvSpPr>
-        <p:spPr>
-          <a:xfrm>
-            <a:off x="611560" y="2089768"/>
-            <a:ext cx="8041433" cy="707501"/>
-          </a:xfrm>
-          <a:prstGeom prst="rect">
-            <a:avLst/>
-          </a:prstGeom>
-          <a:noFill/>
-        </p:spPr>
-        <p:txBody>
-          <a:bodyPr wrap="square">
-            <a:spAutoFit/>
-          </a:bodyPr>
-          <a:lstStyle/>
+              <a:rPr lang="es-ES" sz="1600" b="1" dirty="0">
+                <a:solidFill>
+                  <a:srgbClr val="FF0000"/>
+                </a:solidFill>
+              </a:rPr>
+              <a:t>\d    </a:t>
+            </a:r>
+            <a:r>
+              <a:rPr lang="es-ES" sz="1600" dirty="0">
+                <a:solidFill>
+                  <a:srgbClr val="333333"/>
+                </a:solidFill>
+              </a:rPr>
+              <a:t>Coincide con cualquier dígito decimal. Equivalente a [0-9].</a:t>
+            </a:r>
+          </a:p>
           <a:p>
             <a:pPr algn="just">
               <a:lnSpc>
-                <a:spcPts val="2500"/>
+                <a:spcPts val="3000"/>
               </a:lnSpc>
             </a:pPr>
             <a:r>
-              <a:rPr lang="es-ES" sz="1600" b="0" i="0" dirty="0">
+              <a:rPr lang="es-ES" sz="1600" b="1" dirty="0">
+                <a:solidFill>
+                  <a:srgbClr val="FF0000"/>
+                </a:solidFill>
+              </a:rPr>
+              <a:t>\D    </a:t>
+            </a:r>
+            <a:r>
+              <a:rPr lang="es-ES" sz="1600" dirty="0">
                 <a:solidFill>
                   <a:srgbClr val="333333"/>
                 </a:solidFill>
-                <a:effectLst/>
-              </a:rPr>
-              <a:t>Palabras que tengan cuatro caracteres de la ‘a’ a la ‘z’ repetidos una o más veces y que luego le siga un </a:t>
-            </a:r>
-            <a:r>
-              <a:rPr lang="es-ES" sz="1600" b="1" i="0" dirty="0" err="1">
+              </a:rPr>
+              <a:t>Coincide con cualquier carácter que </a:t>
+            </a:r>
+            <a:r>
+              <a:rPr lang="es-ES" sz="1600" b="1" dirty="0">
                 <a:solidFill>
                   <a:srgbClr val="333333"/>
                 </a:solidFill>
-                <a:effectLst/>
-              </a:rPr>
-              <a:t>er</a:t>
-            </a:r>
-            <a:r>
-              <a:rPr lang="es-ES" sz="1600" b="0" i="0" dirty="0">
+              </a:rPr>
+              <a:t>no</a:t>
+            </a:r>
+            <a:r>
+              <a:rPr lang="es-ES" sz="1600" dirty="0">
                 <a:solidFill>
                   <a:srgbClr val="333333"/>
                 </a:solidFill>
-                <a:effectLst/>
-              </a:rPr>
-              <a:t>.</a:t>
-            </a:r>
-            <a:endParaRPr lang="es-ES" sz="1600" b="0" i="0" dirty="0">
-              <a:solidFill>
-                <a:srgbClr val="AAAAAA"/>
-              </a:solidFill>
-              <a:effectLst/>
-            </a:endParaRPr>
-          </a:p>
-        </p:txBody>
-      </p:sp>
-      <p:pic>
-        <p:nvPicPr>
-          <p:cNvPr id="6" name="Imagen 5">
-            <a:extLst>
-              <a:ext uri="{FF2B5EF4-FFF2-40B4-BE49-F238E27FC236}">
-                <a16:creationId xmlns:a16="http://schemas.microsoft.com/office/drawing/2014/main" id="{65576E1C-9BCF-4A1F-AFDE-67E73D9B1B3A}"/>
-              </a:ext>
-            </a:extLst>
-          </p:cNvPr>
-          <p:cNvPicPr>
-            <a:picLocks noChangeAspect="1"/>
-          </p:cNvPicPr>
-          <p:nvPr/>
-        </p:nvPicPr>
-        <p:blipFill>
-          <a:blip r:embed="rId3"/>
-          <a:stretch>
-            <a:fillRect/>
-          </a:stretch>
-        </p:blipFill>
-        <p:spPr>
-          <a:xfrm>
-            <a:off x="755576" y="3032480"/>
-            <a:ext cx="7399987" cy="2545326"/>
-          </a:xfrm>
-          <a:prstGeom prst="rect">
-            <a:avLst/>
-          </a:prstGeom>
-        </p:spPr>
-      </p:pic>
+              </a:rPr>
+              <a:t> sea un dígito. Equivalente a [^0-9].</a:t>
+            </a:r>
+          </a:p>
+          <a:p>
+            <a:pPr algn="just">
+              <a:lnSpc>
+                <a:spcPts val="3000"/>
+              </a:lnSpc>
+            </a:pPr>
+            <a:r>
+              <a:rPr lang="es-ES" sz="1600" b="1" dirty="0">
+                <a:solidFill>
+                  <a:srgbClr val="FF0000"/>
+                </a:solidFill>
+              </a:rPr>
+              <a:t>\s     </a:t>
+            </a:r>
+            <a:r>
+              <a:rPr lang="es-ES" sz="1600" dirty="0">
+                <a:solidFill>
+                  <a:srgbClr val="333333"/>
+                </a:solidFill>
+              </a:rPr>
+              <a:t>Coincide con un espacio en blanco.</a:t>
+            </a:r>
+          </a:p>
+          <a:p>
+            <a:pPr algn="just">
+              <a:lnSpc>
+                <a:spcPts val="3000"/>
+              </a:lnSpc>
+            </a:pPr>
+            <a:r>
+              <a:rPr lang="es-ES" sz="1600" b="1" dirty="0">
+                <a:solidFill>
+                  <a:srgbClr val="FF0000"/>
+                </a:solidFill>
+              </a:rPr>
+              <a:t>\S    </a:t>
+            </a:r>
+            <a:r>
+              <a:rPr lang="es-ES" sz="1600" dirty="0">
+                <a:solidFill>
+                  <a:srgbClr val="333333"/>
+                </a:solidFill>
+              </a:rPr>
+              <a:t>Coincide con cualquier carácter que </a:t>
+            </a:r>
+            <a:r>
+              <a:rPr lang="es-ES" sz="1600" b="1" dirty="0">
+                <a:solidFill>
+                  <a:srgbClr val="333333"/>
+                </a:solidFill>
+              </a:rPr>
+              <a:t>no</a:t>
+            </a:r>
+            <a:r>
+              <a:rPr lang="es-ES" sz="1600" dirty="0">
+                <a:solidFill>
+                  <a:srgbClr val="333333"/>
+                </a:solidFill>
+              </a:rPr>
+              <a:t> sea un espacio en blanco. Equivalente a [^ \t\n\r\f\v].</a:t>
+            </a:r>
+          </a:p>
+          <a:p>
+            <a:pPr algn="just">
+              <a:lnSpc>
+                <a:spcPts val="3000"/>
+              </a:lnSpc>
+            </a:pPr>
+            <a:r>
+              <a:rPr lang="es-ES" sz="1600" b="1" dirty="0">
+                <a:solidFill>
+                  <a:srgbClr val="FF0000"/>
+                </a:solidFill>
+              </a:rPr>
+              <a:t>\w   </a:t>
+            </a:r>
+            <a:r>
+              <a:rPr lang="es-ES" sz="1600" dirty="0">
+                <a:solidFill>
+                  <a:srgbClr val="333333"/>
+                </a:solidFill>
+              </a:rPr>
+              <a:t>Coincide con cualquier carácter alfanumérico e incluye vocales con acentos. Equivalente a [a-zA-Z0-9_].</a:t>
+            </a:r>
+          </a:p>
+          <a:p>
+            <a:pPr algn="just">
+              <a:lnSpc>
+                <a:spcPts val="3000"/>
+              </a:lnSpc>
+            </a:pPr>
+            <a:r>
+              <a:rPr lang="es-ES" sz="1600" b="1" dirty="0">
+                <a:solidFill>
+                  <a:srgbClr val="FF0000"/>
+                </a:solidFill>
+              </a:rPr>
+              <a:t>\W  </a:t>
+            </a:r>
+            <a:r>
+              <a:rPr lang="es-ES" sz="1600" dirty="0">
+                <a:solidFill>
+                  <a:srgbClr val="333333"/>
+                </a:solidFill>
+              </a:rPr>
+              <a:t>Coincide con cualquier carácter </a:t>
+            </a:r>
+            <a:r>
+              <a:rPr lang="es-ES" sz="1600" b="1" dirty="0">
+                <a:solidFill>
+                  <a:srgbClr val="333333"/>
+                </a:solidFill>
+              </a:rPr>
+              <a:t>no </a:t>
+            </a:r>
+            <a:r>
+              <a:rPr lang="es-ES" sz="1600" dirty="0">
+                <a:solidFill>
+                  <a:srgbClr val="333333"/>
+                </a:solidFill>
+              </a:rPr>
+              <a:t>alfanumérico. Equivalente a [^a-zA-Z0-9_].</a:t>
+            </a:r>
+          </a:p>
+        </p:txBody>
+      </p:sp>
     </p:spTree>
     <p:extLst>
       <p:ext uri="{BB962C8B-B14F-4D97-AF65-F5344CB8AC3E}">
-        <p14:creationId xmlns:p14="http://schemas.microsoft.com/office/powerpoint/2010/main" val="1823986916"/>
+        <p14:creationId xmlns:p14="http://schemas.microsoft.com/office/powerpoint/2010/main" val="1564804550"/>
       </p:ext>
     </p:extLst>
   </p:cSld>
@@ -16787,279 +16506,12 @@
           <a:chExt cx="0" cy="0"/>
         </a:xfrm>
       </p:grpSpPr>
-      <p:sp>
-        <p:nvSpPr>
-          <p:cNvPr id="184324" name="Rectangle 4"/>
-          <p:cNvSpPr>
-            <a:spLocks noGrp="1" noChangeArrowheads="1"/>
-          </p:cNvSpPr>
-          <p:nvPr>
-            <p:ph type="title"/>
-          </p:nvPr>
-        </p:nvSpPr>
-        <p:spPr>
-          <a:xfrm>
-            <a:off x="289721" y="4056"/>
-            <a:ext cx="8363272" cy="1143000"/>
-          </a:xfrm>
-        </p:spPr>
-        <p:txBody>
-          <a:bodyPr>
-            <a:normAutofit/>
-          </a:bodyPr>
-          <a:lstStyle/>
-          <a:p>
-            <a:pPr eaLnBrk="1" hangingPunct="1">
-              <a:defRPr/>
-            </a:pPr>
-            <a:r>
-              <a:rPr lang="es-MX" b="1" dirty="0" err="1">
-                <a:solidFill>
-                  <a:schemeClr val="accent4">
-                    <a:lumMod val="50000"/>
-                  </a:schemeClr>
-                </a:solidFill>
-                <a:effectLst>
-                  <a:outerShdw blurRad="38100" dist="38100" dir="2700000" algn="tl">
-                    <a:srgbClr val="C0C0C0"/>
-                  </a:outerShdw>
-                </a:effectLst>
-                <a:latin typeface="Dom Casual" charset="0"/>
-              </a:rPr>
-              <a:t>Metacaracteres</a:t>
-            </a:r>
-            <a:endParaRPr lang="es-MX" b="1" dirty="0">
-              <a:solidFill>
-                <a:schemeClr val="accent4">
-                  <a:lumMod val="50000"/>
-                </a:schemeClr>
-              </a:solidFill>
-              <a:effectLst>
-                <a:outerShdw blurRad="38100" dist="38100" dir="2700000" algn="tl">
-                  <a:srgbClr val="C0C0C0"/>
-                </a:outerShdw>
-              </a:effectLst>
-              <a:latin typeface="Dom Casual" charset="0"/>
-            </a:endParaRPr>
-          </a:p>
-        </p:txBody>
-      </p:sp>
-      <p:sp>
-        <p:nvSpPr>
-          <p:cNvPr id="8" name="CuadroTexto 7">
+      <p:pic>
+        <p:nvPicPr>
+          <p:cNvPr id="4" name="Imagen 3">
             <a:extLst>
               <a:ext uri="{FF2B5EF4-FFF2-40B4-BE49-F238E27FC236}">
-                <a16:creationId xmlns:a16="http://schemas.microsoft.com/office/drawing/2014/main" id="{C54CFFB0-D6E7-4679-A6E8-7F8B2E54D6C1}"/>
-              </a:ext>
-            </a:extLst>
-          </p:cNvPr>
-          <p:cNvSpPr txBox="1"/>
-          <p:nvPr/>
-        </p:nvSpPr>
-        <p:spPr>
-          <a:xfrm>
-            <a:off x="2195736" y="950207"/>
-            <a:ext cx="4608511" cy="714298"/>
-          </a:xfrm>
-          <a:prstGeom prst="rect">
-            <a:avLst/>
-          </a:prstGeom>
-          <a:noFill/>
-        </p:spPr>
-        <p:txBody>
-          <a:bodyPr wrap="square">
-            <a:spAutoFit/>
-          </a:bodyPr>
-          <a:lstStyle/>
-          <a:p>
-            <a:pPr algn="ctr" fontAlgn="base">
-              <a:lnSpc>
-                <a:spcPts val="2500"/>
-              </a:lnSpc>
-              <a:spcAft>
-                <a:spcPts val="600"/>
-              </a:spcAft>
-            </a:pPr>
-            <a:r>
-              <a:rPr lang="es-ES" b="1" dirty="0">
-                <a:solidFill>
-                  <a:schemeClr val="accent6">
-                    <a:lumMod val="75000"/>
-                  </a:schemeClr>
-                </a:solidFill>
-                <a:latin typeface="inherit"/>
-              </a:rPr>
-              <a:t> </a:t>
-            </a:r>
-            <a:r>
-              <a:rPr lang="es-ES" b="1" i="0" dirty="0">
-                <a:solidFill>
-                  <a:schemeClr val="accent6">
-                    <a:lumMod val="75000"/>
-                  </a:schemeClr>
-                </a:solidFill>
-                <a:effectLst/>
-                <a:latin typeface="inherit"/>
-              </a:rPr>
-              <a:t>{} Definen </a:t>
-            </a:r>
-            <a:r>
-              <a:rPr lang="es-ES" b="1" dirty="0">
-                <a:solidFill>
-                  <a:schemeClr val="accent6">
-                    <a:lumMod val="75000"/>
-                  </a:schemeClr>
-                </a:solidFill>
-                <a:latin typeface="inherit"/>
-              </a:rPr>
-              <a:t>el número exacto de </a:t>
-            </a:r>
-            <a:r>
-              <a:rPr lang="es-ES" b="1" i="0" dirty="0">
-                <a:solidFill>
-                  <a:schemeClr val="accent6">
-                    <a:lumMod val="75000"/>
-                  </a:schemeClr>
-                </a:solidFill>
-                <a:effectLst/>
-                <a:latin typeface="inherit"/>
-              </a:rPr>
-              <a:t>repeticiones de la expresión regular precedente</a:t>
-            </a:r>
-          </a:p>
-        </p:txBody>
-      </p:sp>
-      <p:sp>
-        <p:nvSpPr>
-          <p:cNvPr id="9" name="CuadroTexto 8">
-            <a:extLst>
-              <a:ext uri="{FF2B5EF4-FFF2-40B4-BE49-F238E27FC236}">
-                <a16:creationId xmlns:a16="http://schemas.microsoft.com/office/drawing/2014/main" id="{3C2E1319-C186-4202-8393-814D31E5493C}"/>
-              </a:ext>
-            </a:extLst>
-          </p:cNvPr>
-          <p:cNvSpPr txBox="1"/>
-          <p:nvPr/>
-        </p:nvSpPr>
-        <p:spPr>
-          <a:xfrm>
-            <a:off x="611560" y="1583476"/>
-            <a:ext cx="7920880" cy="506292"/>
-          </a:xfrm>
-          <a:prstGeom prst="rect">
-            <a:avLst/>
-          </a:prstGeom>
-          <a:noFill/>
-        </p:spPr>
-        <p:txBody>
-          <a:bodyPr wrap="square">
-            <a:spAutoFit/>
-          </a:bodyPr>
-          <a:lstStyle/>
-          <a:p>
-            <a:pPr algn="l">
-              <a:lnSpc>
-                <a:spcPct val="150000"/>
-              </a:lnSpc>
-            </a:pPr>
-            <a:r>
-              <a:rPr lang="es-ES" sz="2000" b="1" i="0" dirty="0">
-                <a:solidFill>
-                  <a:schemeClr val="tx1">
-                    <a:lumMod val="95000"/>
-                    <a:lumOff val="5000"/>
-                  </a:schemeClr>
-                </a:solidFill>
-                <a:effectLst/>
-              </a:rPr>
-              <a:t>Ejemplo 5:</a:t>
-            </a:r>
-            <a:endParaRPr lang="es-ES" sz="2000" b="1" dirty="0">
-              <a:solidFill>
-                <a:schemeClr val="tx1">
-                  <a:lumMod val="95000"/>
-                  <a:lumOff val="5000"/>
-                </a:schemeClr>
-              </a:solidFill>
-            </a:endParaRPr>
-          </a:p>
-        </p:txBody>
-      </p:sp>
-      <p:sp>
-        <p:nvSpPr>
-          <p:cNvPr id="12" name="CuadroTexto 11">
-            <a:extLst>
-              <a:ext uri="{FF2B5EF4-FFF2-40B4-BE49-F238E27FC236}">
-                <a16:creationId xmlns:a16="http://schemas.microsoft.com/office/drawing/2014/main" id="{85E1941A-2DA6-443A-9843-A084D86AC459}"/>
-              </a:ext>
-            </a:extLst>
-          </p:cNvPr>
-          <p:cNvSpPr txBox="1"/>
-          <p:nvPr/>
-        </p:nvSpPr>
-        <p:spPr>
-          <a:xfrm>
-            <a:off x="611560" y="2089768"/>
-            <a:ext cx="8041433" cy="707501"/>
-          </a:xfrm>
-          <a:prstGeom prst="rect">
-            <a:avLst/>
-          </a:prstGeom>
-          <a:noFill/>
-        </p:spPr>
-        <p:txBody>
-          <a:bodyPr wrap="square">
-            <a:spAutoFit/>
-          </a:bodyPr>
-          <a:lstStyle/>
-          <a:p>
-            <a:pPr algn="just">
-              <a:lnSpc>
-                <a:spcPts val="2500"/>
-              </a:lnSpc>
-            </a:pPr>
-            <a:r>
-              <a:rPr lang="es-ES" sz="1600" b="0" i="0" dirty="0">
-                <a:solidFill>
-                  <a:srgbClr val="333333"/>
-                </a:solidFill>
-                <a:effectLst/>
-              </a:rPr>
-              <a:t>Palabras que tengan cinco caracteres de la ‘a’ a la ‘z’ repetidos una o más veces y que luego le siga un </a:t>
-            </a:r>
-            <a:r>
-              <a:rPr lang="es-ES" sz="1600" b="1" i="0" dirty="0" err="1">
-                <a:solidFill>
-                  <a:srgbClr val="333333"/>
-                </a:solidFill>
-                <a:effectLst/>
-              </a:rPr>
-              <a:t>er</a:t>
-            </a:r>
-            <a:r>
-              <a:rPr lang="es-ES" sz="1600" b="0" i="0" dirty="0">
-                <a:solidFill>
-                  <a:srgbClr val="333333"/>
-                </a:solidFill>
-                <a:effectLst/>
-              </a:rPr>
-              <a:t>.</a:t>
-            </a:r>
-            <a:endParaRPr lang="es-ES" sz="1600" b="0" i="0" dirty="0">
-              <a:solidFill>
-                <a:srgbClr val="AAAAAA"/>
-              </a:solidFill>
-              <a:effectLst/>
-            </a:endParaRPr>
-          </a:p>
-        </p:txBody>
-      </p:sp>
-      <p:pic>
-        <p:nvPicPr>
-          <p:cNvPr id="3" name="Imagen 2">
-            <a:extLst>
-              <a:ext uri="{FF2B5EF4-FFF2-40B4-BE49-F238E27FC236}">
-                <a16:creationId xmlns:a16="http://schemas.microsoft.com/office/drawing/2014/main" id="{41D5B816-F41C-4A41-AFAA-8D2B5C16CBF4}"/>
+                <a16:creationId xmlns:a16="http://schemas.microsoft.com/office/drawing/2014/main" id="{79573BAB-42E1-0167-AC1B-ED1685C4DCDC}"/>
               </a:ext>
             </a:extLst>
           </p:cNvPr>
@@ -17076,8 +16528,280 @@
         </p:blipFill>
         <p:spPr>
           <a:xfrm>
-            <a:off x="683567" y="2996952"/>
-            <a:ext cx="7632848" cy="2593434"/>
+            <a:off x="407863" y="3203973"/>
+            <a:ext cx="7762875" cy="3200400"/>
+          </a:xfrm>
+          <a:prstGeom prst="rect">
+            <a:avLst/>
+          </a:prstGeom>
+        </p:spPr>
+      </p:pic>
+      <p:sp>
+        <p:nvSpPr>
+          <p:cNvPr id="184324" name="Rectangle 4"/>
+          <p:cNvSpPr>
+            <a:spLocks noGrp="1" noChangeArrowheads="1"/>
+          </p:cNvSpPr>
+          <p:nvPr>
+            <p:ph type="title"/>
+          </p:nvPr>
+        </p:nvSpPr>
+        <p:spPr>
+          <a:xfrm>
+            <a:off x="107504" y="116632"/>
+            <a:ext cx="8579296" cy="1143000"/>
+          </a:xfrm>
+        </p:spPr>
+        <p:txBody>
+          <a:bodyPr>
+            <a:normAutofit/>
+          </a:bodyPr>
+          <a:lstStyle/>
+          <a:p>
+            <a:pPr eaLnBrk="1" hangingPunct="1">
+              <a:defRPr/>
+            </a:pPr>
+            <a:r>
+              <a:rPr lang="es-MX" b="1" dirty="0">
+                <a:solidFill>
+                  <a:schemeClr val="accent4">
+                    <a:lumMod val="50000"/>
+                  </a:schemeClr>
+                </a:solidFill>
+                <a:effectLst>
+                  <a:outerShdw blurRad="38100" dist="38100" dir="2700000" algn="tl">
+                    <a:srgbClr val="C0C0C0"/>
+                  </a:outerShdw>
+                </a:effectLst>
+                <a:latin typeface="Dom Casual" charset="0"/>
+              </a:rPr>
+              <a:t>Ejercicio</a:t>
+            </a:r>
+          </a:p>
+        </p:txBody>
+      </p:sp>
+      <p:sp>
+        <p:nvSpPr>
+          <p:cNvPr id="9" name="CuadroTexto 8">
+            <a:extLst>
+              <a:ext uri="{FF2B5EF4-FFF2-40B4-BE49-F238E27FC236}">
+                <a16:creationId xmlns:a16="http://schemas.microsoft.com/office/drawing/2014/main" id="{E9FACE5D-9900-46A2-9420-5388E042012D}"/>
+              </a:ext>
+            </a:extLst>
+          </p:cNvPr>
+          <p:cNvSpPr txBox="1"/>
+          <p:nvPr/>
+        </p:nvSpPr>
+        <p:spPr>
+          <a:xfrm>
+            <a:off x="1115616" y="1000107"/>
+            <a:ext cx="6624736" cy="393698"/>
+          </a:xfrm>
+          <a:prstGeom prst="rect">
+            <a:avLst/>
+          </a:prstGeom>
+          <a:noFill/>
+        </p:spPr>
+        <p:txBody>
+          <a:bodyPr wrap="square">
+            <a:spAutoFit/>
+          </a:bodyPr>
+          <a:lstStyle/>
+          <a:p>
+            <a:pPr algn="ctr" fontAlgn="base">
+              <a:lnSpc>
+                <a:spcPts val="2500"/>
+              </a:lnSpc>
+              <a:spcAft>
+                <a:spcPts val="600"/>
+              </a:spcAft>
+            </a:pPr>
+            <a:r>
+              <a:rPr lang="es-ES" b="1" dirty="0">
+                <a:solidFill>
+                  <a:schemeClr val="accent6">
+                    <a:lumMod val="75000"/>
+                  </a:schemeClr>
+                </a:solidFill>
+                <a:latin typeface="inherit"/>
+              </a:rPr>
+              <a:t>Encontrar puntuaciones</a:t>
+            </a:r>
+            <a:endParaRPr lang="es-ES" b="1" i="0" dirty="0">
+              <a:solidFill>
+                <a:schemeClr val="accent6">
+                  <a:lumMod val="75000"/>
+                </a:schemeClr>
+              </a:solidFill>
+              <a:effectLst/>
+              <a:latin typeface="inherit"/>
+            </a:endParaRPr>
+          </a:p>
+        </p:txBody>
+      </p:sp>
+      <p:sp>
+        <p:nvSpPr>
+          <p:cNvPr id="8" name="CuadroTexto 7">
+            <a:extLst>
+              <a:ext uri="{FF2B5EF4-FFF2-40B4-BE49-F238E27FC236}">
+                <a16:creationId xmlns:a16="http://schemas.microsoft.com/office/drawing/2014/main" id="{2B885235-1BFC-4A90-AC93-F12DA30D3529}"/>
+              </a:ext>
+            </a:extLst>
+          </p:cNvPr>
+          <p:cNvSpPr txBox="1"/>
+          <p:nvPr/>
+        </p:nvSpPr>
+        <p:spPr>
+          <a:xfrm>
+            <a:off x="436712" y="1823083"/>
+            <a:ext cx="3343200" cy="967957"/>
+          </a:xfrm>
+          <a:prstGeom prst="rect">
+            <a:avLst/>
+          </a:prstGeom>
+          <a:noFill/>
+        </p:spPr>
+        <p:txBody>
+          <a:bodyPr wrap="square">
+            <a:spAutoFit/>
+          </a:bodyPr>
+          <a:lstStyle/>
+          <a:p>
+            <a:pPr algn="just">
+              <a:lnSpc>
+                <a:spcPct val="150000"/>
+              </a:lnSpc>
+            </a:pPr>
+            <a:r>
+              <a:rPr lang="es-ES" sz="2000" b="1" i="0" dirty="0">
+                <a:solidFill>
+                  <a:schemeClr val="accent6">
+                    <a:lumMod val="75000"/>
+                  </a:schemeClr>
+                </a:solidFill>
+                <a:effectLst/>
+              </a:rPr>
+              <a:t>\w </a:t>
+            </a:r>
+            <a:r>
+              <a:rPr lang="es-ES" sz="2000" i="0" dirty="0" err="1">
+                <a:solidFill>
+                  <a:schemeClr val="tx1">
+                    <a:lumMod val="95000"/>
+                    <a:lumOff val="5000"/>
+                  </a:schemeClr>
+                </a:solidFill>
+                <a:effectLst/>
+              </a:rPr>
+              <a:t>Caracte</a:t>
+            </a:r>
+            <a:r>
+              <a:rPr lang="es-ES" sz="2000" dirty="0" err="1">
+                <a:solidFill>
+                  <a:schemeClr val="tx1">
+                    <a:lumMod val="95000"/>
+                    <a:lumOff val="5000"/>
+                  </a:schemeClr>
+                </a:solidFill>
+              </a:rPr>
+              <a:t>r</a:t>
+            </a:r>
+            <a:r>
+              <a:rPr lang="es-ES" sz="2000" dirty="0">
+                <a:solidFill>
+                  <a:schemeClr val="tx1">
+                    <a:lumMod val="95000"/>
+                    <a:lumOff val="5000"/>
+                  </a:schemeClr>
+                </a:solidFill>
+              </a:rPr>
+              <a:t> o guion bajo.</a:t>
+            </a:r>
+          </a:p>
+          <a:p>
+            <a:pPr algn="just">
+              <a:lnSpc>
+                <a:spcPct val="150000"/>
+              </a:lnSpc>
+            </a:pPr>
+            <a:r>
+              <a:rPr lang="es-ES" sz="2000" b="1" dirty="0">
+                <a:solidFill>
+                  <a:schemeClr val="accent6">
+                    <a:lumMod val="75000"/>
+                  </a:schemeClr>
+                </a:solidFill>
+              </a:rPr>
+              <a:t>\s </a:t>
+            </a:r>
+            <a:r>
+              <a:rPr lang="es-ES" sz="2000" dirty="0">
+                <a:solidFill>
+                  <a:schemeClr val="tx1">
+                    <a:lumMod val="95000"/>
+                    <a:lumOff val="5000"/>
+                  </a:schemeClr>
+                </a:solidFill>
+              </a:rPr>
+              <a:t>Espacio, </a:t>
+            </a:r>
+            <a:r>
+              <a:rPr lang="es-ES" sz="2000" dirty="0" err="1">
+                <a:solidFill>
+                  <a:schemeClr val="tx1">
+                    <a:lumMod val="95000"/>
+                    <a:lumOff val="5000"/>
+                  </a:schemeClr>
+                </a:solidFill>
+              </a:rPr>
+              <a:t>tab</a:t>
+            </a:r>
+            <a:r>
+              <a:rPr lang="es-ES" sz="2000" dirty="0">
+                <a:solidFill>
+                  <a:schemeClr val="tx1">
+                    <a:lumMod val="95000"/>
+                    <a:lumOff val="5000"/>
+                  </a:schemeClr>
+                </a:solidFill>
+              </a:rPr>
+              <a:t>, salto de línea</a:t>
+            </a:r>
+            <a:endParaRPr lang="es-ES" sz="2000" b="1" dirty="0">
+              <a:solidFill>
+                <a:schemeClr val="tx1">
+                  <a:lumMod val="95000"/>
+                  <a:lumOff val="5000"/>
+                </a:schemeClr>
+              </a:solidFill>
+            </a:endParaRPr>
+          </a:p>
+        </p:txBody>
+      </p:sp>
+      <p:pic>
+        <p:nvPicPr>
+          <p:cNvPr id="6" name="Imagen 5">
+            <a:extLst>
+              <a:ext uri="{FF2B5EF4-FFF2-40B4-BE49-F238E27FC236}">
+                <a16:creationId xmlns:a16="http://schemas.microsoft.com/office/drawing/2014/main" id="{B9F7E57C-E9F3-4E63-858D-D231EB203ACC}"/>
+              </a:ext>
+            </a:extLst>
+          </p:cNvPr>
+          <p:cNvPicPr>
+            <a:picLocks noChangeAspect="1"/>
+          </p:cNvPicPr>
+          <p:nvPr/>
+        </p:nvPicPr>
+        <p:blipFill>
+          <a:blip r:embed="rId4"/>
+          <a:stretch>
+            <a:fillRect/>
+          </a:stretch>
+        </p:blipFill>
+        <p:spPr>
+          <a:xfrm>
+            <a:off x="3779912" y="1762390"/>
+            <a:ext cx="5112617" cy="2223182"/>
           </a:xfrm>
           <a:prstGeom prst="rect">
             <a:avLst/>
@@ -17087,7 +16811,7 @@
     </p:spTree>
     <p:extLst>
       <p:ext uri="{BB962C8B-B14F-4D97-AF65-F5344CB8AC3E}">
-        <p14:creationId xmlns:p14="http://schemas.microsoft.com/office/powerpoint/2010/main" val="99952455"/>
+        <p14:creationId xmlns:p14="http://schemas.microsoft.com/office/powerpoint/2010/main" val="980519909"/>
       </p:ext>
     </p:extLst>
   </p:cSld>
@@ -17697,8 +17421,8 @@
         </p:nvSpPr>
         <p:spPr>
           <a:xfrm>
-            <a:off x="289721" y="4056"/>
-            <a:ext cx="8363272" cy="1143000"/>
+            <a:off x="107504" y="116632"/>
+            <a:ext cx="8579296" cy="1143000"/>
           </a:xfrm>
         </p:spPr>
         <p:txBody>
@@ -17724,7 +17448,7 @@
                 </a:effectLst>
                 <a:latin typeface="Dom Casual" charset="0"/>
               </a:rPr>
-              <a:t>Metacaracteres</a:t>
+              <a:t>Flags</a:t>
             </a:r>
             <a:endParaRPr lang="es-MX" b="1" dirty="0">
               <a:solidFill>
@@ -17744,10 +17468,10 @@
       </p:sp>
       <p:sp>
         <p:nvSpPr>
-          <p:cNvPr id="8" name="CuadroTexto 7">
+          <p:cNvPr id="9" name="CuadroTexto 8">
             <a:extLst>
               <a:ext uri="{FF2B5EF4-FFF2-40B4-BE49-F238E27FC236}">
-                <a16:creationId xmlns:a16="http://schemas.microsoft.com/office/drawing/2014/main" id="{C54CFFB0-D6E7-4679-A6E8-7F8B2E54D6C1}"/>
+                <a16:creationId xmlns:a16="http://schemas.microsoft.com/office/drawing/2014/main" id="{E9FACE5D-9900-46A2-9420-5388E042012D}"/>
               </a:ext>
             </a:extLst>
           </p:cNvPr>
@@ -17756,8 +17480,8 @@
         </p:nvSpPr>
         <p:spPr>
           <a:xfrm>
-            <a:off x="2051720" y="950207"/>
-            <a:ext cx="4680520" cy="714298"/>
+            <a:off x="1115616" y="1000107"/>
+            <a:ext cx="6624736" cy="393698"/>
           </a:xfrm>
           <a:prstGeom prst="rect">
             <a:avLst/>
@@ -17779,7 +17503,7 @@
               </a:spcAft>
             </a:pPr>
             <a:r>
-              <a:rPr lang="es-ES" b="1" dirty="0">
+              <a:rPr lang="es-ES" b="1" dirty="0" err="1">
                 <a:solidFill>
                   <a:schemeClr val="accent6">
                     <a:lumMod val="75000"/>
@@ -17787,10 +17511,10 @@
                 </a:solidFill>
                 <a:latin typeface="inherit"/>
               </a:rPr>
-              <a:t> </a:t>
-            </a:r>
-            <a:r>
-              <a:rPr lang="es-ES" b="1" i="0" dirty="0">
+              <a:t>r</a:t>
+            </a:r>
+            <a:r>
+              <a:rPr lang="es-ES" b="1" i="0" dirty="0" err="1">
                 <a:solidFill>
                   <a:schemeClr val="accent6">
                     <a:lumMod val="75000"/>
@@ -17799,140 +17523,29 @@
                 <a:effectLst/>
                 <a:latin typeface="inherit"/>
               </a:rPr>
-              <a:t>{} Definen </a:t>
-            </a:r>
-            <a:r>
-              <a:rPr lang="es-ES" b="1" dirty="0">
+              <a:t>e.M</a:t>
+            </a:r>
+            <a:r>
+              <a:rPr lang="es-ES" b="1" i="0" dirty="0">
                 <a:solidFill>
                   <a:schemeClr val="accent6">
                     <a:lumMod val="75000"/>
                   </a:schemeClr>
                 </a:solidFill>
-                <a:latin typeface="inherit"/>
-              </a:rPr>
-              <a:t>el número exacto de </a:t>
-            </a:r>
-            <a:r>
-              <a:rPr lang="es-ES" b="1" i="0" dirty="0">
-                <a:solidFill>
-                  <a:schemeClr val="accent6">
-                    <a:lumMod val="75000"/>
-                  </a:schemeClr>
-                </a:solidFill>
                 <a:effectLst/>
                 <a:latin typeface="inherit"/>
               </a:rPr>
-              <a:t>repeticiones de la expresión regular precedente</a:t>
-            </a:r>
-          </a:p>
-        </p:txBody>
-      </p:sp>
-      <p:sp>
-        <p:nvSpPr>
-          <p:cNvPr id="9" name="CuadroTexto 8">
+              <a:t> Multilínea</a:t>
+            </a:r>
+          </a:p>
+        </p:txBody>
+      </p:sp>
+      <p:pic>
+        <p:nvPicPr>
+          <p:cNvPr id="8" name="Imagen 7">
             <a:extLst>
               <a:ext uri="{FF2B5EF4-FFF2-40B4-BE49-F238E27FC236}">
-                <a16:creationId xmlns:a16="http://schemas.microsoft.com/office/drawing/2014/main" id="{3C2E1319-C186-4202-8393-814D31E5493C}"/>
-              </a:ext>
-            </a:extLst>
-          </p:cNvPr>
-          <p:cNvSpPr txBox="1"/>
-          <p:nvPr/>
-        </p:nvSpPr>
-        <p:spPr>
-          <a:xfrm>
-            <a:off x="611560" y="1583476"/>
-            <a:ext cx="7920880" cy="506292"/>
-          </a:xfrm>
-          <a:prstGeom prst="rect">
-            <a:avLst/>
-          </a:prstGeom>
-          <a:noFill/>
-        </p:spPr>
-        <p:txBody>
-          <a:bodyPr wrap="square">
-            <a:spAutoFit/>
-          </a:bodyPr>
-          <a:lstStyle/>
-          <a:p>
-            <a:pPr algn="l">
-              <a:lnSpc>
-                <a:spcPct val="150000"/>
-              </a:lnSpc>
-            </a:pPr>
-            <a:r>
-              <a:rPr lang="es-ES" sz="2000" b="1" i="0" dirty="0">
-                <a:solidFill>
-                  <a:schemeClr val="tx1">
-                    <a:lumMod val="95000"/>
-                    <a:lumOff val="5000"/>
-                  </a:schemeClr>
-                </a:solidFill>
-                <a:effectLst/>
-              </a:rPr>
-              <a:t>Ejemplo 6:</a:t>
-            </a:r>
-            <a:endParaRPr lang="es-ES" sz="2000" b="1" dirty="0">
-              <a:solidFill>
-                <a:schemeClr val="tx1">
-                  <a:lumMod val="95000"/>
-                  <a:lumOff val="5000"/>
-                </a:schemeClr>
-              </a:solidFill>
-            </a:endParaRPr>
-          </a:p>
-        </p:txBody>
-      </p:sp>
-      <p:sp>
-        <p:nvSpPr>
-          <p:cNvPr id="10" name="Abrir llave 9">
-            <a:extLst>
-              <a:ext uri="{FF2B5EF4-FFF2-40B4-BE49-F238E27FC236}">
-                <a16:creationId xmlns:a16="http://schemas.microsoft.com/office/drawing/2014/main" id="{F795473D-90D4-4794-8F57-1F88444BF981}"/>
-              </a:ext>
-            </a:extLst>
-          </p:cNvPr>
-          <p:cNvSpPr/>
-          <p:nvPr/>
-        </p:nvSpPr>
-        <p:spPr>
-          <a:xfrm rot="16200000">
-            <a:off x="7328241" y="5006428"/>
-            <a:ext cx="242932" cy="293259"/>
-          </a:xfrm>
-          <a:prstGeom prst="leftBrace">
-            <a:avLst/>
-          </a:prstGeom>
-        </p:spPr>
-        <p:style>
-          <a:lnRef idx="1">
-            <a:schemeClr val="accent1"/>
-          </a:lnRef>
-          <a:fillRef idx="0">
-            <a:schemeClr val="accent1"/>
-          </a:fillRef>
-          <a:effectRef idx="0">
-            <a:schemeClr val="accent1"/>
-          </a:effectRef>
-          <a:fontRef idx="minor">
-            <a:schemeClr val="tx1"/>
-          </a:fontRef>
-        </p:style>
-        <p:txBody>
-          <a:bodyPr rtlCol="0" anchor="ctr"/>
-          <a:lstStyle/>
-          <a:p>
-            <a:pPr algn="ctr"/>
-            <a:endParaRPr lang="es-MX"/>
-          </a:p>
-        </p:txBody>
-      </p:sp>
-      <p:pic>
-        <p:nvPicPr>
-          <p:cNvPr id="3" name="Imagen 2">
-            <a:extLst>
-              <a:ext uri="{FF2B5EF4-FFF2-40B4-BE49-F238E27FC236}">
-                <a16:creationId xmlns:a16="http://schemas.microsoft.com/office/drawing/2014/main" id="{8E367D70-F93E-4B84-B819-E8E5EC24CCC0}"/>
+                <a16:creationId xmlns:a16="http://schemas.microsoft.com/office/drawing/2014/main" id="{E3840710-FB86-4DB4-A256-41715E3B3070}"/>
               </a:ext>
             </a:extLst>
           </p:cNvPr>
@@ -17949,8 +17562,8 @@
         </p:blipFill>
         <p:spPr>
           <a:xfrm>
-            <a:off x="671139" y="2789828"/>
-            <a:ext cx="7892890" cy="3183008"/>
+            <a:off x="1799367" y="3143086"/>
+            <a:ext cx="5940985" cy="3063904"/>
           </a:xfrm>
           <a:prstGeom prst="rect">
             <a:avLst/>
@@ -17959,10 +17572,10 @@
       </p:pic>
       <p:sp>
         <p:nvSpPr>
-          <p:cNvPr id="11" name="CuadroTexto 10">
+          <p:cNvPr id="12" name="CuadroTexto 11">
             <a:extLst>
               <a:ext uri="{FF2B5EF4-FFF2-40B4-BE49-F238E27FC236}">
-                <a16:creationId xmlns:a16="http://schemas.microsoft.com/office/drawing/2014/main" id="{A01963C4-5EE1-4A60-85A8-719A3CE36006}"/>
+                <a16:creationId xmlns:a16="http://schemas.microsoft.com/office/drawing/2014/main" id="{2BAA6197-7260-44CA-B670-444DBF97C92D}"/>
               </a:ext>
             </a:extLst>
           </p:cNvPr>
@@ -17971,8 +17584,8 @@
         </p:nvSpPr>
         <p:spPr>
           <a:xfrm>
-            <a:off x="611560" y="2089768"/>
-            <a:ext cx="8041433" cy="386901"/>
+            <a:off x="683568" y="1537713"/>
+            <a:ext cx="7920880" cy="1429622"/>
           </a:xfrm>
           <a:prstGeom prst="rect">
             <a:avLst/>
@@ -17985,33 +17598,130 @@
           </a:bodyPr>
           <a:lstStyle/>
           <a:p>
-            <a:pPr algn="just">
+            <a:pPr marL="342900" indent="-342900" algn="just">
               <a:lnSpc>
-                <a:spcPts val="2500"/>
+                <a:spcPct val="150000"/>
               </a:lnSpc>
+              <a:buFont typeface="Arial" panose="020B0604020202020204" pitchFamily="34" charset="0"/>
+              <a:buChar char="•"/>
             </a:pPr>
             <a:r>
-              <a:rPr lang="es-ES" sz="1600" b="0" i="0" dirty="0">
-                <a:solidFill>
-                  <a:srgbClr val="333333"/>
+              <a:rPr lang="es-ES" sz="2000" i="0" dirty="0">
+                <a:solidFill>
+                  <a:schemeClr val="tx1">
+                    <a:lumMod val="95000"/>
+                    <a:lumOff val="5000"/>
+                  </a:schemeClr>
                 </a:solidFill>
                 <a:effectLst/>
               </a:rPr>
-              <a:t>Obtenemos una lista de tuplas.</a:t>
-            </a:r>
-            <a:endParaRPr lang="es-ES" sz="1600" b="0" i="0" dirty="0">
-              <a:solidFill>
-                <a:srgbClr val="AAAAAA"/>
-              </a:solidFill>
-              <a:effectLst/>
-            </a:endParaRPr>
+              <a:t>Si quiero </a:t>
+            </a:r>
+            <a:r>
+              <a:rPr lang="es-ES" sz="2000" dirty="0">
+                <a:solidFill>
+                  <a:schemeClr val="tx1">
+                    <a:lumMod val="95000"/>
+                    <a:lumOff val="5000"/>
+                  </a:schemeClr>
+                </a:solidFill>
+              </a:rPr>
+              <a:t>que una línea termine con </a:t>
+            </a:r>
+            <a:r>
+              <a:rPr lang="es-ES" sz="2000" i="0" dirty="0">
+                <a:solidFill>
+                  <a:schemeClr val="tx1">
+                    <a:lumMod val="95000"/>
+                    <a:lumOff val="5000"/>
+                  </a:schemeClr>
+                </a:solidFill>
+                <a:effectLst/>
+              </a:rPr>
+              <a:t>“Mundo.” </a:t>
+            </a:r>
+          </a:p>
+          <a:p>
+            <a:pPr marL="342900" indent="-342900" algn="just">
+              <a:lnSpc>
+                <a:spcPct val="150000"/>
+              </a:lnSpc>
+              <a:buFont typeface="Arial" panose="020B0604020202020204" pitchFamily="34" charset="0"/>
+              <a:buChar char="•"/>
+            </a:pPr>
+            <a:r>
+              <a:rPr lang="es-ES" sz="2000" dirty="0">
+                <a:solidFill>
+                  <a:schemeClr val="tx1">
+                    <a:lumMod val="95000"/>
+                    <a:lumOff val="5000"/>
+                  </a:schemeClr>
+                </a:solidFill>
+              </a:rPr>
+              <a:t>Agregar </a:t>
+            </a:r>
+            <a:r>
+              <a:rPr lang="es-ES" sz="2000" dirty="0" err="1">
+                <a:solidFill>
+                  <a:schemeClr val="tx1">
+                    <a:lumMod val="95000"/>
+                    <a:lumOff val="5000"/>
+                  </a:schemeClr>
+                </a:solidFill>
+              </a:rPr>
+              <a:t>flag</a:t>
+            </a:r>
+            <a:r>
+              <a:rPr lang="es-ES" sz="2000" dirty="0">
+                <a:solidFill>
+                  <a:schemeClr val="tx1">
+                    <a:lumMod val="95000"/>
+                    <a:lumOff val="5000"/>
+                  </a:schemeClr>
+                </a:solidFill>
+              </a:rPr>
+              <a:t> </a:t>
+            </a:r>
+            <a:r>
+              <a:rPr lang="es-ES" sz="2000" b="1" dirty="0" err="1">
+                <a:solidFill>
+                  <a:schemeClr val="tx1">
+                    <a:lumMod val="95000"/>
+                    <a:lumOff val="5000"/>
+                  </a:schemeClr>
+                </a:solidFill>
+              </a:rPr>
+              <a:t>re.M</a:t>
+            </a:r>
+            <a:r>
+              <a:rPr lang="es-ES" sz="2000" b="1" dirty="0">
+                <a:solidFill>
+                  <a:schemeClr val="tx1">
+                    <a:lumMod val="95000"/>
+                    <a:lumOff val="5000"/>
+                  </a:schemeClr>
+                </a:solidFill>
+              </a:rPr>
+              <a:t> </a:t>
+            </a:r>
+            <a:r>
+              <a:rPr lang="es-ES" sz="2000" dirty="0">
+                <a:solidFill>
+                  <a:schemeClr val="tx1">
+                    <a:lumMod val="95000"/>
+                    <a:lumOff val="5000"/>
+                  </a:schemeClr>
+                </a:solidFill>
+              </a:rPr>
+              <a:t>para tomar texto multilínea. Que lea cada línea por separado.</a:t>
+            </a:r>
           </a:p>
         </p:txBody>
       </p:sp>
     </p:spTree>
     <p:extLst>
       <p:ext uri="{BB962C8B-B14F-4D97-AF65-F5344CB8AC3E}">
-        <p14:creationId xmlns:p14="http://schemas.microsoft.com/office/powerpoint/2010/main" val="2642150718"/>
+        <p14:creationId xmlns:p14="http://schemas.microsoft.com/office/powerpoint/2010/main" val="2690599822"/>
       </p:ext>
     </p:extLst>
   </p:cSld>
@@ -18050,8 +17760,8 @@
         </p:nvSpPr>
         <p:spPr>
           <a:xfrm>
-            <a:off x="289722" y="332656"/>
-            <a:ext cx="8363272" cy="1143000"/>
+            <a:off x="107504" y="116632"/>
+            <a:ext cx="8579296" cy="1143000"/>
           </a:xfrm>
         </p:spPr>
         <p:txBody>
@@ -18064,7 +17774,7 @@
               <a:defRPr/>
             </a:pPr>
             <a:r>
-              <a:rPr lang="es-MX" b="1" dirty="0">
+              <a:rPr lang="es-MX" b="1" dirty="0" err="1">
                 <a:solidFill>
                   <a:schemeClr val="accent4">
                     <a:lumMod val="50000"/>
@@ -18077,17 +17787,30 @@
                 </a:effectLst>
                 <a:latin typeface="Dom Casual" charset="0"/>
               </a:rPr>
-              <a:t>Secuencias especiales</a:t>
-            </a:r>
-          </a:p>
-        </p:txBody>
-      </p:sp>
-      <p:sp>
-        <p:nvSpPr>
-          <p:cNvPr id="11" name="CuadroTexto 10">
+              <a:t>Flags</a:t>
+            </a:r>
+            <a:endParaRPr lang="es-MX" b="1" dirty="0">
+              <a:solidFill>
+                <a:schemeClr val="accent4">
+                  <a:lumMod val="50000"/>
+                </a:schemeClr>
+              </a:solidFill>
+              <a:effectLst>
+                <a:outerShdw blurRad="38100" dist="38100" dir="2700000" algn="tl">
+                  <a:srgbClr val="C0C0C0"/>
+                </a:outerShdw>
+              </a:effectLst>
+              <a:latin typeface="Dom Casual" charset="0"/>
+            </a:endParaRPr>
+          </a:p>
+        </p:txBody>
+      </p:sp>
+      <p:sp>
+        <p:nvSpPr>
+          <p:cNvPr id="9" name="CuadroTexto 8">
             <a:extLst>
               <a:ext uri="{FF2B5EF4-FFF2-40B4-BE49-F238E27FC236}">
-                <a16:creationId xmlns:a16="http://schemas.microsoft.com/office/drawing/2014/main" id="{A01963C4-5EE1-4A60-85A8-719A3CE36006}"/>
+                <a16:creationId xmlns:a16="http://schemas.microsoft.com/office/drawing/2014/main" id="{E9FACE5D-9900-46A2-9420-5388E042012D}"/>
               </a:ext>
             </a:extLst>
           </p:cNvPr>
@@ -18096,8 +17819,8 @@
         </p:nvSpPr>
         <p:spPr>
           <a:xfrm>
-            <a:off x="390364" y="2057342"/>
-            <a:ext cx="8363272" cy="2743315"/>
+            <a:off x="1115616" y="1000107"/>
+            <a:ext cx="6624736" cy="393698"/>
           </a:xfrm>
           <a:prstGeom prst="rect">
             <a:avLst/>
@@ -18110,197 +17833,167 @@
           </a:bodyPr>
           <a:lstStyle/>
           <a:p>
-            <a:pPr algn="just">
+            <a:pPr algn="ctr" fontAlgn="base">
               <a:lnSpc>
-                <a:spcPts val="3000"/>
+                <a:spcPts val="2500"/>
               </a:lnSpc>
+              <a:spcAft>
+                <a:spcPts val="600"/>
+              </a:spcAft>
             </a:pPr>
             <a:r>
-              <a:rPr lang="es-ES" sz="1600" b="1" dirty="0">
-                <a:solidFill>
-                  <a:srgbClr val="FF0000"/>
-                </a:solidFill>
-              </a:rPr>
-              <a:t>\d    </a:t>
-            </a:r>
-            <a:r>
-              <a:rPr lang="es-ES" sz="1600" dirty="0">
-                <a:solidFill>
-                  <a:srgbClr val="333333"/>
-                </a:solidFill>
-              </a:rPr>
-              <a:t>Coincide con cualquier dígito decimal. Equivalente a [0-9].</a:t>
-            </a:r>
-          </a:p>
-          <a:p>
-            <a:pPr algn="just">
+              <a:rPr lang="es-ES" b="1" dirty="0" err="1">
+                <a:solidFill>
+                  <a:schemeClr val="accent6">
+                    <a:lumMod val="75000"/>
+                  </a:schemeClr>
+                </a:solidFill>
+                <a:latin typeface="inherit"/>
+              </a:rPr>
+              <a:t>r</a:t>
+            </a:r>
+            <a:r>
+              <a:rPr lang="es-ES" b="1" i="0" dirty="0" err="1">
+                <a:solidFill>
+                  <a:schemeClr val="accent6">
+                    <a:lumMod val="75000"/>
+                  </a:schemeClr>
+                </a:solidFill>
+                <a:effectLst/>
+                <a:latin typeface="inherit"/>
+              </a:rPr>
+              <a:t>e.I</a:t>
+            </a:r>
+            <a:r>
+              <a:rPr lang="es-ES" b="1" i="0" dirty="0">
+                <a:solidFill>
+                  <a:schemeClr val="accent6">
+                    <a:lumMod val="75000"/>
+                  </a:schemeClr>
+                </a:solidFill>
+                <a:effectLst/>
+                <a:latin typeface="inherit"/>
+              </a:rPr>
+              <a:t> (Ignore mayúsculas y minúsculas)</a:t>
+            </a:r>
+          </a:p>
+        </p:txBody>
+      </p:sp>
+      <p:sp>
+        <p:nvSpPr>
+          <p:cNvPr id="12" name="CuadroTexto 11">
+            <a:extLst>
+              <a:ext uri="{FF2B5EF4-FFF2-40B4-BE49-F238E27FC236}">
+                <a16:creationId xmlns:a16="http://schemas.microsoft.com/office/drawing/2014/main" id="{2BAA6197-7260-44CA-B670-444DBF97C92D}"/>
+              </a:ext>
+            </a:extLst>
+          </p:cNvPr>
+          <p:cNvSpPr txBox="1"/>
+          <p:nvPr/>
+        </p:nvSpPr>
+        <p:spPr>
+          <a:xfrm>
+            <a:off x="683568" y="1537713"/>
+            <a:ext cx="7920880" cy="967957"/>
+          </a:xfrm>
+          <a:prstGeom prst="rect">
+            <a:avLst/>
+          </a:prstGeom>
+          <a:noFill/>
+        </p:spPr>
+        <p:txBody>
+          <a:bodyPr wrap="square">
+            <a:spAutoFit/>
+          </a:bodyPr>
+          <a:lstStyle/>
+          <a:p>
+            <a:pPr marL="342900" indent="-342900" algn="just">
               <a:lnSpc>
-                <a:spcPts val="3000"/>
+                <a:spcPct val="150000"/>
               </a:lnSpc>
+              <a:buFont typeface="Arial" panose="020B0604020202020204" pitchFamily="34" charset="0"/>
+              <a:buChar char="•"/>
             </a:pPr>
             <a:r>
-              <a:rPr lang="es-ES" sz="1600" b="1" dirty="0">
-                <a:solidFill>
-                  <a:srgbClr val="FF0000"/>
-                </a:solidFill>
-              </a:rPr>
-              <a:t>\D    </a:t>
-            </a:r>
-            <a:r>
-              <a:rPr lang="es-ES" sz="1600" dirty="0">
-                <a:solidFill>
-                  <a:srgbClr val="333333"/>
-                </a:solidFill>
-              </a:rPr>
-              <a:t>Coincide con cualquier carácter que </a:t>
-            </a:r>
-            <a:r>
-              <a:rPr lang="es-ES" sz="1600" b="1" dirty="0">
-                <a:solidFill>
-                  <a:srgbClr val="333333"/>
-                </a:solidFill>
-              </a:rPr>
-              <a:t>no</a:t>
-            </a:r>
-            <a:r>
-              <a:rPr lang="es-ES" sz="1600" dirty="0">
-                <a:solidFill>
-                  <a:srgbClr val="333333"/>
-                </a:solidFill>
-              </a:rPr>
-              <a:t> sea un dígito. Equivalente a [^0-9].</a:t>
-            </a:r>
-          </a:p>
-          <a:p>
-            <a:pPr algn="just">
-              <a:lnSpc>
-                <a:spcPts val="3000"/>
-              </a:lnSpc>
-            </a:pPr>
-            <a:r>
-              <a:rPr lang="es-ES" sz="1600" b="1" dirty="0">
-                <a:solidFill>
-                  <a:srgbClr val="FF0000"/>
-                </a:solidFill>
-              </a:rPr>
-              <a:t>\s     </a:t>
-            </a:r>
-            <a:r>
-              <a:rPr lang="es-ES" sz="1600" dirty="0">
-                <a:solidFill>
-                  <a:srgbClr val="333333"/>
-                </a:solidFill>
-              </a:rPr>
-              <a:t>Coincide con un espacio en blanco.</a:t>
-            </a:r>
-          </a:p>
-          <a:p>
-            <a:pPr algn="just">
-              <a:lnSpc>
-                <a:spcPts val="3000"/>
-              </a:lnSpc>
-            </a:pPr>
-            <a:r>
-              <a:rPr lang="es-ES" sz="1600" b="1" dirty="0">
-                <a:solidFill>
-                  <a:srgbClr val="FF0000"/>
-                </a:solidFill>
-              </a:rPr>
-              <a:t>\S    </a:t>
-            </a:r>
-            <a:r>
-              <a:rPr lang="es-ES" sz="1600" dirty="0">
-                <a:solidFill>
-                  <a:srgbClr val="333333"/>
-                </a:solidFill>
-              </a:rPr>
-              <a:t>Coincide con cualquier carácter que </a:t>
-            </a:r>
-            <a:r>
-              <a:rPr lang="es-ES" sz="1600" b="1" dirty="0">
-                <a:solidFill>
-                  <a:srgbClr val="333333"/>
-                </a:solidFill>
-              </a:rPr>
-              <a:t>no</a:t>
-            </a:r>
-            <a:r>
-              <a:rPr lang="es-ES" sz="1600" dirty="0">
-                <a:solidFill>
-                  <a:srgbClr val="333333"/>
-                </a:solidFill>
-              </a:rPr>
-              <a:t> sea un espacio en blanco. Equivalente a [^ \t\n\r\f\v].</a:t>
-            </a:r>
-          </a:p>
-          <a:p>
-            <a:pPr algn="just">
-              <a:lnSpc>
-                <a:spcPts val="3000"/>
-              </a:lnSpc>
-            </a:pPr>
-            <a:r>
-              <a:rPr lang="es-ES" sz="1600" b="1" dirty="0">
-                <a:solidFill>
-                  <a:srgbClr val="FF0000"/>
-                </a:solidFill>
-              </a:rPr>
-              <a:t>\w   </a:t>
-            </a:r>
-            <a:r>
-              <a:rPr lang="es-ES" sz="1600" dirty="0">
-                <a:solidFill>
-                  <a:srgbClr val="333333"/>
-                </a:solidFill>
-              </a:rPr>
-              <a:t>Coincide con cualquier carácter alfanumérico e incluye vocales con acentos. Equivalente a [a-zA-Z0-9_].</a:t>
-            </a:r>
-          </a:p>
-          <a:p>
-            <a:pPr algn="just">
-              <a:lnSpc>
-                <a:spcPts val="3000"/>
-              </a:lnSpc>
-            </a:pPr>
-            <a:r>
-              <a:rPr lang="es-ES" sz="1600" b="1" dirty="0">
-                <a:solidFill>
-                  <a:srgbClr val="FF0000"/>
-                </a:solidFill>
-              </a:rPr>
-              <a:t>\W  </a:t>
-            </a:r>
-            <a:r>
-              <a:rPr lang="es-ES" sz="1600" dirty="0">
-                <a:solidFill>
-                  <a:srgbClr val="333333"/>
-                </a:solidFill>
-              </a:rPr>
-              <a:t>Coincide con cualquier carácter </a:t>
-            </a:r>
-            <a:r>
-              <a:rPr lang="es-ES" sz="1600" b="1" dirty="0">
-                <a:solidFill>
-                  <a:srgbClr val="333333"/>
-                </a:solidFill>
-              </a:rPr>
-              <a:t>no </a:t>
-            </a:r>
-            <a:r>
-              <a:rPr lang="es-ES" sz="1600" dirty="0">
-                <a:solidFill>
-                  <a:srgbClr val="333333"/>
-                </a:solidFill>
-              </a:rPr>
-              <a:t>alfanumérico. Equivalente a [^a-zA-Z0-9_].</a:t>
-            </a:r>
-          </a:p>
-        </p:txBody>
-      </p:sp>
+              <a:rPr lang="es-ES" sz="2000" i="0" dirty="0">
+                <a:solidFill>
+                  <a:schemeClr val="tx1">
+                    <a:lumMod val="95000"/>
+                    <a:lumOff val="5000"/>
+                  </a:schemeClr>
+                </a:solidFill>
+                <a:effectLst/>
+              </a:rPr>
+              <a:t>Si quiero buscar una palabra como </a:t>
+            </a:r>
+            <a:r>
+              <a:rPr lang="es-ES" sz="2000" dirty="0">
+                <a:solidFill>
+                  <a:schemeClr val="tx1">
+                    <a:lumMod val="95000"/>
+                    <a:lumOff val="5000"/>
+                  </a:schemeClr>
+                </a:solidFill>
+              </a:rPr>
+              <a:t>sin importar que este escrita en mayúsculas o minúsculas.</a:t>
+            </a:r>
+            <a:r>
+              <a:rPr lang="es-ES" sz="2000" i="0" dirty="0">
+                <a:solidFill>
+                  <a:schemeClr val="tx1">
+                    <a:lumMod val="95000"/>
+                    <a:lumOff val="5000"/>
+                  </a:schemeClr>
+                </a:solidFill>
+                <a:effectLst/>
+              </a:rPr>
+              <a:t> </a:t>
+            </a:r>
+            <a:endParaRPr lang="es-ES" sz="2000" dirty="0">
+              <a:solidFill>
+                <a:schemeClr val="tx1">
+                  <a:lumMod val="95000"/>
+                  <a:lumOff val="5000"/>
+                </a:schemeClr>
+              </a:solidFill>
+            </a:endParaRPr>
+          </a:p>
+        </p:txBody>
+      </p:sp>
+      <p:pic>
+        <p:nvPicPr>
+          <p:cNvPr id="3" name="Imagen 2">
+            <a:extLst>
+              <a:ext uri="{FF2B5EF4-FFF2-40B4-BE49-F238E27FC236}">
+                <a16:creationId xmlns:a16="http://schemas.microsoft.com/office/drawing/2014/main" id="{E4F092CB-B93F-4FF3-A4E7-1456D0FCEE8A}"/>
+              </a:ext>
+            </a:extLst>
+          </p:cNvPr>
+          <p:cNvPicPr>
+            <a:picLocks noChangeAspect="1"/>
+          </p:cNvPicPr>
+          <p:nvPr/>
+        </p:nvPicPr>
+        <p:blipFill>
+          <a:blip r:embed="rId3"/>
+          <a:stretch>
+            <a:fillRect/>
+          </a:stretch>
+        </p:blipFill>
+        <p:spPr>
+          <a:xfrm>
+            <a:off x="1881386" y="2819811"/>
+            <a:ext cx="5525244" cy="3073728"/>
+          </a:xfrm>
+          <a:prstGeom prst="rect">
+            <a:avLst/>
+          </a:prstGeom>
+        </p:spPr>
+      </p:pic>
     </p:spTree>
     <p:extLst>
       <p:ext uri="{BB962C8B-B14F-4D97-AF65-F5344CB8AC3E}">
-        <p14:creationId xmlns:p14="http://schemas.microsoft.com/office/powerpoint/2010/main" val="1564804550"/>
+        <p14:creationId xmlns:p14="http://schemas.microsoft.com/office/powerpoint/2010/main" val="275607913"/>
       </p:ext>
     </p:extLst>
   </p:cSld>
@@ -18327,949 +18020,6 @@
           <a:chExt cx="0" cy="0"/>
         </a:xfrm>
       </p:grpSpPr>
-      <p:pic>
-        <p:nvPicPr>
-          <p:cNvPr id="4" name="Imagen 3">
-            <a:extLst>
-              <a:ext uri="{FF2B5EF4-FFF2-40B4-BE49-F238E27FC236}">
-                <a16:creationId xmlns:a16="http://schemas.microsoft.com/office/drawing/2014/main" id="{79573BAB-42E1-0167-AC1B-ED1685C4DCDC}"/>
-              </a:ext>
-            </a:extLst>
-          </p:cNvPr>
-          <p:cNvPicPr>
-            <a:picLocks noChangeAspect="1"/>
-          </p:cNvPicPr>
-          <p:nvPr/>
-        </p:nvPicPr>
-        <p:blipFill>
-          <a:blip r:embed="rId3"/>
-          <a:stretch>
-            <a:fillRect/>
-          </a:stretch>
-        </p:blipFill>
-        <p:spPr>
-          <a:xfrm>
-            <a:off x="407863" y="3203973"/>
-            <a:ext cx="7762875" cy="3200400"/>
-          </a:xfrm>
-          <a:prstGeom prst="rect">
-            <a:avLst/>
-          </a:prstGeom>
-        </p:spPr>
-      </p:pic>
-      <p:sp>
-        <p:nvSpPr>
-          <p:cNvPr id="184324" name="Rectangle 4"/>
-          <p:cNvSpPr>
-            <a:spLocks noGrp="1" noChangeArrowheads="1"/>
-          </p:cNvSpPr>
-          <p:nvPr>
-            <p:ph type="title"/>
-          </p:nvPr>
-        </p:nvSpPr>
-        <p:spPr>
-          <a:xfrm>
-            <a:off x="107504" y="116632"/>
-            <a:ext cx="8579296" cy="1143000"/>
-          </a:xfrm>
-        </p:spPr>
-        <p:txBody>
-          <a:bodyPr>
-            <a:normAutofit/>
-          </a:bodyPr>
-          <a:lstStyle/>
-          <a:p>
-            <a:pPr eaLnBrk="1" hangingPunct="1">
-              <a:defRPr/>
-            </a:pPr>
-            <a:r>
-              <a:rPr lang="es-MX" b="1" dirty="0">
-                <a:solidFill>
-                  <a:schemeClr val="accent4">
-                    <a:lumMod val="50000"/>
-                  </a:schemeClr>
-                </a:solidFill>
-                <a:effectLst>
-                  <a:outerShdw blurRad="38100" dist="38100" dir="2700000" algn="tl">
-                    <a:srgbClr val="C0C0C0"/>
-                  </a:outerShdw>
-                </a:effectLst>
-                <a:latin typeface="Dom Casual" charset="0"/>
-              </a:rPr>
-              <a:t>Ejercicio</a:t>
-            </a:r>
-          </a:p>
-        </p:txBody>
-      </p:sp>
-      <p:sp>
-        <p:nvSpPr>
-          <p:cNvPr id="9" name="CuadroTexto 8">
-            <a:extLst>
-              <a:ext uri="{FF2B5EF4-FFF2-40B4-BE49-F238E27FC236}">
-                <a16:creationId xmlns:a16="http://schemas.microsoft.com/office/drawing/2014/main" id="{E9FACE5D-9900-46A2-9420-5388E042012D}"/>
-              </a:ext>
-            </a:extLst>
-          </p:cNvPr>
-          <p:cNvSpPr txBox="1"/>
-          <p:nvPr/>
-        </p:nvSpPr>
-        <p:spPr>
-          <a:xfrm>
-            <a:off x="1115616" y="1000107"/>
-            <a:ext cx="6624736" cy="393698"/>
-          </a:xfrm>
-          <a:prstGeom prst="rect">
-            <a:avLst/>
-          </a:prstGeom>
-          <a:noFill/>
-        </p:spPr>
-        <p:txBody>
-          <a:bodyPr wrap="square">
-            <a:spAutoFit/>
-          </a:bodyPr>
-          <a:lstStyle/>
-          <a:p>
-            <a:pPr algn="ctr" fontAlgn="base">
-              <a:lnSpc>
-                <a:spcPts val="2500"/>
-              </a:lnSpc>
-              <a:spcAft>
-                <a:spcPts val="600"/>
-              </a:spcAft>
-            </a:pPr>
-            <a:r>
-              <a:rPr lang="es-ES" b="1" dirty="0">
-                <a:solidFill>
-                  <a:schemeClr val="accent6">
-                    <a:lumMod val="75000"/>
-                  </a:schemeClr>
-                </a:solidFill>
-                <a:latin typeface="inherit"/>
-              </a:rPr>
-              <a:t>Encontrar puntuaciones</a:t>
-            </a:r>
-            <a:endParaRPr lang="es-ES" b="1" i="0" dirty="0">
-              <a:solidFill>
-                <a:schemeClr val="accent6">
-                  <a:lumMod val="75000"/>
-                </a:schemeClr>
-              </a:solidFill>
-              <a:effectLst/>
-              <a:latin typeface="inherit"/>
-            </a:endParaRPr>
-          </a:p>
-        </p:txBody>
-      </p:sp>
-      <p:sp>
-        <p:nvSpPr>
-          <p:cNvPr id="8" name="CuadroTexto 7">
-            <a:extLst>
-              <a:ext uri="{FF2B5EF4-FFF2-40B4-BE49-F238E27FC236}">
-                <a16:creationId xmlns:a16="http://schemas.microsoft.com/office/drawing/2014/main" id="{2B885235-1BFC-4A90-AC93-F12DA30D3529}"/>
-              </a:ext>
-            </a:extLst>
-          </p:cNvPr>
-          <p:cNvSpPr txBox="1"/>
-          <p:nvPr/>
-        </p:nvSpPr>
-        <p:spPr>
-          <a:xfrm>
-            <a:off x="436712" y="1823083"/>
-            <a:ext cx="3343200" cy="967957"/>
-          </a:xfrm>
-          <a:prstGeom prst="rect">
-            <a:avLst/>
-          </a:prstGeom>
-          <a:noFill/>
-        </p:spPr>
-        <p:txBody>
-          <a:bodyPr wrap="square">
-            <a:spAutoFit/>
-          </a:bodyPr>
-          <a:lstStyle/>
-          <a:p>
-            <a:pPr algn="just">
-              <a:lnSpc>
-                <a:spcPct val="150000"/>
-              </a:lnSpc>
-            </a:pPr>
-            <a:r>
-              <a:rPr lang="es-ES" sz="2000" b="1" i="0" dirty="0">
-                <a:solidFill>
-                  <a:schemeClr val="accent6">
-                    <a:lumMod val="75000"/>
-                  </a:schemeClr>
-                </a:solidFill>
-                <a:effectLst/>
-              </a:rPr>
-              <a:t>\w </a:t>
-            </a:r>
-            <a:r>
-              <a:rPr lang="es-ES" sz="2000" i="0" dirty="0" err="1">
-                <a:solidFill>
-                  <a:schemeClr val="tx1">
-                    <a:lumMod val="95000"/>
-                    <a:lumOff val="5000"/>
-                  </a:schemeClr>
-                </a:solidFill>
-                <a:effectLst/>
-              </a:rPr>
-              <a:t>Caracte</a:t>
-            </a:r>
-            <a:r>
-              <a:rPr lang="es-ES" sz="2000" dirty="0" err="1">
-                <a:solidFill>
-                  <a:schemeClr val="tx1">
-                    <a:lumMod val="95000"/>
-                    <a:lumOff val="5000"/>
-                  </a:schemeClr>
-                </a:solidFill>
-              </a:rPr>
-              <a:t>r</a:t>
-            </a:r>
-            <a:r>
-              <a:rPr lang="es-ES" sz="2000" dirty="0">
-                <a:solidFill>
-                  <a:schemeClr val="tx1">
-                    <a:lumMod val="95000"/>
-                    <a:lumOff val="5000"/>
-                  </a:schemeClr>
-                </a:solidFill>
-              </a:rPr>
-              <a:t> o guion bajo.</a:t>
-            </a:r>
-          </a:p>
-          <a:p>
-            <a:pPr algn="just">
-              <a:lnSpc>
-                <a:spcPct val="150000"/>
-              </a:lnSpc>
-            </a:pPr>
-            <a:r>
-              <a:rPr lang="es-ES" sz="2000" b="1" dirty="0">
-                <a:solidFill>
-                  <a:schemeClr val="accent6">
-                    <a:lumMod val="75000"/>
-                  </a:schemeClr>
-                </a:solidFill>
-              </a:rPr>
-              <a:t>\s </a:t>
-            </a:r>
-            <a:r>
-              <a:rPr lang="es-ES" sz="2000" dirty="0">
-                <a:solidFill>
-                  <a:schemeClr val="tx1">
-                    <a:lumMod val="95000"/>
-                    <a:lumOff val="5000"/>
-                  </a:schemeClr>
-                </a:solidFill>
-              </a:rPr>
-              <a:t>Espacio, </a:t>
-            </a:r>
-            <a:r>
-              <a:rPr lang="es-ES" sz="2000" dirty="0" err="1">
-                <a:solidFill>
-                  <a:schemeClr val="tx1">
-                    <a:lumMod val="95000"/>
-                    <a:lumOff val="5000"/>
-                  </a:schemeClr>
-                </a:solidFill>
-              </a:rPr>
-              <a:t>tab</a:t>
-            </a:r>
-            <a:r>
-              <a:rPr lang="es-ES" sz="2000" dirty="0">
-                <a:solidFill>
-                  <a:schemeClr val="tx1">
-                    <a:lumMod val="95000"/>
-                    <a:lumOff val="5000"/>
-                  </a:schemeClr>
-                </a:solidFill>
-              </a:rPr>
-              <a:t>, salto de línea</a:t>
-            </a:r>
-            <a:endParaRPr lang="es-ES" sz="2000" b="1" dirty="0">
-              <a:solidFill>
-                <a:schemeClr val="tx1">
-                  <a:lumMod val="95000"/>
-                  <a:lumOff val="5000"/>
-                </a:schemeClr>
-              </a:solidFill>
-            </a:endParaRPr>
-          </a:p>
-        </p:txBody>
-      </p:sp>
-      <p:pic>
-        <p:nvPicPr>
-          <p:cNvPr id="6" name="Imagen 5">
-            <a:extLst>
-              <a:ext uri="{FF2B5EF4-FFF2-40B4-BE49-F238E27FC236}">
-                <a16:creationId xmlns:a16="http://schemas.microsoft.com/office/drawing/2014/main" id="{B9F7E57C-E9F3-4E63-858D-D231EB203ACC}"/>
-              </a:ext>
-            </a:extLst>
-          </p:cNvPr>
-          <p:cNvPicPr>
-            <a:picLocks noChangeAspect="1"/>
-          </p:cNvPicPr>
-          <p:nvPr/>
-        </p:nvPicPr>
-        <p:blipFill>
-          <a:blip r:embed="rId4"/>
-          <a:stretch>
-            <a:fillRect/>
-          </a:stretch>
-        </p:blipFill>
-        <p:spPr>
-          <a:xfrm>
-            <a:off x="3779912" y="1762390"/>
-            <a:ext cx="5112617" cy="2223182"/>
-          </a:xfrm>
-          <a:prstGeom prst="rect">
-            <a:avLst/>
-          </a:prstGeom>
-        </p:spPr>
-      </p:pic>
-    </p:spTree>
-    <p:extLst>
-      <p:ext uri="{BB962C8B-B14F-4D97-AF65-F5344CB8AC3E}">
-        <p14:creationId xmlns:p14="http://schemas.microsoft.com/office/powerpoint/2010/main" val="980519909"/>
-      </p:ext>
-    </p:extLst>
-  </p:cSld>
-  <p:clrMapOvr>
-    <a:masterClrMapping/>
-  </p:clrMapOvr>
-</p:sld>
-</file>
-
-<file path=ppt/slides/slide43.xml><?xml version="1.0" encoding="utf-8"?>
-<p:sld xmlns:a="http://schemas.openxmlformats.org/drawingml/2006/main" xmlns:r="http://schemas.openxmlformats.org/officeDocument/2006/relationships" xmlns:p="http://schemas.openxmlformats.org/presentationml/2006/main">
-  <p:cSld>
-    <p:spTree>
-      <p:nvGrpSpPr>
-        <p:cNvPr id="1" name=""/>
-        <p:cNvGrpSpPr/>
-        <p:nvPr/>
-      </p:nvGrpSpPr>
-      <p:grpSpPr>
-        <a:xfrm>
-          <a:off x="0" y="0"/>
-          <a:ext cx="0" cy="0"/>
-          <a:chOff x="0" y="0"/>
-          <a:chExt cx="0" cy="0"/>
-        </a:xfrm>
-      </p:grpSpPr>
-      <p:sp>
-        <p:nvSpPr>
-          <p:cNvPr id="184324" name="Rectangle 4"/>
-          <p:cNvSpPr>
-            <a:spLocks noGrp="1" noChangeArrowheads="1"/>
-          </p:cNvSpPr>
-          <p:nvPr>
-            <p:ph type="title"/>
-          </p:nvPr>
-        </p:nvSpPr>
-        <p:spPr>
-          <a:xfrm>
-            <a:off x="107504" y="116632"/>
-            <a:ext cx="8579296" cy="1143000"/>
-          </a:xfrm>
-        </p:spPr>
-        <p:txBody>
-          <a:bodyPr>
-            <a:normAutofit/>
-          </a:bodyPr>
-          <a:lstStyle/>
-          <a:p>
-            <a:pPr eaLnBrk="1" hangingPunct="1">
-              <a:defRPr/>
-            </a:pPr>
-            <a:r>
-              <a:rPr lang="es-MX" b="1" dirty="0" err="1">
-                <a:solidFill>
-                  <a:schemeClr val="accent4">
-                    <a:lumMod val="50000"/>
-                  </a:schemeClr>
-                </a:solidFill>
-                <a:effectLst>
-                  <a:outerShdw blurRad="38100" dist="38100" dir="2700000" algn="tl">
-                    <a:srgbClr val="C0C0C0"/>
-                  </a:outerShdw>
-                </a:effectLst>
-                <a:latin typeface="Dom Casual" charset="0"/>
-              </a:rPr>
-              <a:t>Flags</a:t>
-            </a:r>
-            <a:endParaRPr lang="es-MX" b="1" dirty="0">
-              <a:solidFill>
-                <a:schemeClr val="accent4">
-                  <a:lumMod val="50000"/>
-                </a:schemeClr>
-              </a:solidFill>
-              <a:effectLst>
-                <a:outerShdw blurRad="38100" dist="38100" dir="2700000" algn="tl">
-                  <a:srgbClr val="C0C0C0"/>
-                </a:outerShdw>
-              </a:effectLst>
-              <a:latin typeface="Dom Casual" charset="0"/>
-            </a:endParaRPr>
-          </a:p>
-        </p:txBody>
-      </p:sp>
-      <p:sp>
-        <p:nvSpPr>
-          <p:cNvPr id="9" name="CuadroTexto 8">
-            <a:extLst>
-              <a:ext uri="{FF2B5EF4-FFF2-40B4-BE49-F238E27FC236}">
-                <a16:creationId xmlns:a16="http://schemas.microsoft.com/office/drawing/2014/main" id="{E9FACE5D-9900-46A2-9420-5388E042012D}"/>
-              </a:ext>
-            </a:extLst>
-          </p:cNvPr>
-          <p:cNvSpPr txBox="1"/>
-          <p:nvPr/>
-        </p:nvSpPr>
-        <p:spPr>
-          <a:xfrm>
-            <a:off x="1115616" y="1000107"/>
-            <a:ext cx="6624736" cy="393698"/>
-          </a:xfrm>
-          <a:prstGeom prst="rect">
-            <a:avLst/>
-          </a:prstGeom>
-          <a:noFill/>
-        </p:spPr>
-        <p:txBody>
-          <a:bodyPr wrap="square">
-            <a:spAutoFit/>
-          </a:bodyPr>
-          <a:lstStyle/>
-          <a:p>
-            <a:pPr algn="ctr" fontAlgn="base">
-              <a:lnSpc>
-                <a:spcPts val="2500"/>
-              </a:lnSpc>
-              <a:spcAft>
-                <a:spcPts val="600"/>
-              </a:spcAft>
-            </a:pPr>
-            <a:r>
-              <a:rPr lang="es-ES" b="1" dirty="0" err="1">
-                <a:solidFill>
-                  <a:schemeClr val="accent6">
-                    <a:lumMod val="75000"/>
-                  </a:schemeClr>
-                </a:solidFill>
-                <a:latin typeface="inherit"/>
-              </a:rPr>
-              <a:t>r</a:t>
-            </a:r>
-            <a:r>
-              <a:rPr lang="es-ES" b="1" i="0" dirty="0" err="1">
-                <a:solidFill>
-                  <a:schemeClr val="accent6">
-                    <a:lumMod val="75000"/>
-                  </a:schemeClr>
-                </a:solidFill>
-                <a:effectLst/>
-                <a:latin typeface="inherit"/>
-              </a:rPr>
-              <a:t>e.M</a:t>
-            </a:r>
-            <a:r>
-              <a:rPr lang="es-ES" b="1" i="0" dirty="0">
-                <a:solidFill>
-                  <a:schemeClr val="accent6">
-                    <a:lumMod val="75000"/>
-                  </a:schemeClr>
-                </a:solidFill>
-                <a:effectLst/>
-                <a:latin typeface="inherit"/>
-              </a:rPr>
-              <a:t> Multilínea</a:t>
-            </a:r>
-          </a:p>
-        </p:txBody>
-      </p:sp>
-      <p:pic>
-        <p:nvPicPr>
-          <p:cNvPr id="8" name="Imagen 7">
-            <a:extLst>
-              <a:ext uri="{FF2B5EF4-FFF2-40B4-BE49-F238E27FC236}">
-                <a16:creationId xmlns:a16="http://schemas.microsoft.com/office/drawing/2014/main" id="{E3840710-FB86-4DB4-A256-41715E3B3070}"/>
-              </a:ext>
-            </a:extLst>
-          </p:cNvPr>
-          <p:cNvPicPr>
-            <a:picLocks noChangeAspect="1"/>
-          </p:cNvPicPr>
-          <p:nvPr/>
-        </p:nvPicPr>
-        <p:blipFill>
-          <a:blip r:embed="rId3"/>
-          <a:stretch>
-            <a:fillRect/>
-          </a:stretch>
-        </p:blipFill>
-        <p:spPr>
-          <a:xfrm>
-            <a:off x="1799367" y="3143086"/>
-            <a:ext cx="5940985" cy="3063904"/>
-          </a:xfrm>
-          <a:prstGeom prst="rect">
-            <a:avLst/>
-          </a:prstGeom>
-        </p:spPr>
-      </p:pic>
-      <p:sp>
-        <p:nvSpPr>
-          <p:cNvPr id="12" name="CuadroTexto 11">
-            <a:extLst>
-              <a:ext uri="{FF2B5EF4-FFF2-40B4-BE49-F238E27FC236}">
-                <a16:creationId xmlns:a16="http://schemas.microsoft.com/office/drawing/2014/main" id="{2BAA6197-7260-44CA-B670-444DBF97C92D}"/>
-              </a:ext>
-            </a:extLst>
-          </p:cNvPr>
-          <p:cNvSpPr txBox="1"/>
-          <p:nvPr/>
-        </p:nvSpPr>
-        <p:spPr>
-          <a:xfrm>
-            <a:off x="683568" y="1537713"/>
-            <a:ext cx="7920880" cy="1429622"/>
-          </a:xfrm>
-          <a:prstGeom prst="rect">
-            <a:avLst/>
-          </a:prstGeom>
-          <a:noFill/>
-        </p:spPr>
-        <p:txBody>
-          <a:bodyPr wrap="square">
-            <a:spAutoFit/>
-          </a:bodyPr>
-          <a:lstStyle/>
-          <a:p>
-            <a:pPr marL="342900" indent="-342900" algn="just">
-              <a:lnSpc>
-                <a:spcPct val="150000"/>
-              </a:lnSpc>
-              <a:buFont typeface="Arial" panose="020B0604020202020204" pitchFamily="34" charset="0"/>
-              <a:buChar char="•"/>
-            </a:pPr>
-            <a:r>
-              <a:rPr lang="es-ES" sz="2000" i="0" dirty="0">
-                <a:solidFill>
-                  <a:schemeClr val="tx1">
-                    <a:lumMod val="95000"/>
-                    <a:lumOff val="5000"/>
-                  </a:schemeClr>
-                </a:solidFill>
-                <a:effectLst/>
-              </a:rPr>
-              <a:t>Si quiero </a:t>
-            </a:r>
-            <a:r>
-              <a:rPr lang="es-ES" sz="2000" dirty="0">
-                <a:solidFill>
-                  <a:schemeClr val="tx1">
-                    <a:lumMod val="95000"/>
-                    <a:lumOff val="5000"/>
-                  </a:schemeClr>
-                </a:solidFill>
-              </a:rPr>
-              <a:t>que una línea termine con </a:t>
-            </a:r>
-            <a:r>
-              <a:rPr lang="es-ES" sz="2000" i="0" dirty="0">
-                <a:solidFill>
-                  <a:schemeClr val="tx1">
-                    <a:lumMod val="95000"/>
-                    <a:lumOff val="5000"/>
-                  </a:schemeClr>
-                </a:solidFill>
-                <a:effectLst/>
-              </a:rPr>
-              <a:t>“Mundo.” </a:t>
-            </a:r>
-          </a:p>
-          <a:p>
-            <a:pPr marL="342900" indent="-342900" algn="just">
-              <a:lnSpc>
-                <a:spcPct val="150000"/>
-              </a:lnSpc>
-              <a:buFont typeface="Arial" panose="020B0604020202020204" pitchFamily="34" charset="0"/>
-              <a:buChar char="•"/>
-            </a:pPr>
-            <a:r>
-              <a:rPr lang="es-ES" sz="2000" dirty="0">
-                <a:solidFill>
-                  <a:schemeClr val="tx1">
-                    <a:lumMod val="95000"/>
-                    <a:lumOff val="5000"/>
-                  </a:schemeClr>
-                </a:solidFill>
-              </a:rPr>
-              <a:t>Agregar </a:t>
-            </a:r>
-            <a:r>
-              <a:rPr lang="es-ES" sz="2000" dirty="0" err="1">
-                <a:solidFill>
-                  <a:schemeClr val="tx1">
-                    <a:lumMod val="95000"/>
-                    <a:lumOff val="5000"/>
-                  </a:schemeClr>
-                </a:solidFill>
-              </a:rPr>
-              <a:t>flag</a:t>
-            </a:r>
-            <a:r>
-              <a:rPr lang="es-ES" sz="2000" dirty="0">
-                <a:solidFill>
-                  <a:schemeClr val="tx1">
-                    <a:lumMod val="95000"/>
-                    <a:lumOff val="5000"/>
-                  </a:schemeClr>
-                </a:solidFill>
-              </a:rPr>
-              <a:t> </a:t>
-            </a:r>
-            <a:r>
-              <a:rPr lang="es-ES" sz="2000" b="1" dirty="0" err="1">
-                <a:solidFill>
-                  <a:schemeClr val="tx1">
-                    <a:lumMod val="95000"/>
-                    <a:lumOff val="5000"/>
-                  </a:schemeClr>
-                </a:solidFill>
-              </a:rPr>
-              <a:t>re.M</a:t>
-            </a:r>
-            <a:r>
-              <a:rPr lang="es-ES" sz="2000" b="1" dirty="0">
-                <a:solidFill>
-                  <a:schemeClr val="tx1">
-                    <a:lumMod val="95000"/>
-                    <a:lumOff val="5000"/>
-                  </a:schemeClr>
-                </a:solidFill>
-              </a:rPr>
-              <a:t> </a:t>
-            </a:r>
-            <a:r>
-              <a:rPr lang="es-ES" sz="2000" dirty="0">
-                <a:solidFill>
-                  <a:schemeClr val="tx1">
-                    <a:lumMod val="95000"/>
-                    <a:lumOff val="5000"/>
-                  </a:schemeClr>
-                </a:solidFill>
-              </a:rPr>
-              <a:t>para tomar texto multilínea. Que lea cada línea por separado.</a:t>
-            </a:r>
-          </a:p>
-        </p:txBody>
-      </p:sp>
-    </p:spTree>
-    <p:extLst>
-      <p:ext uri="{BB962C8B-B14F-4D97-AF65-F5344CB8AC3E}">
-        <p14:creationId xmlns:p14="http://schemas.microsoft.com/office/powerpoint/2010/main" val="2690599822"/>
-      </p:ext>
-    </p:extLst>
-  </p:cSld>
-  <p:clrMapOvr>
-    <a:masterClrMapping/>
-  </p:clrMapOvr>
-</p:sld>
-</file>
-
-<file path=ppt/slides/slide44.xml><?xml version="1.0" encoding="utf-8"?>
-<p:sld xmlns:a="http://schemas.openxmlformats.org/drawingml/2006/main" xmlns:r="http://schemas.openxmlformats.org/officeDocument/2006/relationships" xmlns:p="http://schemas.openxmlformats.org/presentationml/2006/main">
-  <p:cSld>
-    <p:spTree>
-      <p:nvGrpSpPr>
-        <p:cNvPr id="1" name=""/>
-        <p:cNvGrpSpPr/>
-        <p:nvPr/>
-      </p:nvGrpSpPr>
-      <p:grpSpPr>
-        <a:xfrm>
-          <a:off x="0" y="0"/>
-          <a:ext cx="0" cy="0"/>
-          <a:chOff x="0" y="0"/>
-          <a:chExt cx="0" cy="0"/>
-        </a:xfrm>
-      </p:grpSpPr>
-      <p:sp>
-        <p:nvSpPr>
-          <p:cNvPr id="184324" name="Rectangle 4"/>
-          <p:cNvSpPr>
-            <a:spLocks noGrp="1" noChangeArrowheads="1"/>
-          </p:cNvSpPr>
-          <p:nvPr>
-            <p:ph type="title"/>
-          </p:nvPr>
-        </p:nvSpPr>
-        <p:spPr>
-          <a:xfrm>
-            <a:off x="107504" y="116632"/>
-            <a:ext cx="8579296" cy="1143000"/>
-          </a:xfrm>
-        </p:spPr>
-        <p:txBody>
-          <a:bodyPr>
-            <a:normAutofit/>
-          </a:bodyPr>
-          <a:lstStyle/>
-          <a:p>
-            <a:pPr eaLnBrk="1" hangingPunct="1">
-              <a:defRPr/>
-            </a:pPr>
-            <a:r>
-              <a:rPr lang="es-MX" b="1" dirty="0" err="1">
-                <a:solidFill>
-                  <a:schemeClr val="accent4">
-                    <a:lumMod val="50000"/>
-                  </a:schemeClr>
-                </a:solidFill>
-                <a:effectLst>
-                  <a:outerShdw blurRad="38100" dist="38100" dir="2700000" algn="tl">
-                    <a:srgbClr val="C0C0C0"/>
-                  </a:outerShdw>
-                </a:effectLst>
-                <a:latin typeface="Dom Casual" charset="0"/>
-              </a:rPr>
-              <a:t>Flags</a:t>
-            </a:r>
-            <a:endParaRPr lang="es-MX" b="1" dirty="0">
-              <a:solidFill>
-                <a:schemeClr val="accent4">
-                  <a:lumMod val="50000"/>
-                </a:schemeClr>
-              </a:solidFill>
-              <a:effectLst>
-                <a:outerShdw blurRad="38100" dist="38100" dir="2700000" algn="tl">
-                  <a:srgbClr val="C0C0C0"/>
-                </a:outerShdw>
-              </a:effectLst>
-              <a:latin typeface="Dom Casual" charset="0"/>
-            </a:endParaRPr>
-          </a:p>
-        </p:txBody>
-      </p:sp>
-      <p:sp>
-        <p:nvSpPr>
-          <p:cNvPr id="9" name="CuadroTexto 8">
-            <a:extLst>
-              <a:ext uri="{FF2B5EF4-FFF2-40B4-BE49-F238E27FC236}">
-                <a16:creationId xmlns:a16="http://schemas.microsoft.com/office/drawing/2014/main" id="{E9FACE5D-9900-46A2-9420-5388E042012D}"/>
-              </a:ext>
-            </a:extLst>
-          </p:cNvPr>
-          <p:cNvSpPr txBox="1"/>
-          <p:nvPr/>
-        </p:nvSpPr>
-        <p:spPr>
-          <a:xfrm>
-            <a:off x="1115616" y="1000107"/>
-            <a:ext cx="6624736" cy="393698"/>
-          </a:xfrm>
-          <a:prstGeom prst="rect">
-            <a:avLst/>
-          </a:prstGeom>
-          <a:noFill/>
-        </p:spPr>
-        <p:txBody>
-          <a:bodyPr wrap="square">
-            <a:spAutoFit/>
-          </a:bodyPr>
-          <a:lstStyle/>
-          <a:p>
-            <a:pPr algn="ctr" fontAlgn="base">
-              <a:lnSpc>
-                <a:spcPts val="2500"/>
-              </a:lnSpc>
-              <a:spcAft>
-                <a:spcPts val="600"/>
-              </a:spcAft>
-            </a:pPr>
-            <a:r>
-              <a:rPr lang="es-ES" b="1" dirty="0" err="1">
-                <a:solidFill>
-                  <a:schemeClr val="accent6">
-                    <a:lumMod val="75000"/>
-                  </a:schemeClr>
-                </a:solidFill>
-                <a:latin typeface="inherit"/>
-              </a:rPr>
-              <a:t>r</a:t>
-            </a:r>
-            <a:r>
-              <a:rPr lang="es-ES" b="1" i="0" dirty="0" err="1">
-                <a:solidFill>
-                  <a:schemeClr val="accent6">
-                    <a:lumMod val="75000"/>
-                  </a:schemeClr>
-                </a:solidFill>
-                <a:effectLst/>
-                <a:latin typeface="inherit"/>
-              </a:rPr>
-              <a:t>e.I</a:t>
-            </a:r>
-            <a:r>
-              <a:rPr lang="es-ES" b="1" i="0" dirty="0">
-                <a:solidFill>
-                  <a:schemeClr val="accent6">
-                    <a:lumMod val="75000"/>
-                  </a:schemeClr>
-                </a:solidFill>
-                <a:effectLst/>
-                <a:latin typeface="inherit"/>
-              </a:rPr>
-              <a:t> (Ignore mayúsculas y minúsculas)</a:t>
-            </a:r>
-          </a:p>
-        </p:txBody>
-      </p:sp>
-      <p:sp>
-        <p:nvSpPr>
-          <p:cNvPr id="12" name="CuadroTexto 11">
-            <a:extLst>
-              <a:ext uri="{FF2B5EF4-FFF2-40B4-BE49-F238E27FC236}">
-                <a16:creationId xmlns:a16="http://schemas.microsoft.com/office/drawing/2014/main" id="{2BAA6197-7260-44CA-B670-444DBF97C92D}"/>
-              </a:ext>
-            </a:extLst>
-          </p:cNvPr>
-          <p:cNvSpPr txBox="1"/>
-          <p:nvPr/>
-        </p:nvSpPr>
-        <p:spPr>
-          <a:xfrm>
-            <a:off x="683568" y="1537713"/>
-            <a:ext cx="7920880" cy="967957"/>
-          </a:xfrm>
-          <a:prstGeom prst="rect">
-            <a:avLst/>
-          </a:prstGeom>
-          <a:noFill/>
-        </p:spPr>
-        <p:txBody>
-          <a:bodyPr wrap="square">
-            <a:spAutoFit/>
-          </a:bodyPr>
-          <a:lstStyle/>
-          <a:p>
-            <a:pPr marL="342900" indent="-342900" algn="just">
-              <a:lnSpc>
-                <a:spcPct val="150000"/>
-              </a:lnSpc>
-              <a:buFont typeface="Arial" panose="020B0604020202020204" pitchFamily="34" charset="0"/>
-              <a:buChar char="•"/>
-            </a:pPr>
-            <a:r>
-              <a:rPr lang="es-ES" sz="2000" i="0" dirty="0">
-                <a:solidFill>
-                  <a:schemeClr val="tx1">
-                    <a:lumMod val="95000"/>
-                    <a:lumOff val="5000"/>
-                  </a:schemeClr>
-                </a:solidFill>
-                <a:effectLst/>
-              </a:rPr>
-              <a:t>Si quiero buscar una palabra como </a:t>
-            </a:r>
-            <a:r>
-              <a:rPr lang="es-ES" sz="2000" dirty="0">
-                <a:solidFill>
-                  <a:schemeClr val="tx1">
-                    <a:lumMod val="95000"/>
-                    <a:lumOff val="5000"/>
-                  </a:schemeClr>
-                </a:solidFill>
-              </a:rPr>
-              <a:t>sin importar que este escrita en mayúsculas o minúsculas.</a:t>
-            </a:r>
-            <a:r>
-              <a:rPr lang="es-ES" sz="2000" i="0" dirty="0">
-                <a:solidFill>
-                  <a:schemeClr val="tx1">
-                    <a:lumMod val="95000"/>
-                    <a:lumOff val="5000"/>
-                  </a:schemeClr>
-                </a:solidFill>
-                <a:effectLst/>
-              </a:rPr>
-              <a:t> </a:t>
-            </a:r>
-            <a:endParaRPr lang="es-ES" sz="2000" dirty="0">
-              <a:solidFill>
-                <a:schemeClr val="tx1">
-                  <a:lumMod val="95000"/>
-                  <a:lumOff val="5000"/>
-                </a:schemeClr>
-              </a:solidFill>
-            </a:endParaRPr>
-          </a:p>
-        </p:txBody>
-      </p:sp>
-      <p:pic>
-        <p:nvPicPr>
-          <p:cNvPr id="3" name="Imagen 2">
-            <a:extLst>
-              <a:ext uri="{FF2B5EF4-FFF2-40B4-BE49-F238E27FC236}">
-                <a16:creationId xmlns:a16="http://schemas.microsoft.com/office/drawing/2014/main" id="{E4F092CB-B93F-4FF3-A4E7-1456D0FCEE8A}"/>
-              </a:ext>
-            </a:extLst>
-          </p:cNvPr>
-          <p:cNvPicPr>
-            <a:picLocks noChangeAspect="1"/>
-          </p:cNvPicPr>
-          <p:nvPr/>
-        </p:nvPicPr>
-        <p:blipFill>
-          <a:blip r:embed="rId3"/>
-          <a:stretch>
-            <a:fillRect/>
-          </a:stretch>
-        </p:blipFill>
-        <p:spPr>
-          <a:xfrm>
-            <a:off x="1881386" y="2819811"/>
-            <a:ext cx="5525244" cy="3073728"/>
-          </a:xfrm>
-          <a:prstGeom prst="rect">
-            <a:avLst/>
-          </a:prstGeom>
-        </p:spPr>
-      </p:pic>
-    </p:spTree>
-    <p:extLst>
-      <p:ext uri="{BB962C8B-B14F-4D97-AF65-F5344CB8AC3E}">
-        <p14:creationId xmlns:p14="http://schemas.microsoft.com/office/powerpoint/2010/main" val="275607913"/>
-      </p:ext>
-    </p:extLst>
-  </p:cSld>
-  <p:clrMapOvr>
-    <a:masterClrMapping/>
-  </p:clrMapOvr>
-</p:sld>
-</file>
-
-<file path=ppt/slides/slide45.xml><?xml version="1.0" encoding="utf-8"?>
-<p:sld xmlns:a="http://schemas.openxmlformats.org/drawingml/2006/main" xmlns:r="http://schemas.openxmlformats.org/officeDocument/2006/relationships" xmlns:p="http://schemas.openxmlformats.org/presentationml/2006/main">
-  <p:cSld>
-    <p:spTree>
-      <p:nvGrpSpPr>
-        <p:cNvPr id="1" name=""/>
-        <p:cNvGrpSpPr/>
-        <p:nvPr/>
-      </p:nvGrpSpPr>
-      <p:grpSpPr>
-        <a:xfrm>
-          <a:off x="0" y="0"/>
-          <a:ext cx="0" cy="0"/>
-          <a:chOff x="0" y="0"/>
-          <a:chExt cx="0" cy="0"/>
-        </a:xfrm>
-      </p:grpSpPr>
       <p:sp>
         <p:nvSpPr>
           <p:cNvPr id="184324" name="Rectangle 4"/>
@@ -19525,7 +18275,7 @@
 </p:sld>
 </file>
 
-<file path=ppt/slides/slide46.xml><?xml version="1.0" encoding="utf-8"?>
+<file path=ppt/slides/slide43.xml><?xml version="1.0" encoding="utf-8"?>
 <p:sld xmlns:a="http://schemas.openxmlformats.org/drawingml/2006/main" xmlns:r="http://schemas.openxmlformats.org/officeDocument/2006/relationships" xmlns:p="http://schemas.openxmlformats.org/presentationml/2006/main">
   <p:cSld>
     <p:spTree>
@@ -20749,7 +19499,7 @@
                 <a:cs typeface="Calibri"/>
               </a:rPr>
               <a:pPr marL="25400"/>
-              <a:t>46</a:t>
+              <a:t>43</a:t>
             </a:fld>
             <a:endParaRPr dirty="0">
               <a:latin typeface="Calibri"/>
